--- a/화면 설계서/10.업체 상세정보 조회 페이지.pptx
+++ b/화면 설계서/10.업체 상세정보 조회 페이지.pptx
@@ -4,8 +4,12 @@
   <p:sldMasterIdLst>
     <p:sldMasterId id="2147483648" r:id="rId1"/>
   </p:sldMasterIdLst>
+  <p:notesMasterIdLst>
+    <p:notesMasterId r:id="rId4"/>
+  </p:notesMasterIdLst>
   <p:sldIdLst>
     <p:sldId id="256" r:id="rId2"/>
+    <p:sldId id="257" r:id="rId3"/>
   </p:sldIdLst>
   <p:sldSz cx="12192000" cy="6858000"/>
   <p:notesSz cx="6858000" cy="9144000"/>
@@ -110,6 +114,439 @@
     </p:ext>
   </p:extLst>
 </p:presentation>
+</file>
+
+<file path=ppt/notesMasters/notesMaster1.xml><?xml version="1.0" encoding="utf-8"?>
+<p:notesMaster xmlns:a="http://schemas.openxmlformats.org/drawingml/2006/main" xmlns:r="http://schemas.openxmlformats.org/officeDocument/2006/relationships" xmlns:p="http://schemas.openxmlformats.org/presentationml/2006/main">
+  <p:cSld>
+    <p:bg>
+      <p:bgRef idx="1001">
+        <a:schemeClr val="bg1"/>
+      </p:bgRef>
+    </p:bg>
+    <p:spTree>
+      <p:nvGrpSpPr>
+        <p:cNvPr id="1" name=""/>
+        <p:cNvGrpSpPr/>
+        <p:nvPr/>
+      </p:nvGrpSpPr>
+      <p:grpSpPr>
+        <a:xfrm>
+          <a:off x="0" y="0"/>
+          <a:ext cx="0" cy="0"/>
+          <a:chOff x="0" y="0"/>
+          <a:chExt cx="0" cy="0"/>
+        </a:xfrm>
+      </p:grpSpPr>
+      <p:sp>
+        <p:nvSpPr>
+          <p:cNvPr id="2" name="머리글 개체 틀 1"/>
+          <p:cNvSpPr>
+            <a:spLocks noGrp="1"/>
+          </p:cNvSpPr>
+          <p:nvPr>
+            <p:ph type="hdr" sz="quarter"/>
+          </p:nvPr>
+        </p:nvSpPr>
+        <p:spPr>
+          <a:xfrm>
+            <a:off x="0" y="0"/>
+            <a:ext cx="2971800" cy="458788"/>
+          </a:xfrm>
+          <a:prstGeom prst="rect">
+            <a:avLst/>
+          </a:prstGeom>
+        </p:spPr>
+        <p:txBody>
+          <a:bodyPr vert="horz" lIns="91440" tIns="45720" rIns="91440" bIns="45720" rtlCol="0"/>
+          <a:lstStyle>
+            <a:lvl1pPr algn="l">
+              <a:defRPr sz="1200"/>
+            </a:lvl1pPr>
+          </a:lstStyle>
+          <a:p>
+            <a:endParaRPr lang="ko-KR" altLang="en-US"/>
+          </a:p>
+        </p:txBody>
+      </p:sp>
+      <p:sp>
+        <p:nvSpPr>
+          <p:cNvPr id="3" name="날짜 개체 틀 2"/>
+          <p:cNvSpPr>
+            <a:spLocks noGrp="1"/>
+          </p:cNvSpPr>
+          <p:nvPr>
+            <p:ph type="dt" idx="1"/>
+          </p:nvPr>
+        </p:nvSpPr>
+        <p:spPr>
+          <a:xfrm>
+            <a:off x="3884613" y="0"/>
+            <a:ext cx="2971800" cy="458788"/>
+          </a:xfrm>
+          <a:prstGeom prst="rect">
+            <a:avLst/>
+          </a:prstGeom>
+        </p:spPr>
+        <p:txBody>
+          <a:bodyPr vert="horz" lIns="91440" tIns="45720" rIns="91440" bIns="45720" rtlCol="0"/>
+          <a:lstStyle>
+            <a:lvl1pPr algn="r">
+              <a:defRPr sz="1200"/>
+            </a:lvl1pPr>
+          </a:lstStyle>
+          <a:p>
+            <a:fld id="{87B27187-3F0B-4885-BF5F-6E7701502F77}" type="datetimeFigureOut">
+              <a:rPr lang="ko-KR" altLang="en-US" smtClean="0"/>
+              <a:t>2025-10-10</a:t>
+            </a:fld>
+            <a:endParaRPr lang="ko-KR" altLang="en-US"/>
+          </a:p>
+        </p:txBody>
+      </p:sp>
+      <p:sp>
+        <p:nvSpPr>
+          <p:cNvPr id="4" name="슬라이드 이미지 개체 틀 3"/>
+          <p:cNvSpPr>
+            <a:spLocks noGrp="1" noRot="1" noChangeAspect="1"/>
+          </p:cNvSpPr>
+          <p:nvPr>
+            <p:ph type="sldImg" idx="2"/>
+          </p:nvPr>
+        </p:nvSpPr>
+        <p:spPr>
+          <a:xfrm>
+            <a:off x="685800" y="1143000"/>
+            <a:ext cx="5486400" cy="3086100"/>
+          </a:xfrm>
+          <a:prstGeom prst="rect">
+            <a:avLst/>
+          </a:prstGeom>
+          <a:noFill/>
+          <a:ln w="12700">
+            <a:solidFill>
+              <a:prstClr val="black"/>
+            </a:solidFill>
+          </a:ln>
+        </p:spPr>
+        <p:txBody>
+          <a:bodyPr vert="horz" lIns="91440" tIns="45720" rIns="91440" bIns="45720" rtlCol="0" anchor="ctr"/>
+          <a:lstStyle/>
+          <a:p>
+            <a:endParaRPr lang="ko-KR" altLang="en-US"/>
+          </a:p>
+        </p:txBody>
+      </p:sp>
+      <p:sp>
+        <p:nvSpPr>
+          <p:cNvPr id="5" name="슬라이드 노트 개체 틀 4"/>
+          <p:cNvSpPr>
+            <a:spLocks noGrp="1"/>
+          </p:cNvSpPr>
+          <p:nvPr>
+            <p:ph type="body" sz="quarter" idx="3"/>
+          </p:nvPr>
+        </p:nvSpPr>
+        <p:spPr>
+          <a:xfrm>
+            <a:off x="685800" y="4400550"/>
+            <a:ext cx="5486400" cy="3600450"/>
+          </a:xfrm>
+          <a:prstGeom prst="rect">
+            <a:avLst/>
+          </a:prstGeom>
+        </p:spPr>
+        <p:txBody>
+          <a:bodyPr vert="horz" lIns="91440" tIns="45720" rIns="91440" bIns="45720" rtlCol="0"/>
+          <a:lstStyle/>
+          <a:p>
+            <a:pPr lvl="0"/>
+            <a:r>
+              <a:rPr lang="ko-KR" altLang="en-US"/>
+              <a:t>마스터 텍스트 스타일을 편집하려면 클릭</a:t>
+            </a:r>
+          </a:p>
+          <a:p>
+            <a:pPr lvl="1"/>
+            <a:r>
+              <a:rPr lang="ko-KR" altLang="en-US"/>
+              <a:t>두 번째 수준</a:t>
+            </a:r>
+          </a:p>
+          <a:p>
+            <a:pPr lvl="2"/>
+            <a:r>
+              <a:rPr lang="ko-KR" altLang="en-US"/>
+              <a:t>세 번째 수준</a:t>
+            </a:r>
+          </a:p>
+          <a:p>
+            <a:pPr lvl="3"/>
+            <a:r>
+              <a:rPr lang="ko-KR" altLang="en-US"/>
+              <a:t>네 번째 수준</a:t>
+            </a:r>
+          </a:p>
+          <a:p>
+            <a:pPr lvl="4"/>
+            <a:r>
+              <a:rPr lang="ko-KR" altLang="en-US"/>
+              <a:t>다섯 번째 수준</a:t>
+            </a:r>
+          </a:p>
+        </p:txBody>
+      </p:sp>
+      <p:sp>
+        <p:nvSpPr>
+          <p:cNvPr id="6" name="바닥글 개체 틀 5"/>
+          <p:cNvSpPr>
+            <a:spLocks noGrp="1"/>
+          </p:cNvSpPr>
+          <p:nvPr>
+            <p:ph type="ftr" sz="quarter" idx="4"/>
+          </p:nvPr>
+        </p:nvSpPr>
+        <p:spPr>
+          <a:xfrm>
+            <a:off x="0" y="8685213"/>
+            <a:ext cx="2971800" cy="458787"/>
+          </a:xfrm>
+          <a:prstGeom prst="rect">
+            <a:avLst/>
+          </a:prstGeom>
+        </p:spPr>
+        <p:txBody>
+          <a:bodyPr vert="horz" lIns="91440" tIns="45720" rIns="91440" bIns="45720" rtlCol="0" anchor="b"/>
+          <a:lstStyle>
+            <a:lvl1pPr algn="l">
+              <a:defRPr sz="1200"/>
+            </a:lvl1pPr>
+          </a:lstStyle>
+          <a:p>
+            <a:endParaRPr lang="ko-KR" altLang="en-US"/>
+          </a:p>
+        </p:txBody>
+      </p:sp>
+      <p:sp>
+        <p:nvSpPr>
+          <p:cNvPr id="7" name="슬라이드 번호 개체 틀 6"/>
+          <p:cNvSpPr>
+            <a:spLocks noGrp="1"/>
+          </p:cNvSpPr>
+          <p:nvPr>
+            <p:ph type="sldNum" sz="quarter" idx="5"/>
+          </p:nvPr>
+        </p:nvSpPr>
+        <p:spPr>
+          <a:xfrm>
+            <a:off x="3884613" y="8685213"/>
+            <a:ext cx="2971800" cy="458787"/>
+          </a:xfrm>
+          <a:prstGeom prst="rect">
+            <a:avLst/>
+          </a:prstGeom>
+        </p:spPr>
+        <p:txBody>
+          <a:bodyPr vert="horz" lIns="91440" tIns="45720" rIns="91440" bIns="45720" rtlCol="0" anchor="b"/>
+          <a:lstStyle>
+            <a:lvl1pPr algn="r">
+              <a:defRPr sz="1200"/>
+            </a:lvl1pPr>
+          </a:lstStyle>
+          <a:p>
+            <a:fld id="{A402CBE6-6F0F-472E-B046-3106F1FB24BC}" type="slidenum">
+              <a:rPr lang="ko-KR" altLang="en-US" smtClean="0"/>
+              <a:t>‹#›</a:t>
+            </a:fld>
+            <a:endParaRPr lang="ko-KR" altLang="en-US"/>
+          </a:p>
+        </p:txBody>
+      </p:sp>
+    </p:spTree>
+    <p:extLst>
+      <p:ext uri="{BB962C8B-B14F-4D97-AF65-F5344CB8AC3E}">
+        <p14:creationId xmlns:p14="http://schemas.microsoft.com/office/powerpoint/2010/main" val="3724740331"/>
+      </p:ext>
+    </p:extLst>
+  </p:cSld>
+  <p:clrMap bg1="lt1" tx1="dk1" bg2="lt2" tx2="dk2" accent1="accent1" accent2="accent2" accent3="accent3" accent4="accent4" accent5="accent5" accent6="accent6" hlink="hlink" folHlink="folHlink"/>
+  <p:notesStyle>
+    <a:lvl1pPr marL="0" algn="l" defTabSz="914400" rtl="0" eaLnBrk="1" latinLnBrk="1" hangingPunct="1">
+      <a:defRPr sz="1200" kern="1200">
+        <a:solidFill>
+          <a:schemeClr val="tx1"/>
+        </a:solidFill>
+        <a:latin typeface="+mn-lt"/>
+        <a:ea typeface="+mn-ea"/>
+        <a:cs typeface="+mn-cs"/>
+      </a:defRPr>
+    </a:lvl1pPr>
+    <a:lvl2pPr marL="457200" algn="l" defTabSz="914400" rtl="0" eaLnBrk="1" latinLnBrk="1" hangingPunct="1">
+      <a:defRPr sz="1200" kern="1200">
+        <a:solidFill>
+          <a:schemeClr val="tx1"/>
+        </a:solidFill>
+        <a:latin typeface="+mn-lt"/>
+        <a:ea typeface="+mn-ea"/>
+        <a:cs typeface="+mn-cs"/>
+      </a:defRPr>
+    </a:lvl2pPr>
+    <a:lvl3pPr marL="914400" algn="l" defTabSz="914400" rtl="0" eaLnBrk="1" latinLnBrk="1" hangingPunct="1">
+      <a:defRPr sz="1200" kern="1200">
+        <a:solidFill>
+          <a:schemeClr val="tx1"/>
+        </a:solidFill>
+        <a:latin typeface="+mn-lt"/>
+        <a:ea typeface="+mn-ea"/>
+        <a:cs typeface="+mn-cs"/>
+      </a:defRPr>
+    </a:lvl3pPr>
+    <a:lvl4pPr marL="1371600" algn="l" defTabSz="914400" rtl="0" eaLnBrk="1" latinLnBrk="1" hangingPunct="1">
+      <a:defRPr sz="1200" kern="1200">
+        <a:solidFill>
+          <a:schemeClr val="tx1"/>
+        </a:solidFill>
+        <a:latin typeface="+mn-lt"/>
+        <a:ea typeface="+mn-ea"/>
+        <a:cs typeface="+mn-cs"/>
+      </a:defRPr>
+    </a:lvl4pPr>
+    <a:lvl5pPr marL="1828800" algn="l" defTabSz="914400" rtl="0" eaLnBrk="1" latinLnBrk="1" hangingPunct="1">
+      <a:defRPr sz="1200" kern="1200">
+        <a:solidFill>
+          <a:schemeClr val="tx1"/>
+        </a:solidFill>
+        <a:latin typeface="+mn-lt"/>
+        <a:ea typeface="+mn-ea"/>
+        <a:cs typeface="+mn-cs"/>
+      </a:defRPr>
+    </a:lvl5pPr>
+    <a:lvl6pPr marL="2286000" algn="l" defTabSz="914400" rtl="0" eaLnBrk="1" latinLnBrk="1" hangingPunct="1">
+      <a:defRPr sz="1200" kern="1200">
+        <a:solidFill>
+          <a:schemeClr val="tx1"/>
+        </a:solidFill>
+        <a:latin typeface="+mn-lt"/>
+        <a:ea typeface="+mn-ea"/>
+        <a:cs typeface="+mn-cs"/>
+      </a:defRPr>
+    </a:lvl6pPr>
+    <a:lvl7pPr marL="2743200" algn="l" defTabSz="914400" rtl="0" eaLnBrk="1" latinLnBrk="1" hangingPunct="1">
+      <a:defRPr sz="1200" kern="1200">
+        <a:solidFill>
+          <a:schemeClr val="tx1"/>
+        </a:solidFill>
+        <a:latin typeface="+mn-lt"/>
+        <a:ea typeface="+mn-ea"/>
+        <a:cs typeface="+mn-cs"/>
+      </a:defRPr>
+    </a:lvl7pPr>
+    <a:lvl8pPr marL="3200400" algn="l" defTabSz="914400" rtl="0" eaLnBrk="1" latinLnBrk="1" hangingPunct="1">
+      <a:defRPr sz="1200" kern="1200">
+        <a:solidFill>
+          <a:schemeClr val="tx1"/>
+        </a:solidFill>
+        <a:latin typeface="+mn-lt"/>
+        <a:ea typeface="+mn-ea"/>
+        <a:cs typeface="+mn-cs"/>
+      </a:defRPr>
+    </a:lvl8pPr>
+    <a:lvl9pPr marL="3657600" algn="l" defTabSz="914400" rtl="0" eaLnBrk="1" latinLnBrk="1" hangingPunct="1">
+      <a:defRPr sz="1200" kern="1200">
+        <a:solidFill>
+          <a:schemeClr val="tx1"/>
+        </a:solidFill>
+        <a:latin typeface="+mn-lt"/>
+        <a:ea typeface="+mn-ea"/>
+        <a:cs typeface="+mn-cs"/>
+      </a:defRPr>
+    </a:lvl9pPr>
+  </p:notesStyle>
+</p:notesMaster>
+</file>
+
+<file path=ppt/notesSlides/notesSlide1.xml><?xml version="1.0" encoding="utf-8"?>
+<p:notes xmlns:a="http://schemas.openxmlformats.org/drawingml/2006/main" xmlns:r="http://schemas.openxmlformats.org/officeDocument/2006/relationships" xmlns:p="http://schemas.openxmlformats.org/presentationml/2006/main">
+  <p:cSld>
+    <p:spTree>
+      <p:nvGrpSpPr>
+        <p:cNvPr id="1" name=""/>
+        <p:cNvGrpSpPr/>
+        <p:nvPr/>
+      </p:nvGrpSpPr>
+      <p:grpSpPr>
+        <a:xfrm>
+          <a:off x="0" y="0"/>
+          <a:ext cx="0" cy="0"/>
+          <a:chOff x="0" y="0"/>
+          <a:chExt cx="0" cy="0"/>
+        </a:xfrm>
+      </p:grpSpPr>
+      <p:sp>
+        <p:nvSpPr>
+          <p:cNvPr id="2" name="슬라이드 이미지 개체 틀 1"/>
+          <p:cNvSpPr>
+            <a:spLocks noGrp="1" noRot="1" noChangeAspect="1"/>
+          </p:cNvSpPr>
+          <p:nvPr>
+            <p:ph type="sldImg"/>
+          </p:nvPr>
+        </p:nvSpPr>
+        <p:spPr/>
+      </p:sp>
+      <p:sp>
+        <p:nvSpPr>
+          <p:cNvPr id="3" name="슬라이드 노트 개체 틀 2"/>
+          <p:cNvSpPr>
+            <a:spLocks noGrp="1"/>
+          </p:cNvSpPr>
+          <p:nvPr>
+            <p:ph type="body" idx="1"/>
+          </p:nvPr>
+        </p:nvSpPr>
+        <p:spPr/>
+        <p:txBody>
+          <a:bodyPr/>
+          <a:lstStyle/>
+          <a:p>
+            <a:endParaRPr lang="ko-KR" altLang="en-US"/>
+          </a:p>
+        </p:txBody>
+      </p:sp>
+      <p:sp>
+        <p:nvSpPr>
+          <p:cNvPr id="4" name="슬라이드 번호 개체 틀 3"/>
+          <p:cNvSpPr>
+            <a:spLocks noGrp="1"/>
+          </p:cNvSpPr>
+          <p:nvPr>
+            <p:ph type="sldNum" sz="quarter" idx="5"/>
+          </p:nvPr>
+        </p:nvSpPr>
+        <p:spPr/>
+        <p:txBody>
+          <a:bodyPr/>
+          <a:lstStyle/>
+          <a:p>
+            <a:fld id="{A402CBE6-6F0F-472E-B046-3106F1FB24BC}" type="slidenum">
+              <a:rPr lang="ko-KR" altLang="en-US" smtClean="0"/>
+              <a:t>1</a:t>
+            </a:fld>
+            <a:endParaRPr lang="ko-KR" altLang="en-US"/>
+          </a:p>
+        </p:txBody>
+      </p:sp>
+    </p:spTree>
+    <p:extLst>
+      <p:ext uri="{BB962C8B-B14F-4D97-AF65-F5344CB8AC3E}">
+        <p14:creationId xmlns:p14="http://schemas.microsoft.com/office/powerpoint/2010/main" val="717007573"/>
+      </p:ext>
+    </p:extLst>
+  </p:cSld>
+  <p:clrMapOvr>
+    <a:masterClrMapping/>
+  </p:clrMapOvr>
+</p:notes>
 </file>
 
 <file path=ppt/slideLayouts/slideLayout1.xml><?xml version="1.0" encoding="utf-8"?>
@@ -3376,14 +3813,14 @@
           <p:nvPr>
             <p:extLst>
               <p:ext uri="{D42A27DB-BD31-4B8C-83A1-F6EECF244321}">
-                <p14:modId xmlns:p14="http://schemas.microsoft.com/office/powerpoint/2010/main" val="263039855"/>
+                <p14:modId xmlns:p14="http://schemas.microsoft.com/office/powerpoint/2010/main" val="710491130"/>
               </p:ext>
             </p:extLst>
           </p:nvPr>
         </p:nvGraphicFramePr>
         <p:xfrm>
-          <a:off x="115852" y="968584"/>
-          <a:ext cx="11990638" cy="4074160"/>
+          <a:off x="115851" y="968584"/>
+          <a:ext cx="11916666" cy="5821680"/>
         </p:xfrm>
         <a:graphic>
           <a:graphicData uri="http://schemas.openxmlformats.org/drawingml/2006/table">
@@ -3392,77 +3829,77 @@
                 <a:tableStyleId>{5C22544A-7EE6-4342-B048-85BDC9FD1C3A}</a:tableStyleId>
               </a:tblPr>
               <a:tblGrid>
-                <a:gridCol w="998174">
+                <a:gridCol w="1007874">
                   <a:extLst>
                     <a:ext uri="{9D8B030D-6E8A-4147-A177-3AD203B41FA5}">
                       <a16:colId xmlns:a16="http://schemas.microsoft.com/office/drawing/2014/main" val="1632320275"/>
                     </a:ext>
                   </a:extLst>
                 </a:gridCol>
-                <a:gridCol w="1578705">
+                <a:gridCol w="1619265">
                   <a:extLst>
                     <a:ext uri="{9D8B030D-6E8A-4147-A177-3AD203B41FA5}">
                       <a16:colId xmlns:a16="http://schemas.microsoft.com/office/drawing/2014/main" val="3017782760"/>
                     </a:ext>
                   </a:extLst>
                 </a:gridCol>
-                <a:gridCol w="764294">
+                <a:gridCol w="776986">
                   <a:extLst>
                     <a:ext uri="{9D8B030D-6E8A-4147-A177-3AD203B41FA5}">
                       <a16:colId xmlns:a16="http://schemas.microsoft.com/office/drawing/2014/main" val="79414819"/>
                     </a:ext>
                   </a:extLst>
                 </a:gridCol>
-                <a:gridCol w="718352">
+                <a:gridCol w="770457">
                   <a:extLst>
                     <a:ext uri="{9D8B030D-6E8A-4147-A177-3AD203B41FA5}">
                       <a16:colId xmlns:a16="http://schemas.microsoft.com/office/drawing/2014/main" val="1597943635"/>
                     </a:ext>
                   </a:extLst>
                 </a:gridCol>
-                <a:gridCol w="1357352">
+                <a:gridCol w="1351563">
                   <a:extLst>
                     <a:ext uri="{9D8B030D-6E8A-4147-A177-3AD203B41FA5}">
                       <a16:colId xmlns:a16="http://schemas.microsoft.com/office/drawing/2014/main" val="1178059661"/>
                     </a:ext>
                   </a:extLst>
                 </a:gridCol>
-                <a:gridCol w="914646">
+                <a:gridCol w="985924">
                   <a:extLst>
                     <a:ext uri="{9D8B030D-6E8A-4147-A177-3AD203B41FA5}">
                       <a16:colId xmlns:a16="http://schemas.microsoft.com/office/drawing/2014/main" val="1864405779"/>
                     </a:ext>
                   </a:extLst>
                 </a:gridCol>
-                <a:gridCol w="1394940">
+                <a:gridCol w="1514796">
                   <a:extLst>
                     <a:ext uri="{9D8B030D-6E8A-4147-A177-3AD203B41FA5}">
                       <a16:colId xmlns:a16="http://schemas.microsoft.com/office/drawing/2014/main" val="2485335048"/>
                     </a:ext>
                   </a:extLst>
                 </a:gridCol>
-                <a:gridCol w="1688338">
+                <a:gridCol w="1567030">
                   <a:extLst>
                     <a:ext uri="{9D8B030D-6E8A-4147-A177-3AD203B41FA5}">
                       <a16:colId xmlns:a16="http://schemas.microsoft.com/office/drawing/2014/main" val="2279567128"/>
                     </a:ext>
                   </a:extLst>
                 </a:gridCol>
-                <a:gridCol w="1297837">
+                <a:gridCol w="1215859">
                   <a:extLst>
                     <a:ext uri="{9D8B030D-6E8A-4147-A177-3AD203B41FA5}">
                       <a16:colId xmlns:a16="http://schemas.microsoft.com/office/drawing/2014/main" val="1447583512"/>
                     </a:ext>
                   </a:extLst>
                 </a:gridCol>
-                <a:gridCol w="690467">
+                <a:gridCol w="658048">
                   <a:extLst>
                     <a:ext uri="{9D8B030D-6E8A-4147-A177-3AD203B41FA5}">
                       <a16:colId xmlns:a16="http://schemas.microsoft.com/office/drawing/2014/main" val="1400550291"/>
                     </a:ext>
                   </a:extLst>
                 </a:gridCol>
-                <a:gridCol w="587533">
+                <a:gridCol w="448864">
                   <a:extLst>
                     <a:ext uri="{9D8B030D-6E8A-4147-A177-3AD203B41FA5}">
                       <a16:colId xmlns:a16="http://schemas.microsoft.com/office/drawing/2014/main" val="3519181327"/>
@@ -3628,113 +4065,154 @@
                   </a:ext>
                 </a:extLst>
               </a:tr>
-              <a:tr h="370840">
-                <a:tc>
-                  <a:txBody>
-                    <a:bodyPr/>
-                    <a:lstStyle/>
-                    <a:p>
-                      <a:pPr latinLnBrk="1"/>
-                      <a:endParaRPr lang="ko-KR" altLang="en-US"/>
-                    </a:p>
-                  </a:txBody>
-                  <a:tcPr/>
-                </a:tc>
-                <a:tc>
-                  <a:txBody>
-                    <a:bodyPr/>
-                    <a:lstStyle/>
-                    <a:p>
-                      <a:pPr latinLnBrk="1"/>
-                      <a:endParaRPr lang="ko-KR" altLang="en-US"/>
-                    </a:p>
-                  </a:txBody>
-                  <a:tcPr/>
-                </a:tc>
-                <a:tc>
-                  <a:txBody>
-                    <a:bodyPr/>
-                    <a:lstStyle/>
-                    <a:p>
-                      <a:pPr latinLnBrk="1"/>
-                      <a:endParaRPr lang="ko-KR" altLang="en-US"/>
-                    </a:p>
-                  </a:txBody>
-                  <a:tcPr/>
-                </a:tc>
-                <a:tc>
-                  <a:txBody>
-                    <a:bodyPr/>
-                    <a:lstStyle/>
-                    <a:p>
-                      <a:pPr latinLnBrk="1"/>
-                      <a:endParaRPr lang="ko-KR" altLang="en-US"/>
-                    </a:p>
-                  </a:txBody>
-                  <a:tcPr/>
-                </a:tc>
-                <a:tc>
-                  <a:txBody>
-                    <a:bodyPr/>
-                    <a:lstStyle/>
-                    <a:p>
-                      <a:pPr latinLnBrk="1"/>
-                      <a:endParaRPr lang="ko-KR" altLang="en-US"/>
-                    </a:p>
-                  </a:txBody>
-                  <a:tcPr/>
-                </a:tc>
-                <a:tc>
-                  <a:txBody>
-                    <a:bodyPr/>
-                    <a:lstStyle/>
-                    <a:p>
-                      <a:pPr latinLnBrk="1"/>
-                      <a:endParaRPr lang="ko-KR" altLang="en-US"/>
-                    </a:p>
-                  </a:txBody>
-                  <a:tcPr/>
-                </a:tc>
-                <a:tc>
-                  <a:txBody>
-                    <a:bodyPr/>
-                    <a:lstStyle/>
-                    <a:p>
-                      <a:pPr latinLnBrk="1"/>
-                      <a:endParaRPr lang="ko-KR" altLang="en-US"/>
-                    </a:p>
-                  </a:txBody>
-                  <a:tcPr/>
-                </a:tc>
-                <a:tc>
-                  <a:txBody>
-                    <a:bodyPr/>
-                    <a:lstStyle/>
-                    <a:p>
-                      <a:pPr latinLnBrk="1"/>
-                      <a:endParaRPr lang="ko-KR" altLang="en-US"/>
-                    </a:p>
-                  </a:txBody>
-                  <a:tcPr/>
-                </a:tc>
-                <a:tc>
-                  <a:txBody>
-                    <a:bodyPr/>
-                    <a:lstStyle/>
-                    <a:p>
-                      <a:pPr latinLnBrk="1"/>
-                      <a:endParaRPr lang="ko-KR" altLang="en-US"/>
-                    </a:p>
-                  </a:txBody>
-                  <a:tcPr/>
-                </a:tc>
-                <a:tc>
-                  <a:txBody>
-                    <a:bodyPr/>
-                    <a:lstStyle/>
-                    <a:p>
-                      <a:pPr latinLnBrk="1"/>
-                      <a:endParaRPr lang="ko-KR" altLang="en-US"/>
+              <a:tr h="150384">
+                <a:tc>
+                  <a:txBody>
+                    <a:bodyPr/>
+                    <a:lstStyle/>
+                    <a:p>
+                      <a:pPr latinLnBrk="1"/>
+                      <a:r>
+                        <a:rPr lang="ko-KR" altLang="en-US" sz="1000" b="0"/>
+                        <a:t>매입처</a:t>
+                      </a:r>
+                    </a:p>
+                  </a:txBody>
+                  <a:tcPr/>
+                </a:tc>
+                <a:tc>
+                  <a:txBody>
+                    <a:bodyPr/>
+                    <a:lstStyle/>
+                    <a:p>
+                      <a:pPr latinLnBrk="1"/>
+                      <a:r>
+                        <a:rPr lang="en-US" altLang="ko-KR" sz="1000" b="0"/>
+                        <a:t>124-86-20191</a:t>
+                      </a:r>
+                      <a:endParaRPr lang="ko-KR" altLang="en-US" sz="1000" b="0"/>
+                    </a:p>
+                  </a:txBody>
+                  <a:tcPr/>
+                </a:tc>
+                <a:tc>
+                  <a:txBody>
+                    <a:bodyPr/>
+                    <a:lstStyle/>
+                    <a:p>
+                      <a:pPr latinLnBrk="1"/>
+                      <a:r>
+                        <a:rPr lang="ko-KR" altLang="en-US" sz="1000" b="0"/>
+                        <a:t>한승상사</a:t>
+                      </a:r>
+                    </a:p>
+                  </a:txBody>
+                  <a:tcPr/>
+                </a:tc>
+                <a:tc>
+                  <a:txBody>
+                    <a:bodyPr/>
+                    <a:lstStyle/>
+                    <a:p>
+                      <a:pPr latinLnBrk="1"/>
+                      <a:r>
+                        <a:rPr lang="ko-KR" altLang="en-US" sz="1000" b="0"/>
+                        <a:t>김태준</a:t>
+                      </a:r>
+                    </a:p>
+                  </a:txBody>
+                  <a:tcPr/>
+                </a:tc>
+                <a:tc>
+                  <a:txBody>
+                    <a:bodyPr/>
+                    <a:lstStyle/>
+                    <a:p>
+                      <a:pPr latinLnBrk="1"/>
+                      <a:r>
+                        <a:rPr lang="en-US" altLang="ko-KR" sz="1000" b="0"/>
+                        <a:t>031-481-2201</a:t>
+                      </a:r>
+                      <a:endParaRPr lang="ko-KR" altLang="en-US" sz="1000" b="0"/>
+                    </a:p>
+                  </a:txBody>
+                  <a:tcPr/>
+                </a:tc>
+                <a:tc>
+                  <a:txBody>
+                    <a:bodyPr/>
+                    <a:lstStyle/>
+                    <a:p>
+                      <a:pPr latinLnBrk="1"/>
+                      <a:r>
+                        <a:rPr lang="ko-KR" altLang="en-US" sz="1000" b="0"/>
+                        <a:t>박미현</a:t>
+                      </a:r>
+                    </a:p>
+                  </a:txBody>
+                  <a:tcPr/>
+                </a:tc>
+                <a:tc>
+                  <a:txBody>
+                    <a:bodyPr/>
+                    <a:lstStyle/>
+                    <a:p>
+                      <a:pPr>
+                        <a:buNone/>
+                      </a:pPr>
+                      <a:r>
+                        <a:rPr lang="en-US" altLang="ko-KR" sz="1000" b="0"/>
+                        <a:t>010-8545-2124</a:t>
+                      </a:r>
+                      <a:endParaRPr lang="ko-KR" altLang="en-US" sz="1000" b="0"/>
+                    </a:p>
+                  </a:txBody>
+                  <a:tcPr anchor="ctr"/>
+                </a:tc>
+                <a:tc>
+                  <a:txBody>
+                    <a:bodyPr/>
+                    <a:lstStyle/>
+                    <a:p>
+                      <a:pPr latinLnBrk="1"/>
+                      <a:r>
+                        <a:rPr lang="en-US" altLang="ko-KR" sz="1000" b="0"/>
+                        <a:t>jwlee@hansung.co.kr</a:t>
+                      </a:r>
+                      <a:endParaRPr lang="ko-KR" altLang="en-US" sz="1000" b="0"/>
+                    </a:p>
+                  </a:txBody>
+                  <a:tcPr/>
+                </a:tc>
+                <a:tc>
+                  <a:txBody>
+                    <a:bodyPr/>
+                    <a:lstStyle/>
+                    <a:p>
+                      <a:pPr latinLnBrk="1"/>
+                      <a:r>
+                        <a:rPr lang="ko-KR" altLang="en-US" sz="1000" b="0"/>
+                        <a:t>경기도 안산시 단원구 산업로 </a:t>
+                      </a:r>
+                      <a:r>
+                        <a:rPr lang="en-US" altLang="ko-KR" sz="1000" b="0"/>
+                        <a:t>124</a:t>
+                      </a:r>
+                      <a:endParaRPr lang="ko-KR" altLang="en-US" sz="1000" b="0"/>
+                    </a:p>
+                  </a:txBody>
+                  <a:tcPr/>
+                </a:tc>
+                <a:tc>
+                  <a:txBody>
+                    <a:bodyPr/>
+                    <a:lstStyle/>
+                    <a:p>
+                      <a:pPr latinLnBrk="1"/>
+                      <a:r>
+                        <a:rPr lang="ko-KR" altLang="en-US" sz="1000" b="0"/>
+                        <a:t>도료 및 에폭시 매입</a:t>
+                      </a:r>
                     </a:p>
                   </a:txBody>
                   <a:tcPr/>
@@ -3763,106 +4241,145 @@
                     <a:lstStyle/>
                     <a:p>
                       <a:pPr latinLnBrk="1"/>
-                      <a:endParaRPr lang="ko-KR" altLang="en-US"/>
-                    </a:p>
-                  </a:txBody>
-                  <a:tcPr/>
-                </a:tc>
-                <a:tc>
-                  <a:txBody>
-                    <a:bodyPr/>
-                    <a:lstStyle/>
-                    <a:p>
-                      <a:pPr latinLnBrk="1"/>
-                      <a:endParaRPr lang="ko-KR" altLang="en-US"/>
-                    </a:p>
-                  </a:txBody>
-                  <a:tcPr/>
-                </a:tc>
-                <a:tc>
-                  <a:txBody>
-                    <a:bodyPr/>
-                    <a:lstStyle/>
-                    <a:p>
-                      <a:pPr latinLnBrk="1"/>
-                      <a:endParaRPr lang="ko-KR" altLang="en-US"/>
-                    </a:p>
-                  </a:txBody>
-                  <a:tcPr/>
-                </a:tc>
-                <a:tc>
-                  <a:txBody>
-                    <a:bodyPr/>
-                    <a:lstStyle/>
-                    <a:p>
-                      <a:pPr latinLnBrk="1"/>
-                      <a:endParaRPr lang="ko-KR" altLang="en-US"/>
-                    </a:p>
-                  </a:txBody>
-                  <a:tcPr/>
-                </a:tc>
-                <a:tc>
-                  <a:txBody>
-                    <a:bodyPr/>
-                    <a:lstStyle/>
-                    <a:p>
-                      <a:pPr latinLnBrk="1"/>
-                      <a:endParaRPr lang="ko-KR" altLang="en-US"/>
-                    </a:p>
-                  </a:txBody>
-                  <a:tcPr/>
-                </a:tc>
-                <a:tc>
-                  <a:txBody>
-                    <a:bodyPr/>
-                    <a:lstStyle/>
-                    <a:p>
-                      <a:pPr latinLnBrk="1"/>
-                      <a:endParaRPr lang="ko-KR" altLang="en-US"/>
-                    </a:p>
-                  </a:txBody>
-                  <a:tcPr/>
-                </a:tc>
-                <a:tc>
-                  <a:txBody>
-                    <a:bodyPr/>
-                    <a:lstStyle/>
-                    <a:p>
-                      <a:pPr latinLnBrk="1"/>
-                      <a:endParaRPr lang="ko-KR" altLang="en-US"/>
-                    </a:p>
-                  </a:txBody>
-                  <a:tcPr/>
-                </a:tc>
-                <a:tc>
-                  <a:txBody>
-                    <a:bodyPr/>
-                    <a:lstStyle/>
-                    <a:p>
-                      <a:pPr latinLnBrk="1"/>
-                      <a:endParaRPr lang="ko-KR" altLang="en-US"/>
-                    </a:p>
-                  </a:txBody>
-                  <a:tcPr/>
-                </a:tc>
-                <a:tc>
-                  <a:txBody>
-                    <a:bodyPr/>
-                    <a:lstStyle/>
-                    <a:p>
-                      <a:pPr latinLnBrk="1"/>
-                      <a:endParaRPr lang="ko-KR" altLang="en-US"/>
-                    </a:p>
-                  </a:txBody>
-                  <a:tcPr/>
-                </a:tc>
-                <a:tc>
-                  <a:txBody>
-                    <a:bodyPr/>
-                    <a:lstStyle/>
-                    <a:p>
-                      <a:pPr latinLnBrk="1"/>
-                      <a:endParaRPr lang="ko-KR" altLang="en-US"/>
+                      <a:r>
+                        <a:rPr lang="ko-KR" altLang="en-US" sz="1000" b="0"/>
+                        <a:t>매입처</a:t>
+                      </a:r>
+                    </a:p>
+                  </a:txBody>
+                  <a:tcPr/>
+                </a:tc>
+                <a:tc>
+                  <a:txBody>
+                    <a:bodyPr/>
+                    <a:lstStyle/>
+                    <a:p>
+                      <a:pPr latinLnBrk="1"/>
+                      <a:r>
+                        <a:rPr lang="en-US" altLang="ko-KR" sz="1000" b="0"/>
+                        <a:t>220-88-74152</a:t>
+                      </a:r>
+                      <a:endParaRPr lang="ko-KR" altLang="en-US" sz="1000" b="0"/>
+                    </a:p>
+                  </a:txBody>
+                  <a:tcPr/>
+                </a:tc>
+                <a:tc>
+                  <a:txBody>
+                    <a:bodyPr/>
+                    <a:lstStyle/>
+                    <a:p>
+                      <a:pPr latinLnBrk="1"/>
+                      <a:r>
+                        <a:rPr lang="ko-KR" altLang="en-US" sz="1000" b="0"/>
+                        <a:t>강남제비스</a:t>
+                      </a:r>
+                    </a:p>
+                  </a:txBody>
+                  <a:tcPr/>
+                </a:tc>
+                <a:tc>
+                  <a:txBody>
+                    <a:bodyPr/>
+                    <a:lstStyle/>
+                    <a:p>
+                      <a:pPr latinLnBrk="1"/>
+                      <a:r>
+                        <a:rPr lang="ko-KR" altLang="en-US" sz="1000" b="0"/>
+                        <a:t>이준형</a:t>
+                      </a:r>
+                    </a:p>
+                  </a:txBody>
+                  <a:tcPr/>
+                </a:tc>
+                <a:tc>
+                  <a:txBody>
+                    <a:bodyPr/>
+                    <a:lstStyle/>
+                    <a:p>
+                      <a:pPr latinLnBrk="1"/>
+                      <a:r>
+                        <a:rPr lang="en-US" altLang="ko-KR" sz="1000" b="0"/>
+                        <a:t>031-498-3344</a:t>
+                      </a:r>
+                      <a:endParaRPr lang="ko-KR" altLang="en-US" sz="1000" b="0"/>
+                    </a:p>
+                  </a:txBody>
+                  <a:tcPr/>
+                </a:tc>
+                <a:tc>
+                  <a:txBody>
+                    <a:bodyPr/>
+                    <a:lstStyle/>
+                    <a:p>
+                      <a:pPr latinLnBrk="1"/>
+                      <a:r>
+                        <a:rPr lang="ko-KR" altLang="en-US" sz="1000" b="0"/>
+                        <a:t>유하나</a:t>
+                      </a:r>
+                    </a:p>
+                  </a:txBody>
+                  <a:tcPr/>
+                </a:tc>
+                <a:tc>
+                  <a:txBody>
+                    <a:bodyPr/>
+                    <a:lstStyle/>
+                    <a:p>
+                      <a:pPr latinLnBrk="1"/>
+                      <a:r>
+                        <a:rPr lang="en-US" altLang="ko-KR" sz="1000" b="0"/>
+                        <a:t>010-5228-1193</a:t>
+                      </a:r>
+                      <a:endParaRPr lang="ko-KR" altLang="en-US" sz="1000" b="0"/>
+                    </a:p>
+                  </a:txBody>
+                  <a:tcPr/>
+                </a:tc>
+                <a:tc>
+                  <a:txBody>
+                    <a:bodyPr/>
+                    <a:lstStyle/>
+                    <a:p>
+                      <a:pPr latinLnBrk="1"/>
+                      <a:r>
+                        <a:rPr lang="en-US" altLang="ko-KR" sz="1000" b="0"/>
+                        <a:t>mhpark@knjbisco.co.kr</a:t>
+                      </a:r>
+                      <a:endParaRPr lang="ko-KR" altLang="en-US" sz="1000" b="0"/>
+                    </a:p>
+                  </a:txBody>
+                  <a:tcPr/>
+                </a:tc>
+                <a:tc>
+                  <a:txBody>
+                    <a:bodyPr/>
+                    <a:lstStyle/>
+                    <a:p>
+                      <a:pPr latinLnBrk="1"/>
+                      <a:r>
+                        <a:rPr lang="ko-KR" altLang="en-US" sz="1000" b="0"/>
+                        <a:t>경기도 화성시 남양읍 공단로 </a:t>
+                      </a:r>
+                      <a:r>
+                        <a:rPr lang="en-US" altLang="ko-KR" sz="1000" b="0"/>
+                        <a:t>58</a:t>
+                      </a:r>
+                      <a:endParaRPr lang="ko-KR" altLang="en-US" sz="1000" b="0"/>
+                    </a:p>
+                  </a:txBody>
+                  <a:tcPr/>
+                </a:tc>
+                <a:tc>
+                  <a:txBody>
+                    <a:bodyPr/>
+                    <a:lstStyle/>
+                    <a:p>
+                      <a:pPr latinLnBrk="1"/>
+                      <a:r>
+                        <a:rPr lang="ko-KR" altLang="en-US" sz="1000" b="0"/>
+                        <a:t>상도 도료 공급</a:t>
+                      </a:r>
                     </a:p>
                   </a:txBody>
                   <a:tcPr/>
@@ -3891,106 +4408,153 @@
                     <a:lstStyle/>
                     <a:p>
                       <a:pPr latinLnBrk="1"/>
-                      <a:endParaRPr lang="ko-KR" altLang="en-US"/>
-                    </a:p>
-                  </a:txBody>
-                  <a:tcPr/>
-                </a:tc>
-                <a:tc>
-                  <a:txBody>
-                    <a:bodyPr/>
-                    <a:lstStyle/>
-                    <a:p>
-                      <a:pPr latinLnBrk="1"/>
-                      <a:endParaRPr lang="ko-KR" altLang="en-US"/>
-                    </a:p>
-                  </a:txBody>
-                  <a:tcPr/>
-                </a:tc>
-                <a:tc>
-                  <a:txBody>
-                    <a:bodyPr/>
-                    <a:lstStyle/>
-                    <a:p>
-                      <a:pPr latinLnBrk="1"/>
-                      <a:endParaRPr lang="ko-KR" altLang="en-US"/>
-                    </a:p>
-                  </a:txBody>
-                  <a:tcPr/>
-                </a:tc>
-                <a:tc>
-                  <a:txBody>
-                    <a:bodyPr/>
-                    <a:lstStyle/>
-                    <a:p>
-                      <a:pPr latinLnBrk="1"/>
-                      <a:endParaRPr lang="ko-KR" altLang="en-US"/>
-                    </a:p>
-                  </a:txBody>
-                  <a:tcPr/>
-                </a:tc>
-                <a:tc>
-                  <a:txBody>
-                    <a:bodyPr/>
-                    <a:lstStyle/>
-                    <a:p>
-                      <a:pPr latinLnBrk="1"/>
-                      <a:endParaRPr lang="ko-KR" altLang="en-US"/>
-                    </a:p>
-                  </a:txBody>
-                  <a:tcPr/>
-                </a:tc>
-                <a:tc>
-                  <a:txBody>
-                    <a:bodyPr/>
-                    <a:lstStyle/>
-                    <a:p>
-                      <a:pPr latinLnBrk="1"/>
-                      <a:endParaRPr lang="ko-KR" altLang="en-US"/>
-                    </a:p>
-                  </a:txBody>
-                  <a:tcPr/>
-                </a:tc>
-                <a:tc>
-                  <a:txBody>
-                    <a:bodyPr/>
-                    <a:lstStyle/>
-                    <a:p>
-                      <a:pPr latinLnBrk="1"/>
-                      <a:endParaRPr lang="ko-KR" altLang="en-US"/>
-                    </a:p>
-                  </a:txBody>
-                  <a:tcPr/>
-                </a:tc>
-                <a:tc>
-                  <a:txBody>
-                    <a:bodyPr/>
-                    <a:lstStyle/>
-                    <a:p>
-                      <a:pPr latinLnBrk="1"/>
-                      <a:endParaRPr lang="ko-KR" altLang="en-US"/>
-                    </a:p>
-                  </a:txBody>
-                  <a:tcPr/>
-                </a:tc>
-                <a:tc>
-                  <a:txBody>
-                    <a:bodyPr/>
-                    <a:lstStyle/>
-                    <a:p>
-                      <a:pPr latinLnBrk="1"/>
-                      <a:endParaRPr lang="ko-KR" altLang="en-US"/>
-                    </a:p>
-                  </a:txBody>
-                  <a:tcPr/>
-                </a:tc>
-                <a:tc>
-                  <a:txBody>
-                    <a:bodyPr/>
-                    <a:lstStyle/>
-                    <a:p>
-                      <a:pPr latinLnBrk="1"/>
-                      <a:endParaRPr lang="ko-KR" altLang="en-US"/>
+                      <a:r>
+                        <a:rPr lang="ko-KR" altLang="en-US" sz="1000" b="0"/>
+                        <a:t>매입처</a:t>
+                      </a:r>
+                    </a:p>
+                  </a:txBody>
+                  <a:tcPr/>
+                </a:tc>
+                <a:tc>
+                  <a:txBody>
+                    <a:bodyPr/>
+                    <a:lstStyle/>
+                    <a:p>
+                      <a:pPr latinLnBrk="1"/>
+                      <a:r>
+                        <a:rPr lang="en-US" altLang="ko-KR" sz="1000" b="0"/>
+                        <a:t>134-81-44202</a:t>
+                      </a:r>
+                      <a:endParaRPr lang="ko-KR" altLang="en-US" sz="1000" b="0"/>
+                    </a:p>
+                  </a:txBody>
+                  <a:tcPr/>
+                </a:tc>
+                <a:tc>
+                  <a:txBody>
+                    <a:bodyPr/>
+                    <a:lstStyle/>
+                    <a:p>
+                      <a:pPr latinLnBrk="1"/>
+                      <a:r>
+                        <a:rPr lang="ko-KR" altLang="en-US" sz="1000" b="0"/>
+                        <a:t>세광테크</a:t>
+                      </a:r>
+                    </a:p>
+                  </a:txBody>
+                  <a:tcPr/>
+                </a:tc>
+                <a:tc>
+                  <a:txBody>
+                    <a:bodyPr/>
+                    <a:lstStyle/>
+                    <a:p>
+                      <a:pPr latinLnBrk="1"/>
+                      <a:r>
+                        <a:rPr lang="ko-KR" altLang="en-US" sz="1000" b="0"/>
+                        <a:t>박재우</a:t>
+                      </a:r>
+                    </a:p>
+                  </a:txBody>
+                  <a:tcPr/>
+                </a:tc>
+                <a:tc>
+                  <a:txBody>
+                    <a:bodyPr/>
+                    <a:lstStyle/>
+                    <a:p>
+                      <a:pPr latinLnBrk="1"/>
+                      <a:r>
+                        <a:rPr lang="en-US" altLang="ko-KR" sz="1000" b="0"/>
+                        <a:t>031-318-7755</a:t>
+                      </a:r>
+                      <a:endParaRPr lang="ko-KR" altLang="en-US" sz="1000" b="0"/>
+                    </a:p>
+                  </a:txBody>
+                  <a:tcPr/>
+                </a:tc>
+                <a:tc>
+                  <a:txBody>
+                    <a:bodyPr/>
+                    <a:lstStyle/>
+                    <a:p>
+                      <a:pPr latinLnBrk="1"/>
+                      <a:r>
+                        <a:rPr lang="ko-KR" altLang="en-US" sz="1000" b="0"/>
+                        <a:t>김수민</a:t>
+                      </a:r>
+                    </a:p>
+                  </a:txBody>
+                  <a:tcPr/>
+                </a:tc>
+                <a:tc>
+                  <a:txBody>
+                    <a:bodyPr/>
+                    <a:lstStyle/>
+                    <a:p>
+                      <a:pPr latinLnBrk="1"/>
+                      <a:r>
+                        <a:rPr lang="en-US" altLang="ko-KR" sz="1000" b="0"/>
+                        <a:t>010-3472-9811</a:t>
+                      </a:r>
+                      <a:endParaRPr lang="ko-KR" altLang="en-US" sz="1000" b="0"/>
+                    </a:p>
+                  </a:txBody>
+                  <a:tcPr/>
+                </a:tc>
+                <a:tc>
+                  <a:txBody>
+                    <a:bodyPr/>
+                    <a:lstStyle/>
+                    <a:p>
+                      <a:pPr latinLnBrk="1"/>
+                      <a:r>
+                        <a:rPr lang="en-US" altLang="ko-KR" sz="1000" b="0"/>
+                        <a:t>smkim@sktech.co.kr</a:t>
+                      </a:r>
+                      <a:endParaRPr lang="ko-KR" altLang="en-US" sz="1000" b="0"/>
+                    </a:p>
+                  </a:txBody>
+                  <a:tcPr/>
+                </a:tc>
+                <a:tc>
+                  <a:txBody>
+                    <a:bodyPr/>
+                    <a:lstStyle/>
+                    <a:p>
+                      <a:pPr latinLnBrk="1"/>
+                      <a:r>
+                        <a:rPr lang="ko-KR" altLang="en-US" sz="1000" b="0"/>
+                        <a:t>경기도 시흥시 공단</a:t>
+                      </a:r>
+                      <a:r>
+                        <a:rPr lang="en-US" altLang="ko-KR" sz="1000" b="0"/>
+                        <a:t>1</a:t>
+                      </a:r>
+                      <a:r>
+                        <a:rPr lang="ko-KR" altLang="en-US" sz="1000" b="0"/>
+                        <a:t>대로 </a:t>
+                      </a:r>
+                      <a:r>
+                        <a:rPr lang="en-US" altLang="ko-KR" sz="1000" b="0"/>
+                        <a:t>95</a:t>
+                      </a:r>
+                      <a:endParaRPr lang="ko-KR" altLang="en-US" sz="1000" b="0"/>
+                    </a:p>
+                  </a:txBody>
+                  <a:tcPr/>
+                </a:tc>
+                <a:tc>
+                  <a:txBody>
+                    <a:bodyPr/>
+                    <a:lstStyle/>
+                    <a:p>
+                      <a:pPr latinLnBrk="1"/>
+                      <a:r>
+                        <a:rPr lang="ko-KR" altLang="en-US" sz="1000" b="0"/>
+                        <a:t>부자재 및 지그 납품</a:t>
+                      </a:r>
                     </a:p>
                   </a:txBody>
                   <a:tcPr/>
@@ -4019,106 +4583,145 @@
                     <a:lstStyle/>
                     <a:p>
                       <a:pPr latinLnBrk="1"/>
-                      <a:endParaRPr lang="ko-KR" altLang="en-US"/>
-                    </a:p>
-                  </a:txBody>
-                  <a:tcPr/>
-                </a:tc>
-                <a:tc>
-                  <a:txBody>
-                    <a:bodyPr/>
-                    <a:lstStyle/>
-                    <a:p>
-                      <a:pPr latinLnBrk="1"/>
-                      <a:endParaRPr lang="ko-KR" altLang="en-US"/>
-                    </a:p>
-                  </a:txBody>
-                  <a:tcPr/>
-                </a:tc>
-                <a:tc>
-                  <a:txBody>
-                    <a:bodyPr/>
-                    <a:lstStyle/>
-                    <a:p>
-                      <a:pPr latinLnBrk="1"/>
-                      <a:endParaRPr lang="ko-KR" altLang="en-US"/>
-                    </a:p>
-                  </a:txBody>
-                  <a:tcPr/>
-                </a:tc>
-                <a:tc>
-                  <a:txBody>
-                    <a:bodyPr/>
-                    <a:lstStyle/>
-                    <a:p>
-                      <a:pPr latinLnBrk="1"/>
-                      <a:endParaRPr lang="ko-KR" altLang="en-US"/>
-                    </a:p>
-                  </a:txBody>
-                  <a:tcPr/>
-                </a:tc>
-                <a:tc>
-                  <a:txBody>
-                    <a:bodyPr/>
-                    <a:lstStyle/>
-                    <a:p>
-                      <a:pPr latinLnBrk="1"/>
-                      <a:endParaRPr lang="ko-KR" altLang="en-US"/>
-                    </a:p>
-                  </a:txBody>
-                  <a:tcPr/>
-                </a:tc>
-                <a:tc>
-                  <a:txBody>
-                    <a:bodyPr/>
-                    <a:lstStyle/>
-                    <a:p>
-                      <a:pPr latinLnBrk="1"/>
-                      <a:endParaRPr lang="ko-KR" altLang="en-US"/>
-                    </a:p>
-                  </a:txBody>
-                  <a:tcPr/>
-                </a:tc>
-                <a:tc>
-                  <a:txBody>
-                    <a:bodyPr/>
-                    <a:lstStyle/>
-                    <a:p>
-                      <a:pPr latinLnBrk="1"/>
-                      <a:endParaRPr lang="ko-KR" altLang="en-US"/>
-                    </a:p>
-                  </a:txBody>
-                  <a:tcPr/>
-                </a:tc>
-                <a:tc>
-                  <a:txBody>
-                    <a:bodyPr/>
-                    <a:lstStyle/>
-                    <a:p>
-                      <a:pPr latinLnBrk="1"/>
-                      <a:endParaRPr lang="ko-KR" altLang="en-US"/>
-                    </a:p>
-                  </a:txBody>
-                  <a:tcPr/>
-                </a:tc>
-                <a:tc>
-                  <a:txBody>
-                    <a:bodyPr/>
-                    <a:lstStyle/>
-                    <a:p>
-                      <a:pPr latinLnBrk="1"/>
-                      <a:endParaRPr lang="ko-KR" altLang="en-US"/>
-                    </a:p>
-                  </a:txBody>
-                  <a:tcPr/>
-                </a:tc>
-                <a:tc>
-                  <a:txBody>
-                    <a:bodyPr/>
-                    <a:lstStyle/>
-                    <a:p>
-                      <a:pPr latinLnBrk="1"/>
-                      <a:endParaRPr lang="ko-KR" altLang="en-US"/>
+                      <a:r>
+                        <a:rPr lang="ko-KR" altLang="en-US" sz="1000" b="0"/>
+                        <a:t>거래처</a:t>
+                      </a:r>
+                    </a:p>
+                  </a:txBody>
+                  <a:tcPr/>
+                </a:tc>
+                <a:tc>
+                  <a:txBody>
+                    <a:bodyPr/>
+                    <a:lstStyle/>
+                    <a:p>
+                      <a:pPr latinLnBrk="1"/>
+                      <a:r>
+                        <a:rPr lang="en-US" altLang="ko-KR" sz="1000" b="0"/>
+                        <a:t>129-82-88341</a:t>
+                      </a:r>
+                      <a:endParaRPr lang="ko-KR" altLang="en-US" sz="1000" b="0"/>
+                    </a:p>
+                  </a:txBody>
+                  <a:tcPr/>
+                </a:tc>
+                <a:tc>
+                  <a:txBody>
+                    <a:bodyPr/>
+                    <a:lstStyle/>
+                    <a:p>
+                      <a:pPr latinLnBrk="1"/>
+                      <a:r>
+                        <a:rPr lang="ko-KR" altLang="en-US" sz="1000" b="0"/>
+                        <a:t>일도테크</a:t>
+                      </a:r>
+                    </a:p>
+                  </a:txBody>
+                  <a:tcPr/>
+                </a:tc>
+                <a:tc>
+                  <a:txBody>
+                    <a:bodyPr/>
+                    <a:lstStyle/>
+                    <a:p>
+                      <a:pPr latinLnBrk="1"/>
+                      <a:r>
+                        <a:rPr lang="ko-KR" altLang="en-US" sz="1000" b="0"/>
+                        <a:t>김성호</a:t>
+                      </a:r>
+                    </a:p>
+                  </a:txBody>
+                  <a:tcPr/>
+                </a:tc>
+                <a:tc>
+                  <a:txBody>
+                    <a:bodyPr/>
+                    <a:lstStyle/>
+                    <a:p>
+                      <a:pPr latinLnBrk="1"/>
+                      <a:r>
+                        <a:rPr lang="en-US" altLang="ko-KR" sz="1000" b="0"/>
+                        <a:t>031-499-7833</a:t>
+                      </a:r>
+                      <a:endParaRPr lang="ko-KR" altLang="en-US" sz="1000" b="0"/>
+                    </a:p>
+                  </a:txBody>
+                  <a:tcPr/>
+                </a:tc>
+                <a:tc>
+                  <a:txBody>
+                    <a:bodyPr/>
+                    <a:lstStyle/>
+                    <a:p>
+                      <a:pPr latinLnBrk="1"/>
+                      <a:r>
+                        <a:rPr lang="ko-KR" altLang="en-US" sz="1000" b="0"/>
+                        <a:t>최하늘</a:t>
+                      </a:r>
+                    </a:p>
+                  </a:txBody>
+                  <a:tcPr/>
+                </a:tc>
+                <a:tc>
+                  <a:txBody>
+                    <a:bodyPr/>
+                    <a:lstStyle/>
+                    <a:p>
+                      <a:pPr latinLnBrk="1"/>
+                      <a:r>
+                        <a:rPr lang="en-US" altLang="ko-KR" sz="1000" b="0"/>
+                        <a:t>010-6283-5549</a:t>
+                      </a:r>
+                      <a:endParaRPr lang="ko-KR" altLang="en-US" sz="1000" b="0"/>
+                    </a:p>
+                  </a:txBody>
+                  <a:tcPr/>
+                </a:tc>
+                <a:tc>
+                  <a:txBody>
+                    <a:bodyPr/>
+                    <a:lstStyle/>
+                    <a:p>
+                      <a:pPr latinLnBrk="1"/>
+                      <a:r>
+                        <a:rPr lang="en-US" altLang="ko-KR" sz="1000" b="0"/>
+                        <a:t>hnchoi@ildotech.co.kr</a:t>
+                      </a:r>
+                      <a:endParaRPr lang="ko-KR" altLang="en-US" sz="1000" b="0"/>
+                    </a:p>
+                  </a:txBody>
+                  <a:tcPr/>
+                </a:tc>
+                <a:tc>
+                  <a:txBody>
+                    <a:bodyPr/>
+                    <a:lstStyle/>
+                    <a:p>
+                      <a:pPr latinLnBrk="1"/>
+                      <a:r>
+                        <a:rPr lang="ko-KR" altLang="en-US" sz="1000" b="0"/>
+                        <a:t>경기도 안산시 반월공단로 </a:t>
+                      </a:r>
+                      <a:r>
+                        <a:rPr lang="en-US" altLang="ko-KR" sz="1000" b="0"/>
+                        <a:t>77</a:t>
+                      </a:r>
+                      <a:endParaRPr lang="ko-KR" altLang="en-US" sz="1000" b="0"/>
+                    </a:p>
+                  </a:txBody>
+                  <a:tcPr/>
+                </a:tc>
+                <a:tc>
+                  <a:txBody>
+                    <a:bodyPr/>
+                    <a:lstStyle/>
+                    <a:p>
+                      <a:pPr latinLnBrk="1"/>
+                      <a:r>
+                        <a:rPr lang="ko-KR" altLang="en-US" sz="1000" b="0"/>
+                        <a:t>외주도장 거래처</a:t>
+                      </a:r>
                     </a:p>
                   </a:txBody>
                   <a:tcPr/>
@@ -4147,106 +4750,145 @@
                     <a:lstStyle/>
                     <a:p>
                       <a:pPr latinLnBrk="1"/>
-                      <a:endParaRPr lang="ko-KR" altLang="en-US" b="1"/>
-                    </a:p>
-                  </a:txBody>
-                  <a:tcPr/>
-                </a:tc>
-                <a:tc>
-                  <a:txBody>
-                    <a:bodyPr/>
-                    <a:lstStyle/>
-                    <a:p>
-                      <a:pPr latinLnBrk="1"/>
-                      <a:endParaRPr lang="ko-KR" altLang="en-US"/>
-                    </a:p>
-                  </a:txBody>
-                  <a:tcPr/>
-                </a:tc>
-                <a:tc>
-                  <a:txBody>
-                    <a:bodyPr/>
-                    <a:lstStyle/>
-                    <a:p>
-                      <a:pPr latinLnBrk="1"/>
-                      <a:endParaRPr lang="ko-KR" altLang="en-US"/>
-                    </a:p>
-                  </a:txBody>
-                  <a:tcPr/>
-                </a:tc>
-                <a:tc>
-                  <a:txBody>
-                    <a:bodyPr/>
-                    <a:lstStyle/>
-                    <a:p>
-                      <a:pPr latinLnBrk="1"/>
-                      <a:endParaRPr lang="ko-KR" altLang="en-US"/>
-                    </a:p>
-                  </a:txBody>
-                  <a:tcPr/>
-                </a:tc>
-                <a:tc>
-                  <a:txBody>
-                    <a:bodyPr/>
-                    <a:lstStyle/>
-                    <a:p>
-                      <a:pPr latinLnBrk="1"/>
-                      <a:endParaRPr lang="ko-KR" altLang="en-US"/>
-                    </a:p>
-                  </a:txBody>
-                  <a:tcPr/>
-                </a:tc>
-                <a:tc>
-                  <a:txBody>
-                    <a:bodyPr/>
-                    <a:lstStyle/>
-                    <a:p>
-                      <a:pPr latinLnBrk="1"/>
-                      <a:endParaRPr lang="ko-KR" altLang="en-US"/>
-                    </a:p>
-                  </a:txBody>
-                  <a:tcPr/>
-                </a:tc>
-                <a:tc>
-                  <a:txBody>
-                    <a:bodyPr/>
-                    <a:lstStyle/>
-                    <a:p>
-                      <a:pPr latinLnBrk="1"/>
-                      <a:endParaRPr lang="ko-KR" altLang="en-US"/>
-                    </a:p>
-                  </a:txBody>
-                  <a:tcPr/>
-                </a:tc>
-                <a:tc>
-                  <a:txBody>
-                    <a:bodyPr/>
-                    <a:lstStyle/>
-                    <a:p>
-                      <a:pPr latinLnBrk="1"/>
-                      <a:endParaRPr lang="ko-KR" altLang="en-US"/>
-                    </a:p>
-                  </a:txBody>
-                  <a:tcPr/>
-                </a:tc>
-                <a:tc>
-                  <a:txBody>
-                    <a:bodyPr/>
-                    <a:lstStyle/>
-                    <a:p>
-                      <a:pPr latinLnBrk="1"/>
-                      <a:endParaRPr lang="ko-KR" altLang="en-US"/>
-                    </a:p>
-                  </a:txBody>
-                  <a:tcPr/>
-                </a:tc>
-                <a:tc>
-                  <a:txBody>
-                    <a:bodyPr/>
-                    <a:lstStyle/>
-                    <a:p>
-                      <a:pPr latinLnBrk="1"/>
-                      <a:endParaRPr lang="ko-KR" altLang="en-US"/>
+                      <a:r>
+                        <a:rPr lang="ko-KR" altLang="en-US" sz="1000" b="0"/>
+                        <a:t>거래처</a:t>
+                      </a:r>
+                    </a:p>
+                  </a:txBody>
+                  <a:tcPr/>
+                </a:tc>
+                <a:tc>
+                  <a:txBody>
+                    <a:bodyPr/>
+                    <a:lstStyle/>
+                    <a:p>
+                      <a:pPr latinLnBrk="1"/>
+                      <a:r>
+                        <a:rPr lang="en-US" altLang="ko-KR" sz="1000" b="0"/>
+                        <a:t>130-87-92154</a:t>
+                      </a:r>
+                      <a:endParaRPr lang="ko-KR" altLang="en-US" sz="1000" b="0"/>
+                    </a:p>
+                  </a:txBody>
+                  <a:tcPr/>
+                </a:tc>
+                <a:tc>
+                  <a:txBody>
+                    <a:bodyPr/>
+                    <a:lstStyle/>
+                    <a:p>
+                      <a:pPr latinLnBrk="1"/>
+                      <a:r>
+                        <a:rPr lang="ko-KR" altLang="en-US" sz="1000" b="0"/>
+                        <a:t>대명산업</a:t>
+                      </a:r>
+                    </a:p>
+                  </a:txBody>
+                  <a:tcPr/>
+                </a:tc>
+                <a:tc>
+                  <a:txBody>
+                    <a:bodyPr/>
+                    <a:lstStyle/>
+                    <a:p>
+                      <a:pPr latinLnBrk="1"/>
+                      <a:r>
+                        <a:rPr lang="ko-KR" altLang="en-US" sz="1000" b="0"/>
+                        <a:t>김도연</a:t>
+                      </a:r>
+                    </a:p>
+                  </a:txBody>
+                  <a:tcPr/>
+                </a:tc>
+                <a:tc>
+                  <a:txBody>
+                    <a:bodyPr/>
+                    <a:lstStyle/>
+                    <a:p>
+                      <a:pPr latinLnBrk="1"/>
+                      <a:r>
+                        <a:rPr lang="en-US" altLang="ko-KR" sz="1000" b="0"/>
+                        <a:t>031-352-4400</a:t>
+                      </a:r>
+                      <a:endParaRPr lang="ko-KR" altLang="en-US" sz="1000" b="0"/>
+                    </a:p>
+                  </a:txBody>
+                  <a:tcPr/>
+                </a:tc>
+                <a:tc>
+                  <a:txBody>
+                    <a:bodyPr/>
+                    <a:lstStyle/>
+                    <a:p>
+                      <a:pPr latinLnBrk="1"/>
+                      <a:r>
+                        <a:rPr lang="ko-KR" altLang="en-US" sz="1000" b="0"/>
+                        <a:t>조민지</a:t>
+                      </a:r>
+                    </a:p>
+                  </a:txBody>
+                  <a:tcPr/>
+                </a:tc>
+                <a:tc>
+                  <a:txBody>
+                    <a:bodyPr/>
+                    <a:lstStyle/>
+                    <a:p>
+                      <a:pPr latinLnBrk="1"/>
+                      <a:r>
+                        <a:rPr lang="en-US" altLang="ko-KR" sz="1000" b="0"/>
+                        <a:t>010-5517-9342</a:t>
+                      </a:r>
+                      <a:endParaRPr lang="ko-KR" altLang="en-US" sz="1000" b="0"/>
+                    </a:p>
+                  </a:txBody>
+                  <a:tcPr/>
+                </a:tc>
+                <a:tc>
+                  <a:txBody>
+                    <a:bodyPr/>
+                    <a:lstStyle/>
+                    <a:p>
+                      <a:pPr latinLnBrk="1"/>
+                      <a:r>
+                        <a:rPr lang="en-US" altLang="ko-KR" sz="1000" b="0"/>
+                        <a:t>mjcho@dmtrans.co.kr</a:t>
+                      </a:r>
+                      <a:endParaRPr lang="ko-KR" altLang="en-US" sz="1000" b="0"/>
+                    </a:p>
+                  </a:txBody>
+                  <a:tcPr/>
+                </a:tc>
+                <a:tc>
+                  <a:txBody>
+                    <a:bodyPr/>
+                    <a:lstStyle/>
+                    <a:p>
+                      <a:pPr latinLnBrk="1"/>
+                      <a:r>
+                        <a:rPr lang="ko-KR" altLang="en-US" sz="1000" b="0"/>
+                        <a:t>경기도 화성시 향남읍 물류로 </a:t>
+                      </a:r>
+                      <a:r>
+                        <a:rPr lang="en-US" altLang="ko-KR" sz="1000" b="0"/>
+                        <a:t>18</a:t>
+                      </a:r>
+                      <a:endParaRPr lang="ko-KR" altLang="en-US" sz="1000" b="0"/>
+                    </a:p>
+                  </a:txBody>
+                  <a:tcPr/>
+                </a:tc>
+                <a:tc>
+                  <a:txBody>
+                    <a:bodyPr/>
+                    <a:lstStyle/>
+                    <a:p>
+                      <a:pPr latinLnBrk="1"/>
+                      <a:r>
+                        <a:rPr lang="ko-KR" altLang="en-US" sz="1000" b="0"/>
+                        <a:t>납품 및 물류 담당</a:t>
+                      </a:r>
                     </a:p>
                   </a:txBody>
                   <a:tcPr/>
@@ -4275,106 +4917,145 @@
                     <a:lstStyle/>
                     <a:p>
                       <a:pPr latinLnBrk="1"/>
-                      <a:endParaRPr lang="ko-KR" altLang="en-US" b="1"/>
-                    </a:p>
-                  </a:txBody>
-                  <a:tcPr/>
-                </a:tc>
-                <a:tc>
-                  <a:txBody>
-                    <a:bodyPr/>
-                    <a:lstStyle/>
-                    <a:p>
-                      <a:pPr latinLnBrk="1"/>
-                      <a:endParaRPr lang="ko-KR" altLang="en-US"/>
-                    </a:p>
-                  </a:txBody>
-                  <a:tcPr/>
-                </a:tc>
-                <a:tc>
-                  <a:txBody>
-                    <a:bodyPr/>
-                    <a:lstStyle/>
-                    <a:p>
-                      <a:pPr latinLnBrk="1"/>
-                      <a:endParaRPr lang="ko-KR" altLang="en-US"/>
-                    </a:p>
-                  </a:txBody>
-                  <a:tcPr/>
-                </a:tc>
-                <a:tc>
-                  <a:txBody>
-                    <a:bodyPr/>
-                    <a:lstStyle/>
-                    <a:p>
-                      <a:pPr latinLnBrk="1"/>
-                      <a:endParaRPr lang="ko-KR" altLang="en-US"/>
-                    </a:p>
-                  </a:txBody>
-                  <a:tcPr/>
-                </a:tc>
-                <a:tc>
-                  <a:txBody>
-                    <a:bodyPr/>
-                    <a:lstStyle/>
-                    <a:p>
-                      <a:pPr latinLnBrk="1"/>
-                      <a:endParaRPr lang="ko-KR" altLang="en-US"/>
-                    </a:p>
-                  </a:txBody>
-                  <a:tcPr/>
-                </a:tc>
-                <a:tc>
-                  <a:txBody>
-                    <a:bodyPr/>
-                    <a:lstStyle/>
-                    <a:p>
-                      <a:pPr latinLnBrk="1"/>
-                      <a:endParaRPr lang="ko-KR" altLang="en-US"/>
-                    </a:p>
-                  </a:txBody>
-                  <a:tcPr/>
-                </a:tc>
-                <a:tc>
-                  <a:txBody>
-                    <a:bodyPr/>
-                    <a:lstStyle/>
-                    <a:p>
-                      <a:pPr latinLnBrk="1"/>
-                      <a:endParaRPr lang="ko-KR" altLang="en-US"/>
-                    </a:p>
-                  </a:txBody>
-                  <a:tcPr/>
-                </a:tc>
-                <a:tc>
-                  <a:txBody>
-                    <a:bodyPr/>
-                    <a:lstStyle/>
-                    <a:p>
-                      <a:pPr latinLnBrk="1"/>
-                      <a:endParaRPr lang="ko-KR" altLang="en-US"/>
-                    </a:p>
-                  </a:txBody>
-                  <a:tcPr/>
-                </a:tc>
-                <a:tc>
-                  <a:txBody>
-                    <a:bodyPr/>
-                    <a:lstStyle/>
-                    <a:p>
-                      <a:pPr latinLnBrk="1"/>
-                      <a:endParaRPr lang="ko-KR" altLang="en-US"/>
-                    </a:p>
-                  </a:txBody>
-                  <a:tcPr/>
-                </a:tc>
-                <a:tc>
-                  <a:txBody>
-                    <a:bodyPr/>
-                    <a:lstStyle/>
-                    <a:p>
-                      <a:pPr latinLnBrk="1"/>
-                      <a:endParaRPr lang="ko-KR" altLang="en-US"/>
+                      <a:r>
+                        <a:rPr lang="ko-KR" altLang="en-US" sz="1000" b="0"/>
+                        <a:t>거래처</a:t>
+                      </a:r>
+                    </a:p>
+                  </a:txBody>
+                  <a:tcPr/>
+                </a:tc>
+                <a:tc>
+                  <a:txBody>
+                    <a:bodyPr/>
+                    <a:lstStyle/>
+                    <a:p>
+                      <a:pPr latinLnBrk="1"/>
+                      <a:r>
+                        <a:rPr lang="en-US" altLang="ko-KR" sz="1000" b="0"/>
+                        <a:t>126-85-69273</a:t>
+                      </a:r>
+                      <a:endParaRPr lang="ko-KR" altLang="en-US" sz="1000" b="0"/>
+                    </a:p>
+                  </a:txBody>
+                  <a:tcPr/>
+                </a:tc>
+                <a:tc>
+                  <a:txBody>
+                    <a:bodyPr/>
+                    <a:lstStyle/>
+                    <a:p>
+                      <a:pPr latinLnBrk="1"/>
+                      <a:r>
+                        <a:rPr lang="ko-KR" altLang="en-US" sz="1000" b="0"/>
+                        <a:t>일도정공</a:t>
+                      </a:r>
+                    </a:p>
+                  </a:txBody>
+                  <a:tcPr/>
+                </a:tc>
+                <a:tc>
+                  <a:txBody>
+                    <a:bodyPr/>
+                    <a:lstStyle/>
+                    <a:p>
+                      <a:pPr latinLnBrk="1"/>
+                      <a:r>
+                        <a:rPr lang="ko-KR" altLang="en-US" sz="1000" b="0"/>
+                        <a:t>김현수</a:t>
+                      </a:r>
+                    </a:p>
+                  </a:txBody>
+                  <a:tcPr/>
+                </a:tc>
+                <a:tc>
+                  <a:txBody>
+                    <a:bodyPr/>
+                    <a:lstStyle/>
+                    <a:p>
+                      <a:pPr latinLnBrk="1"/>
+                      <a:r>
+                        <a:rPr lang="en-US" altLang="ko-KR" sz="1000" b="0"/>
+                        <a:t>031-496-2121</a:t>
+                      </a:r>
+                      <a:endParaRPr lang="ko-KR" altLang="en-US" sz="1000" b="0"/>
+                    </a:p>
+                  </a:txBody>
+                  <a:tcPr/>
+                </a:tc>
+                <a:tc>
+                  <a:txBody>
+                    <a:bodyPr/>
+                    <a:lstStyle/>
+                    <a:p>
+                      <a:pPr latinLnBrk="1"/>
+                      <a:r>
+                        <a:rPr lang="ko-KR" altLang="en-US" sz="1000" b="0"/>
+                        <a:t>정예진</a:t>
+                      </a:r>
+                    </a:p>
+                  </a:txBody>
+                  <a:tcPr/>
+                </a:tc>
+                <a:tc>
+                  <a:txBody>
+                    <a:bodyPr/>
+                    <a:lstStyle/>
+                    <a:p>
+                      <a:pPr latinLnBrk="1"/>
+                      <a:r>
+                        <a:rPr lang="en-US" altLang="ko-KR" sz="1000" b="0"/>
+                        <a:t>010-8482-7291</a:t>
+                      </a:r>
+                      <a:endParaRPr lang="ko-KR" altLang="en-US" sz="1000" b="0"/>
+                    </a:p>
+                  </a:txBody>
+                  <a:tcPr/>
+                </a:tc>
+                <a:tc>
+                  <a:txBody>
+                    <a:bodyPr/>
+                    <a:lstStyle/>
+                    <a:p>
+                      <a:pPr latinLnBrk="1"/>
+                      <a:r>
+                        <a:rPr lang="en-US" altLang="ko-KR" sz="1000" b="0"/>
+                        <a:t>yjjeong@ildojg.co.kr</a:t>
+                      </a:r>
+                      <a:endParaRPr lang="ko-KR" altLang="en-US" sz="1000" b="0"/>
+                    </a:p>
+                  </a:txBody>
+                  <a:tcPr/>
+                </a:tc>
+                <a:tc>
+                  <a:txBody>
+                    <a:bodyPr/>
+                    <a:lstStyle/>
+                    <a:p>
+                      <a:pPr latinLnBrk="1"/>
+                      <a:r>
+                        <a:rPr lang="ko-KR" altLang="en-US" sz="1000" b="0"/>
+                        <a:t>경기도 안산시 원시로 </a:t>
+                      </a:r>
+                      <a:r>
+                        <a:rPr lang="en-US" altLang="ko-KR" sz="1000" b="0"/>
+                        <a:t>210</a:t>
+                      </a:r>
+                      <a:endParaRPr lang="ko-KR" altLang="en-US" sz="1000" b="0"/>
+                    </a:p>
+                  </a:txBody>
+                  <a:tcPr/>
+                </a:tc>
+                <a:tc>
+                  <a:txBody>
+                    <a:bodyPr/>
+                    <a:lstStyle/>
+                    <a:p>
+                      <a:pPr latinLnBrk="1"/>
+                      <a:r>
+                        <a:rPr lang="ko-KR" altLang="en-US" sz="1000" b="0"/>
+                        <a:t>금속 가공 및 도장 외주</a:t>
+                      </a:r>
                     </a:p>
                   </a:txBody>
                   <a:tcPr/>
@@ -4396,113 +5077,154 @@
                   </a:ext>
                 </a:extLst>
               </a:tr>
-              <a:tr h="370840">
-                <a:tc>
-                  <a:txBody>
-                    <a:bodyPr/>
-                    <a:lstStyle/>
-                    <a:p>
-                      <a:pPr latinLnBrk="1"/>
-                      <a:endParaRPr lang="ko-KR" altLang="en-US" b="1"/>
-                    </a:p>
-                  </a:txBody>
-                  <a:tcPr/>
-                </a:tc>
-                <a:tc>
-                  <a:txBody>
-                    <a:bodyPr/>
-                    <a:lstStyle/>
-                    <a:p>
-                      <a:pPr latinLnBrk="1"/>
-                      <a:endParaRPr lang="ko-KR" altLang="en-US"/>
-                    </a:p>
-                  </a:txBody>
-                  <a:tcPr/>
-                </a:tc>
-                <a:tc>
-                  <a:txBody>
-                    <a:bodyPr/>
-                    <a:lstStyle/>
-                    <a:p>
-                      <a:pPr latinLnBrk="1"/>
-                      <a:endParaRPr lang="ko-KR" altLang="en-US"/>
-                    </a:p>
-                  </a:txBody>
-                  <a:tcPr/>
-                </a:tc>
-                <a:tc>
-                  <a:txBody>
-                    <a:bodyPr/>
-                    <a:lstStyle/>
-                    <a:p>
-                      <a:pPr latinLnBrk="1"/>
-                      <a:endParaRPr lang="ko-KR" altLang="en-US"/>
-                    </a:p>
-                  </a:txBody>
-                  <a:tcPr/>
-                </a:tc>
-                <a:tc>
-                  <a:txBody>
-                    <a:bodyPr/>
-                    <a:lstStyle/>
-                    <a:p>
-                      <a:pPr latinLnBrk="1"/>
-                      <a:endParaRPr lang="ko-KR" altLang="en-US"/>
-                    </a:p>
-                  </a:txBody>
-                  <a:tcPr/>
-                </a:tc>
-                <a:tc>
-                  <a:txBody>
-                    <a:bodyPr/>
-                    <a:lstStyle/>
-                    <a:p>
-                      <a:pPr latinLnBrk="1"/>
-                      <a:endParaRPr lang="ko-KR" altLang="en-US"/>
-                    </a:p>
-                  </a:txBody>
-                  <a:tcPr/>
-                </a:tc>
-                <a:tc>
-                  <a:txBody>
-                    <a:bodyPr/>
-                    <a:lstStyle/>
-                    <a:p>
-                      <a:pPr latinLnBrk="1"/>
-                      <a:endParaRPr lang="ko-KR" altLang="en-US"/>
-                    </a:p>
-                  </a:txBody>
-                  <a:tcPr/>
-                </a:tc>
-                <a:tc>
-                  <a:txBody>
-                    <a:bodyPr/>
-                    <a:lstStyle/>
-                    <a:p>
-                      <a:pPr latinLnBrk="1"/>
-                      <a:endParaRPr lang="ko-KR" altLang="en-US"/>
-                    </a:p>
-                  </a:txBody>
-                  <a:tcPr/>
-                </a:tc>
-                <a:tc>
-                  <a:txBody>
-                    <a:bodyPr/>
-                    <a:lstStyle/>
-                    <a:p>
-                      <a:pPr latinLnBrk="1"/>
-                      <a:endParaRPr lang="ko-KR" altLang="en-US"/>
-                    </a:p>
-                  </a:txBody>
-                  <a:tcPr/>
-                </a:tc>
-                <a:tc>
-                  <a:txBody>
-                    <a:bodyPr/>
-                    <a:lstStyle/>
-                    <a:p>
-                      <a:pPr latinLnBrk="1"/>
-                      <a:endParaRPr lang="ko-KR" altLang="en-US"/>
+              <a:tr h="421861">
+                <a:tc>
+                  <a:txBody>
+                    <a:bodyPr/>
+                    <a:lstStyle/>
+                    <a:p>
+                      <a:pPr latinLnBrk="1"/>
+                      <a:r>
+                        <a:rPr lang="ko-KR" altLang="en-US" sz="1000" b="0"/>
+                        <a:t>매입처 </a:t>
+                      </a:r>
+                    </a:p>
+                  </a:txBody>
+                  <a:tcPr/>
+                </a:tc>
+                <a:tc>
+                  <a:txBody>
+                    <a:bodyPr/>
+                    <a:lstStyle/>
+                    <a:p>
+                      <a:pPr>
+                        <a:buNone/>
+                      </a:pPr>
+                      <a:r>
+                        <a:rPr lang="en-US" altLang="ko-KR" sz="1000" b="0"/>
+                        <a:t>126-55-64153</a:t>
+                      </a:r>
+                      <a:endParaRPr lang="ko-KR" altLang="en-US" sz="1000" b="0"/>
+                    </a:p>
+                  </a:txBody>
+                  <a:tcPr anchor="ctr"/>
+                </a:tc>
+                <a:tc>
+                  <a:txBody>
+                    <a:bodyPr/>
+                    <a:lstStyle/>
+                    <a:p>
+                      <a:pPr latinLnBrk="1"/>
+                      <a:r>
+                        <a:rPr lang="ko-KR" altLang="en-US" sz="1000" b="0"/>
+                        <a:t>동화화학</a:t>
+                      </a:r>
+                    </a:p>
+                  </a:txBody>
+                  <a:tcPr/>
+                </a:tc>
+                <a:tc>
+                  <a:txBody>
+                    <a:bodyPr/>
+                    <a:lstStyle/>
+                    <a:p>
+                      <a:pPr latinLnBrk="1"/>
+                      <a:r>
+                        <a:rPr lang="ko-KR" altLang="en-US" sz="1000" b="0"/>
+                        <a:t>윤성민</a:t>
+                      </a:r>
+                    </a:p>
+                  </a:txBody>
+                  <a:tcPr/>
+                </a:tc>
+                <a:tc>
+                  <a:txBody>
+                    <a:bodyPr/>
+                    <a:lstStyle/>
+                    <a:p>
+                      <a:pPr latinLnBrk="1"/>
+                      <a:r>
+                        <a:rPr lang="en-US" altLang="ko-KR" sz="1000" b="0"/>
+                        <a:t>031-496-2875</a:t>
+                      </a:r>
+                      <a:endParaRPr lang="ko-KR" altLang="en-US" sz="1000" b="0"/>
+                    </a:p>
+                  </a:txBody>
+                  <a:tcPr/>
+                </a:tc>
+                <a:tc>
+                  <a:txBody>
+                    <a:bodyPr/>
+                    <a:lstStyle/>
+                    <a:p>
+                      <a:pPr latinLnBrk="1"/>
+                      <a:r>
+                        <a:rPr lang="ko-KR" altLang="en-US" sz="1000" b="0"/>
+                        <a:t>박지연</a:t>
+                      </a:r>
+                    </a:p>
+                  </a:txBody>
+                  <a:tcPr/>
+                </a:tc>
+                <a:tc>
+                  <a:txBody>
+                    <a:bodyPr/>
+                    <a:lstStyle/>
+                    <a:p>
+                      <a:pPr latinLnBrk="1"/>
+                      <a:r>
+                        <a:rPr lang="en-US" altLang="ko-KR" sz="1000" b="0"/>
+                        <a:t>010-8833-2244</a:t>
+                      </a:r>
+                      <a:endParaRPr lang="ko-KR" altLang="en-US" sz="1000" b="0"/>
+                    </a:p>
+                  </a:txBody>
+                  <a:tcPr/>
+                </a:tc>
+                <a:tc>
+                  <a:txBody>
+                    <a:bodyPr/>
+                    <a:lstStyle/>
+                    <a:p>
+                      <a:pPr latinLnBrk="1"/>
+                      <a:r>
+                        <a:rPr lang="en-US" altLang="ko-KR" sz="1000" b="0"/>
+                        <a:t>jypak@dongwachem.co.kr</a:t>
+                      </a:r>
+                      <a:endParaRPr lang="ko-KR" altLang="en-US" sz="1000" b="0"/>
+                    </a:p>
+                  </a:txBody>
+                  <a:tcPr/>
+                </a:tc>
+                <a:tc>
+                  <a:txBody>
+                    <a:bodyPr/>
+                    <a:lstStyle/>
+                    <a:p>
+                      <a:pPr latinLnBrk="1"/>
+                      <a:r>
+                        <a:rPr lang="ko-KR" altLang="en-US" sz="1000" b="0"/>
+                        <a:t>경기도 안산시 단원구 중앙로 </a:t>
+                      </a:r>
+                      <a:r>
+                        <a:rPr lang="en-US" altLang="ko-KR" sz="1000" b="0"/>
+                        <a:t>56</a:t>
+                      </a:r>
+                      <a:endParaRPr lang="ko-KR" altLang="en-US" sz="1000" b="0"/>
+                    </a:p>
+                  </a:txBody>
+                  <a:tcPr/>
+                </a:tc>
+                <a:tc>
+                  <a:txBody>
+                    <a:bodyPr/>
+                    <a:lstStyle/>
+                    <a:p>
+                      <a:pPr latinLnBrk="1"/>
+                      <a:r>
+                        <a:rPr lang="ko-KR" altLang="en-US" sz="1000" b="0"/>
+                        <a:t>도료 및 첨가제 공급</a:t>
+                      </a:r>
                     </a:p>
                   </a:txBody>
                   <a:tcPr/>
@@ -4531,106 +5253,147 @@
                     <a:lstStyle/>
                     <a:p>
                       <a:pPr latinLnBrk="1"/>
-                      <a:endParaRPr lang="ko-KR" altLang="en-US" b="1"/>
-                    </a:p>
-                  </a:txBody>
-                  <a:tcPr/>
-                </a:tc>
-                <a:tc>
-                  <a:txBody>
-                    <a:bodyPr/>
-                    <a:lstStyle/>
-                    <a:p>
-                      <a:pPr latinLnBrk="1"/>
-                      <a:endParaRPr lang="ko-KR" altLang="en-US"/>
-                    </a:p>
-                  </a:txBody>
-                  <a:tcPr/>
-                </a:tc>
-                <a:tc>
-                  <a:txBody>
-                    <a:bodyPr/>
-                    <a:lstStyle/>
-                    <a:p>
-                      <a:pPr latinLnBrk="1"/>
-                      <a:endParaRPr lang="ko-KR" altLang="en-US"/>
-                    </a:p>
-                  </a:txBody>
-                  <a:tcPr/>
-                </a:tc>
-                <a:tc>
-                  <a:txBody>
-                    <a:bodyPr/>
-                    <a:lstStyle/>
-                    <a:p>
-                      <a:pPr latinLnBrk="1"/>
-                      <a:endParaRPr lang="ko-KR" altLang="en-US"/>
-                    </a:p>
-                  </a:txBody>
-                  <a:tcPr/>
-                </a:tc>
-                <a:tc>
-                  <a:txBody>
-                    <a:bodyPr/>
-                    <a:lstStyle/>
-                    <a:p>
-                      <a:pPr latinLnBrk="1"/>
-                      <a:endParaRPr lang="ko-KR" altLang="en-US"/>
-                    </a:p>
-                  </a:txBody>
-                  <a:tcPr/>
-                </a:tc>
-                <a:tc>
-                  <a:txBody>
-                    <a:bodyPr/>
-                    <a:lstStyle/>
-                    <a:p>
-                      <a:pPr latinLnBrk="1"/>
-                      <a:endParaRPr lang="ko-KR" altLang="en-US"/>
-                    </a:p>
-                  </a:txBody>
-                  <a:tcPr/>
-                </a:tc>
-                <a:tc>
-                  <a:txBody>
-                    <a:bodyPr/>
-                    <a:lstStyle/>
-                    <a:p>
-                      <a:pPr latinLnBrk="1"/>
-                      <a:endParaRPr lang="ko-KR" altLang="en-US"/>
-                    </a:p>
-                  </a:txBody>
-                  <a:tcPr/>
-                </a:tc>
-                <a:tc>
-                  <a:txBody>
-                    <a:bodyPr/>
-                    <a:lstStyle/>
-                    <a:p>
-                      <a:pPr latinLnBrk="1"/>
-                      <a:endParaRPr lang="ko-KR" altLang="en-US"/>
-                    </a:p>
-                  </a:txBody>
-                  <a:tcPr/>
-                </a:tc>
-                <a:tc>
-                  <a:txBody>
-                    <a:bodyPr/>
-                    <a:lstStyle/>
-                    <a:p>
-                      <a:pPr latinLnBrk="1"/>
-                      <a:endParaRPr lang="ko-KR" altLang="en-US"/>
-                    </a:p>
-                  </a:txBody>
-                  <a:tcPr/>
-                </a:tc>
-                <a:tc>
-                  <a:txBody>
-                    <a:bodyPr/>
-                    <a:lstStyle/>
-                    <a:p>
-                      <a:pPr latinLnBrk="1"/>
-                      <a:endParaRPr lang="ko-KR" altLang="en-US"/>
+                      <a:r>
+                        <a:rPr lang="ko-KR" altLang="en-US" sz="1000" b="0"/>
+                        <a:t>거래처 </a:t>
+                      </a:r>
+                    </a:p>
+                  </a:txBody>
+                  <a:tcPr/>
+                </a:tc>
+                <a:tc>
+                  <a:txBody>
+                    <a:bodyPr/>
+                    <a:lstStyle/>
+                    <a:p>
+                      <a:pPr>
+                        <a:buNone/>
+                      </a:pPr>
+                      <a:r>
+                        <a:rPr lang="en-US" altLang="ko-KR" sz="1000" b="0"/>
+                        <a:t>226-85-44575</a:t>
+                      </a:r>
+                      <a:endParaRPr lang="ko-KR" altLang="en-US" sz="1000" b="0"/>
+                    </a:p>
+                  </a:txBody>
+                  <a:tcPr anchor="ctr"/>
+                </a:tc>
+                <a:tc>
+                  <a:txBody>
+                    <a:bodyPr/>
+                    <a:lstStyle/>
+                    <a:p>
+                      <a:pPr latinLnBrk="1"/>
+                      <a:r>
+                        <a:rPr lang="ko-KR" altLang="en-US" sz="1000" b="0"/>
+                        <a:t>세진테크</a:t>
+                      </a:r>
+                    </a:p>
+                  </a:txBody>
+                  <a:tcPr/>
+                </a:tc>
+                <a:tc>
+                  <a:txBody>
+                    <a:bodyPr/>
+                    <a:lstStyle/>
+                    <a:p>
+                      <a:pPr latinLnBrk="1"/>
+                      <a:r>
+                        <a:rPr lang="ko-KR" altLang="en-US" sz="1000" b="0"/>
+                        <a:t>이정훈</a:t>
+                      </a:r>
+                    </a:p>
+                  </a:txBody>
+                  <a:tcPr/>
+                </a:tc>
+                <a:tc>
+                  <a:txBody>
+                    <a:bodyPr/>
+                    <a:lstStyle/>
+                    <a:p>
+                      <a:pPr latinLnBrk="1"/>
+                      <a:r>
+                        <a:rPr lang="en-US" altLang="ko-KR" sz="1000" b="0"/>
+                        <a:t>031-345-2233</a:t>
+                      </a:r>
+                      <a:endParaRPr lang="ko-KR" altLang="en-US" sz="1000" b="0"/>
+                    </a:p>
+                  </a:txBody>
+                  <a:tcPr/>
+                </a:tc>
+                <a:tc>
+                  <a:txBody>
+                    <a:bodyPr/>
+                    <a:lstStyle/>
+                    <a:p>
+                      <a:pPr latinLnBrk="1"/>
+                      <a:r>
+                        <a:rPr lang="ko-KR" altLang="en-US" sz="1000" b="0"/>
+                        <a:t>김다은</a:t>
+                      </a:r>
+                    </a:p>
+                  </a:txBody>
+                  <a:tcPr/>
+                </a:tc>
+                <a:tc>
+                  <a:txBody>
+                    <a:bodyPr/>
+                    <a:lstStyle/>
+                    <a:p>
+                      <a:pPr latinLnBrk="1"/>
+                      <a:r>
+                        <a:rPr lang="en-US" altLang="ko-KR" sz="1000" b="0"/>
+                        <a:t>010-1234-5887</a:t>
+                      </a:r>
+                      <a:endParaRPr lang="ko-KR" altLang="en-US" sz="1000" b="0"/>
+                    </a:p>
+                  </a:txBody>
+                  <a:tcPr/>
+                </a:tc>
+                <a:tc>
+                  <a:txBody>
+                    <a:bodyPr/>
+                    <a:lstStyle/>
+                    <a:p>
+                      <a:pPr latinLnBrk="1"/>
+                      <a:r>
+                        <a:rPr lang="en-US" altLang="ko-KR" sz="1000" b="0"/>
+                        <a:t>daekim@sejintec.co.kr</a:t>
+                      </a:r>
+                      <a:endParaRPr lang="ko-KR" altLang="en-US" sz="1000" b="0"/>
+                    </a:p>
+                  </a:txBody>
+                  <a:tcPr/>
+                </a:tc>
+                <a:tc>
+                  <a:txBody>
+                    <a:bodyPr/>
+                    <a:lstStyle/>
+                    <a:p>
+                      <a:pPr latinLnBrk="1"/>
+                      <a:r>
+                        <a:rPr lang="ko-KR" altLang="en-US" sz="1000" b="0"/>
+                        <a:t>인천광역시 남동구 고잔로 </a:t>
+                      </a:r>
+                      <a:r>
+                        <a:rPr lang="en-US" altLang="ko-KR" sz="1000" b="0"/>
+                        <a:t>45</a:t>
+                      </a:r>
+                      <a:endParaRPr lang="ko-KR" altLang="en-US" sz="1000" b="0"/>
+                    </a:p>
+                  </a:txBody>
+                  <a:tcPr/>
+                </a:tc>
+                <a:tc>
+                  <a:txBody>
+                    <a:bodyPr/>
+                    <a:lstStyle/>
+                    <a:p>
+                      <a:pPr latinLnBrk="1"/>
+                      <a:r>
+                        <a:rPr lang="ko-KR" altLang="en-US" sz="1000" b="0"/>
+                        <a:t>도막두께 측정기 납품</a:t>
+                      </a:r>
                     </a:p>
                   </a:txBody>
                   <a:tcPr/>
@@ -4659,106 +5422,145 @@
                     <a:lstStyle/>
                     <a:p>
                       <a:pPr latinLnBrk="1"/>
-                      <a:endParaRPr lang="ko-KR" altLang="en-US" b="1"/>
-                    </a:p>
-                  </a:txBody>
-                  <a:tcPr/>
-                </a:tc>
-                <a:tc>
-                  <a:txBody>
-                    <a:bodyPr/>
-                    <a:lstStyle/>
-                    <a:p>
-                      <a:pPr latinLnBrk="1"/>
-                      <a:endParaRPr lang="ko-KR" altLang="en-US"/>
-                    </a:p>
-                  </a:txBody>
-                  <a:tcPr/>
-                </a:tc>
-                <a:tc>
-                  <a:txBody>
-                    <a:bodyPr/>
-                    <a:lstStyle/>
-                    <a:p>
-                      <a:pPr latinLnBrk="1"/>
-                      <a:endParaRPr lang="ko-KR" altLang="en-US"/>
-                    </a:p>
-                  </a:txBody>
-                  <a:tcPr/>
-                </a:tc>
-                <a:tc>
-                  <a:txBody>
-                    <a:bodyPr/>
-                    <a:lstStyle/>
-                    <a:p>
-                      <a:pPr latinLnBrk="1"/>
-                      <a:endParaRPr lang="ko-KR" altLang="en-US"/>
-                    </a:p>
-                  </a:txBody>
-                  <a:tcPr/>
-                </a:tc>
-                <a:tc>
-                  <a:txBody>
-                    <a:bodyPr/>
-                    <a:lstStyle/>
-                    <a:p>
-                      <a:pPr latinLnBrk="1"/>
-                      <a:endParaRPr lang="ko-KR" altLang="en-US"/>
-                    </a:p>
-                  </a:txBody>
-                  <a:tcPr/>
-                </a:tc>
-                <a:tc>
-                  <a:txBody>
-                    <a:bodyPr/>
-                    <a:lstStyle/>
-                    <a:p>
-                      <a:pPr latinLnBrk="1"/>
-                      <a:endParaRPr lang="ko-KR" altLang="en-US"/>
-                    </a:p>
-                  </a:txBody>
-                  <a:tcPr/>
-                </a:tc>
-                <a:tc>
-                  <a:txBody>
-                    <a:bodyPr/>
-                    <a:lstStyle/>
-                    <a:p>
-                      <a:pPr latinLnBrk="1"/>
-                      <a:endParaRPr lang="ko-KR" altLang="en-US"/>
-                    </a:p>
-                  </a:txBody>
-                  <a:tcPr/>
-                </a:tc>
-                <a:tc>
-                  <a:txBody>
-                    <a:bodyPr/>
-                    <a:lstStyle/>
-                    <a:p>
-                      <a:pPr latinLnBrk="1"/>
-                      <a:endParaRPr lang="ko-KR" altLang="en-US"/>
-                    </a:p>
-                  </a:txBody>
-                  <a:tcPr/>
-                </a:tc>
-                <a:tc>
-                  <a:txBody>
-                    <a:bodyPr/>
-                    <a:lstStyle/>
-                    <a:p>
-                      <a:pPr latinLnBrk="1"/>
-                      <a:endParaRPr lang="ko-KR" altLang="en-US"/>
-                    </a:p>
-                  </a:txBody>
-                  <a:tcPr/>
-                </a:tc>
-                <a:tc>
-                  <a:txBody>
-                    <a:bodyPr/>
-                    <a:lstStyle/>
-                    <a:p>
-                      <a:pPr latinLnBrk="1"/>
-                      <a:endParaRPr lang="ko-KR" altLang="en-US"/>
+                      <a:r>
+                        <a:rPr lang="ko-KR" altLang="en-US" sz="1000" b="0"/>
+                        <a:t>매입처</a:t>
+                      </a:r>
+                    </a:p>
+                  </a:txBody>
+                  <a:tcPr/>
+                </a:tc>
+                <a:tc>
+                  <a:txBody>
+                    <a:bodyPr/>
+                    <a:lstStyle/>
+                    <a:p>
+                      <a:pPr latinLnBrk="1"/>
+                      <a:r>
+                        <a:rPr lang="en-US" altLang="ko-KR" sz="1000" b="0"/>
+                        <a:t>128-84-99211</a:t>
+                      </a:r>
+                      <a:endParaRPr lang="ko-KR" altLang="en-US" sz="1000" b="0"/>
+                    </a:p>
+                  </a:txBody>
+                  <a:tcPr/>
+                </a:tc>
+                <a:tc>
+                  <a:txBody>
+                    <a:bodyPr/>
+                    <a:lstStyle/>
+                    <a:p>
+                      <a:pPr latinLnBrk="1"/>
+                      <a:r>
+                        <a:rPr lang="ko-KR" altLang="en-US" sz="1000" b="0"/>
+                        <a:t>대철산업</a:t>
+                      </a:r>
+                    </a:p>
+                  </a:txBody>
+                  <a:tcPr/>
+                </a:tc>
+                <a:tc>
+                  <a:txBody>
+                    <a:bodyPr/>
+                    <a:lstStyle/>
+                    <a:p>
+                      <a:pPr latinLnBrk="1"/>
+                      <a:r>
+                        <a:rPr lang="ko-KR" altLang="en-US" sz="1000" b="0"/>
+                        <a:t>최승현</a:t>
+                      </a:r>
+                    </a:p>
+                  </a:txBody>
+                  <a:tcPr/>
+                </a:tc>
+                <a:tc>
+                  <a:txBody>
+                    <a:bodyPr/>
+                    <a:lstStyle/>
+                    <a:p>
+                      <a:pPr latinLnBrk="1"/>
+                      <a:r>
+                        <a:rPr lang="en-US" altLang="ko-KR" sz="1000" b="0"/>
+                        <a:t>031-317-6655</a:t>
+                      </a:r>
+                      <a:endParaRPr lang="ko-KR" altLang="en-US" sz="1000" b="0"/>
+                    </a:p>
+                  </a:txBody>
+                  <a:tcPr/>
+                </a:tc>
+                <a:tc>
+                  <a:txBody>
+                    <a:bodyPr/>
+                    <a:lstStyle/>
+                    <a:p>
+                      <a:pPr latinLnBrk="1"/>
+                      <a:r>
+                        <a:rPr lang="ko-KR" altLang="en-US" sz="1000" b="0"/>
+                        <a:t>송하린</a:t>
+                      </a:r>
+                    </a:p>
+                  </a:txBody>
+                  <a:tcPr/>
+                </a:tc>
+                <a:tc>
+                  <a:txBody>
+                    <a:bodyPr/>
+                    <a:lstStyle/>
+                    <a:p>
+                      <a:pPr latinLnBrk="1"/>
+                      <a:r>
+                        <a:rPr lang="en-US" altLang="ko-KR" sz="1000" b="0"/>
+                        <a:t>010-9912-4433</a:t>
+                      </a:r>
+                      <a:endParaRPr lang="ko-KR" altLang="en-US" sz="1000" b="0"/>
+                    </a:p>
+                  </a:txBody>
+                  <a:tcPr/>
+                </a:tc>
+                <a:tc>
+                  <a:txBody>
+                    <a:bodyPr/>
+                    <a:lstStyle/>
+                    <a:p>
+                      <a:pPr latinLnBrk="1"/>
+                      <a:r>
+                        <a:rPr lang="en-US" altLang="ko-KR" sz="1000" b="0"/>
+                        <a:t>harin.song@samwuc.co.kr</a:t>
+                      </a:r>
+                      <a:endParaRPr lang="ko-KR" altLang="en-US" sz="1000" b="0"/>
+                    </a:p>
+                  </a:txBody>
+                  <a:tcPr/>
+                </a:tc>
+                <a:tc>
+                  <a:txBody>
+                    <a:bodyPr/>
+                    <a:lstStyle/>
+                    <a:p>
+                      <a:pPr latinLnBrk="1"/>
+                      <a:r>
+                        <a:rPr lang="ko-KR" altLang="en-US" sz="1000" b="0"/>
+                        <a:t>경기도 시흥시 산기대길 </a:t>
+                      </a:r>
+                      <a:r>
+                        <a:rPr lang="en-US" altLang="ko-KR" sz="1000" b="0"/>
+                        <a:t>12</a:t>
+                      </a:r>
+                      <a:endParaRPr lang="ko-KR" altLang="en-US" sz="1000" b="0"/>
+                    </a:p>
+                  </a:txBody>
+                  <a:tcPr/>
+                </a:tc>
+                <a:tc>
+                  <a:txBody>
+                    <a:bodyPr/>
+                    <a:lstStyle/>
+                    <a:p>
+                      <a:pPr latinLnBrk="1"/>
+                      <a:r>
+                        <a:rPr lang="ko-KR" altLang="en-US" sz="1000" b="0"/>
+                        <a:t>분체도료 공급</a:t>
+                      </a:r>
                     </a:p>
                   </a:txBody>
                   <a:tcPr/>
@@ -4787,106 +5589,175 @@
                     <a:lstStyle/>
                     <a:p>
                       <a:pPr latinLnBrk="1"/>
-                      <a:endParaRPr lang="ko-KR" altLang="en-US" b="1"/>
-                    </a:p>
-                  </a:txBody>
-                  <a:tcPr/>
-                </a:tc>
-                <a:tc>
-                  <a:txBody>
-                    <a:bodyPr/>
-                    <a:lstStyle/>
-                    <a:p>
-                      <a:pPr latinLnBrk="1"/>
-                      <a:endParaRPr lang="ko-KR" altLang="en-US"/>
-                    </a:p>
-                  </a:txBody>
-                  <a:tcPr/>
-                </a:tc>
-                <a:tc>
-                  <a:txBody>
-                    <a:bodyPr/>
-                    <a:lstStyle/>
-                    <a:p>
-                      <a:pPr latinLnBrk="1"/>
-                      <a:endParaRPr lang="ko-KR" altLang="en-US"/>
-                    </a:p>
-                  </a:txBody>
-                  <a:tcPr/>
-                </a:tc>
-                <a:tc>
-                  <a:txBody>
-                    <a:bodyPr/>
-                    <a:lstStyle/>
-                    <a:p>
-                      <a:pPr latinLnBrk="1"/>
-                      <a:endParaRPr lang="ko-KR" altLang="en-US"/>
-                    </a:p>
-                  </a:txBody>
-                  <a:tcPr/>
-                </a:tc>
-                <a:tc>
-                  <a:txBody>
-                    <a:bodyPr/>
-                    <a:lstStyle/>
-                    <a:p>
-                      <a:pPr latinLnBrk="1"/>
-                      <a:endParaRPr lang="ko-KR" altLang="en-US"/>
-                    </a:p>
-                  </a:txBody>
-                  <a:tcPr/>
-                </a:tc>
-                <a:tc>
-                  <a:txBody>
-                    <a:bodyPr/>
-                    <a:lstStyle/>
-                    <a:p>
-                      <a:pPr latinLnBrk="1"/>
-                      <a:endParaRPr lang="ko-KR" altLang="en-US"/>
-                    </a:p>
-                  </a:txBody>
-                  <a:tcPr/>
-                </a:tc>
-                <a:tc>
-                  <a:txBody>
-                    <a:bodyPr/>
-                    <a:lstStyle/>
-                    <a:p>
-                      <a:pPr latinLnBrk="1"/>
-                      <a:endParaRPr lang="ko-KR" altLang="en-US"/>
-                    </a:p>
-                  </a:txBody>
-                  <a:tcPr/>
-                </a:tc>
-                <a:tc>
-                  <a:txBody>
-                    <a:bodyPr/>
-                    <a:lstStyle/>
-                    <a:p>
-                      <a:pPr latinLnBrk="1"/>
-                      <a:endParaRPr lang="ko-KR" altLang="en-US"/>
-                    </a:p>
-                  </a:txBody>
-                  <a:tcPr/>
-                </a:tc>
-                <a:tc>
-                  <a:txBody>
-                    <a:bodyPr/>
-                    <a:lstStyle/>
-                    <a:p>
-                      <a:pPr latinLnBrk="1"/>
-                      <a:endParaRPr lang="ko-KR" altLang="en-US"/>
-                    </a:p>
-                  </a:txBody>
-                  <a:tcPr/>
-                </a:tc>
-                <a:tc>
-                  <a:txBody>
-                    <a:bodyPr/>
-                    <a:lstStyle/>
-                    <a:p>
-                      <a:pPr latinLnBrk="1"/>
-                      <a:endParaRPr lang="ko-KR" altLang="en-US"/>
+                      <a:r>
+                        <a:rPr lang="ko-KR" altLang="en-US" sz="1000" b="0"/>
+                        <a:t>매입처</a:t>
+                      </a:r>
+                    </a:p>
+                  </a:txBody>
+                  <a:tcPr/>
+                </a:tc>
+                <a:tc>
+                  <a:txBody>
+                    <a:bodyPr/>
+                    <a:lstStyle/>
+                    <a:p>
+                      <a:pPr latinLnBrk="1"/>
+                      <a:r>
+                        <a:rPr lang="en-US" altLang="ko-KR" sz="1000" b="0"/>
+                        <a:t>131-86-77532</a:t>
+                      </a:r>
+                      <a:endParaRPr lang="ko-KR" altLang="en-US" sz="1000" b="0"/>
+                    </a:p>
+                  </a:txBody>
+                  <a:tcPr/>
+                </a:tc>
+                <a:tc>
+                  <a:txBody>
+                    <a:bodyPr/>
+                    <a:lstStyle/>
+                    <a:p>
+                      <a:pPr latinLnBrk="1"/>
+                      <a:r>
+                        <a:rPr lang="ko-KR" altLang="en-US" sz="1000" b="0"/>
+                        <a:t>삼우코팅</a:t>
+                      </a:r>
+                    </a:p>
+                  </a:txBody>
+                  <a:tcPr/>
+                </a:tc>
+                <a:tc>
+                  <a:txBody>
+                    <a:bodyPr/>
+                    <a:lstStyle/>
+                    <a:p>
+                      <a:pPr latinLnBrk="1"/>
+                      <a:r>
+                        <a:rPr lang="ko-KR" altLang="en-US" sz="1000" b="0"/>
+                        <a:t>정진성</a:t>
+                      </a:r>
+                    </a:p>
+                  </a:txBody>
+                  <a:tcPr/>
+                </a:tc>
+                <a:tc>
+                  <a:txBody>
+                    <a:bodyPr/>
+                    <a:lstStyle/>
+                    <a:p>
+                      <a:pPr latinLnBrk="1"/>
+                      <a:r>
+                        <a:rPr lang="en-US" altLang="ko-KR" sz="1000" b="0"/>
+                        <a:t>031-476-8899</a:t>
+                      </a:r>
+                      <a:endParaRPr lang="ko-KR" altLang="en-US" sz="1000" b="0"/>
+                    </a:p>
+                  </a:txBody>
+                  <a:tcPr/>
+                </a:tc>
+                <a:tc>
+                  <a:txBody>
+                    <a:bodyPr/>
+                    <a:lstStyle/>
+                    <a:p>
+                      <a:pPr latinLnBrk="1"/>
+                      <a:r>
+                        <a:rPr lang="ko-KR" altLang="en-US" sz="1000" b="0"/>
+                        <a:t>김가을</a:t>
+                      </a:r>
+                    </a:p>
+                  </a:txBody>
+                  <a:tcPr/>
+                </a:tc>
+                <a:tc>
+                  <a:txBody>
+                    <a:bodyPr/>
+                    <a:lstStyle/>
+                    <a:p>
+                      <a:pPr>
+                        <a:buNone/>
+                      </a:pPr>
+                      <a:r>
+                        <a:rPr lang="en-US" altLang="ko-KR" sz="1000" b="0"/>
+                        <a:t>010-7555-5487</a:t>
+                      </a:r>
+                      <a:endParaRPr lang="ko-KR" altLang="en-US" sz="1000" b="0"/>
+                    </a:p>
+                  </a:txBody>
+                  <a:tcPr anchor="ctr"/>
+                </a:tc>
+                <a:tc>
+                  <a:txBody>
+                    <a:bodyPr/>
+                    <a:lstStyle/>
+                    <a:p>
+                      <a:pPr latinLnBrk="1"/>
+                      <a:r>
+                        <a:rPr lang="en-US" altLang="ko-KR" sz="1000" b="0"/>
+                        <a:t>ind7521@naver.com</a:t>
+                      </a:r>
+                      <a:endParaRPr lang="ko-KR" altLang="en-US" sz="1000" b="0"/>
+                    </a:p>
+                  </a:txBody>
+                  <a:tcPr/>
+                </a:tc>
+                <a:tc>
+                  <a:txBody>
+                    <a:bodyPr/>
+                    <a:lstStyle/>
+                    <a:p>
+                      <a:pPr latinLnBrk="1"/>
+                      <a:r>
+                        <a:rPr lang="ko-KR" altLang="en-US" sz="1000" b="0"/>
+                        <a:t>경기도 화성시 공단 </a:t>
+                      </a:r>
+                      <a:r>
+                        <a:rPr lang="en-US" altLang="ko-KR" sz="1000" b="0"/>
+                        <a:t>3</a:t>
+                      </a:r>
+                      <a:r>
+                        <a:rPr lang="ko-KR" altLang="en-US" sz="1000" b="0"/>
+                        <a:t>대로 </a:t>
+                      </a:r>
+                      <a:r>
+                        <a:rPr lang="en-US" altLang="ko-KR" sz="1000" b="0"/>
+                        <a:t>87</a:t>
+                      </a:r>
+                      <a:endParaRPr lang="ko-KR" altLang="en-US" sz="1000" b="0"/>
+                    </a:p>
+                  </a:txBody>
+                  <a:tcPr/>
+                </a:tc>
+                <a:tc>
+                  <a:txBody>
+                    <a:bodyPr/>
+                    <a:lstStyle/>
+                    <a:p>
+                      <a:pPr marL="0" marR="0" lvl="0" indent="0" algn="l" defTabSz="914400" rtl="0" eaLnBrk="1" fontAlgn="auto" latinLnBrk="1" hangingPunct="1">
+                        <a:lnSpc>
+                          <a:spcPct val="100000"/>
+                        </a:lnSpc>
+                        <a:spcBef>
+                          <a:spcPts val="0"/>
+                        </a:spcBef>
+                        <a:spcAft>
+                          <a:spcPts val="0"/>
+                        </a:spcAft>
+                        <a:buClrTx/>
+                        <a:buSzTx/>
+                        <a:buFontTx/>
+                        <a:buNone/>
+                        <a:tabLst/>
+                        <a:defRPr/>
+                      </a:pPr>
+                      <a:r>
+                        <a:rPr lang="ko-KR" altLang="en-US" sz="1000" b="0"/>
+                        <a:t>부자재 및 지그 납품</a:t>
+                      </a:r>
+                    </a:p>
+                    <a:p>
+                      <a:pPr latinLnBrk="1"/>
+                      <a:endParaRPr lang="ko-KR" altLang="en-US" sz="1000" b="0"/>
                     </a:p>
                   </a:txBody>
                   <a:tcPr/>
@@ -4926,8 +5797,8 @@
         </p:nvSpPr>
         <p:spPr>
           <a:xfrm>
-            <a:off x="11623179" y="1401396"/>
-            <a:ext cx="415561" cy="227002"/>
+            <a:off x="11627628" y="1609080"/>
+            <a:ext cx="358017" cy="179175"/>
           </a:xfrm>
           <a:prstGeom prst="roundRect">
             <a:avLst/>
@@ -4953,7 +5824,7 @@
           <a:p>
             <a:pPr algn="ctr"/>
             <a:r>
-              <a:rPr lang="ko-KR" altLang="en-US" sz="800"/>
+              <a:rPr lang="ko-KR" altLang="en-US" sz="600"/>
               <a:t>수정</a:t>
             </a:r>
           </a:p>
@@ -4973,8 +5844,8 @@
         </p:nvSpPr>
         <p:spPr>
           <a:xfrm>
-            <a:off x="11623179" y="1788255"/>
-            <a:ext cx="415561" cy="227002"/>
+            <a:off x="11627628" y="2117375"/>
+            <a:ext cx="358017" cy="179175"/>
           </a:xfrm>
           <a:prstGeom prst="roundRect">
             <a:avLst/>
@@ -5000,7 +5871,7 @@
           <a:p>
             <a:pPr algn="ctr"/>
             <a:r>
-              <a:rPr lang="ko-KR" altLang="en-US" sz="800"/>
+              <a:rPr lang="ko-KR" altLang="en-US" sz="600"/>
               <a:t>수정</a:t>
             </a:r>
           </a:p>
@@ -5020,8 +5891,8 @@
         </p:nvSpPr>
         <p:spPr>
           <a:xfrm>
-            <a:off x="11623179" y="2156839"/>
-            <a:ext cx="415561" cy="227002"/>
+            <a:off x="11627627" y="5832976"/>
+            <a:ext cx="358017" cy="179175"/>
           </a:xfrm>
           <a:prstGeom prst="roundRect">
             <a:avLst/>
@@ -5047,7 +5918,7 @@
           <a:p>
             <a:pPr algn="ctr"/>
             <a:r>
-              <a:rPr lang="ko-KR" altLang="en-US" sz="800"/>
+              <a:rPr lang="ko-KR" altLang="en-US" sz="600"/>
               <a:t>수정</a:t>
             </a:r>
           </a:p>
@@ -5067,8 +5938,8 @@
         </p:nvSpPr>
         <p:spPr>
           <a:xfrm>
-            <a:off x="11623179" y="2535781"/>
-            <a:ext cx="415561" cy="227002"/>
+            <a:off x="11607757" y="2580777"/>
+            <a:ext cx="358017" cy="179175"/>
           </a:xfrm>
           <a:prstGeom prst="roundRect">
             <a:avLst/>
@@ -5094,7 +5965,7 @@
           <a:p>
             <a:pPr algn="ctr"/>
             <a:r>
-              <a:rPr lang="ko-KR" altLang="en-US" sz="800"/>
+              <a:rPr lang="ko-KR" altLang="en-US" sz="600"/>
               <a:t>수정</a:t>
             </a:r>
           </a:p>
@@ -5114,8 +5985,8 @@
         </p:nvSpPr>
         <p:spPr>
           <a:xfrm>
-            <a:off x="11623179" y="2903090"/>
-            <a:ext cx="415561" cy="227002"/>
+            <a:off x="11627623" y="3156862"/>
+            <a:ext cx="358017" cy="179175"/>
           </a:xfrm>
           <a:prstGeom prst="roundRect">
             <a:avLst/>
@@ -5141,7 +6012,7 @@
           <a:p>
             <a:pPr algn="ctr"/>
             <a:r>
-              <a:rPr lang="ko-KR" altLang="en-US" sz="800"/>
+              <a:rPr lang="ko-KR" altLang="en-US" sz="600"/>
               <a:t>수정</a:t>
             </a:r>
           </a:p>
@@ -5161,8 +6032,8 @@
         </p:nvSpPr>
         <p:spPr>
           <a:xfrm>
-            <a:off x="11623179" y="3270399"/>
-            <a:ext cx="415561" cy="227002"/>
+            <a:off x="11627624" y="3683511"/>
+            <a:ext cx="358017" cy="179175"/>
           </a:xfrm>
           <a:prstGeom prst="roundRect">
             <a:avLst/>
@@ -5188,7 +6059,7 @@
           <a:p>
             <a:pPr algn="ctr"/>
             <a:r>
-              <a:rPr lang="ko-KR" altLang="en-US" sz="800"/>
+              <a:rPr lang="ko-KR" altLang="en-US" sz="600"/>
               <a:t>수정</a:t>
             </a:r>
           </a:p>
@@ -5208,8 +6079,8 @@
         </p:nvSpPr>
         <p:spPr>
           <a:xfrm>
-            <a:off x="11623179" y="3637708"/>
-            <a:ext cx="415561" cy="227002"/>
+            <a:off x="11635232" y="4219146"/>
+            <a:ext cx="358017" cy="179175"/>
           </a:xfrm>
           <a:prstGeom prst="roundRect">
             <a:avLst/>
@@ -5235,7 +6106,7 @@
           <a:p>
             <a:pPr algn="ctr"/>
             <a:r>
-              <a:rPr lang="ko-KR" altLang="en-US" sz="800"/>
+              <a:rPr lang="ko-KR" altLang="en-US" sz="600"/>
               <a:t>수정</a:t>
             </a:r>
           </a:p>
@@ -5255,8 +6126,8 @@
         </p:nvSpPr>
         <p:spPr>
           <a:xfrm>
-            <a:off x="11623179" y="3999243"/>
-            <a:ext cx="415561" cy="227002"/>
+            <a:off x="11627625" y="4757089"/>
+            <a:ext cx="358017" cy="179175"/>
           </a:xfrm>
           <a:prstGeom prst="roundRect">
             <a:avLst/>
@@ -5282,7 +6153,7 @@
           <a:p>
             <a:pPr algn="ctr"/>
             <a:r>
-              <a:rPr lang="ko-KR" altLang="en-US" sz="800"/>
+              <a:rPr lang="ko-KR" altLang="en-US" sz="600"/>
               <a:t>수정</a:t>
             </a:r>
           </a:p>
@@ -5302,8 +6173,8 @@
         </p:nvSpPr>
         <p:spPr>
           <a:xfrm>
-            <a:off x="11616956" y="4370766"/>
-            <a:ext cx="415561" cy="227002"/>
+            <a:off x="11627625" y="5306327"/>
+            <a:ext cx="358017" cy="179175"/>
           </a:xfrm>
           <a:prstGeom prst="roundRect">
             <a:avLst/>
@@ -5329,7 +6200,7 @@
           <a:p>
             <a:pPr algn="ctr"/>
             <a:r>
-              <a:rPr lang="ko-KR" altLang="en-US" sz="800"/>
+              <a:rPr lang="ko-KR" altLang="en-US" sz="600"/>
               <a:t>수정</a:t>
             </a:r>
           </a:p>
@@ -5349,8 +6220,8 @@
         </p:nvSpPr>
         <p:spPr>
           <a:xfrm>
-            <a:off x="11616956" y="4739350"/>
-            <a:ext cx="415561" cy="227002"/>
+            <a:off x="11627626" y="6336056"/>
+            <a:ext cx="358017" cy="179175"/>
           </a:xfrm>
           <a:prstGeom prst="roundRect">
             <a:avLst/>
@@ -5376,7 +6247,7 @@
           <a:p>
             <a:pPr algn="ctr"/>
             <a:r>
-              <a:rPr lang="ko-KR" altLang="en-US" sz="800"/>
+              <a:rPr lang="ko-KR" altLang="en-US" sz="600"/>
               <a:t>수정</a:t>
             </a:r>
           </a:p>
@@ -5386,6 +6257,2082 @@
     <p:extLst>
       <p:ext uri="{BB962C8B-B14F-4D97-AF65-F5344CB8AC3E}">
         <p14:creationId xmlns:p14="http://schemas.microsoft.com/office/powerpoint/2010/main" val="896952428"/>
+      </p:ext>
+    </p:extLst>
+  </p:cSld>
+  <p:clrMapOvr>
+    <a:masterClrMapping/>
+  </p:clrMapOvr>
+</p:sld>
+</file>
+
+<file path=ppt/slides/slide2.xml><?xml version="1.0" encoding="utf-8"?>
+<p:sld xmlns:a="http://schemas.openxmlformats.org/drawingml/2006/main" xmlns:r="http://schemas.openxmlformats.org/officeDocument/2006/relationships" xmlns:p="http://schemas.openxmlformats.org/presentationml/2006/main">
+  <p:cSld>
+    <p:spTree>
+      <p:nvGrpSpPr>
+        <p:cNvPr id="1" name=""/>
+        <p:cNvGrpSpPr/>
+        <p:nvPr/>
+      </p:nvGrpSpPr>
+      <p:grpSpPr>
+        <a:xfrm>
+          <a:off x="0" y="0"/>
+          <a:ext cx="0" cy="0"/>
+          <a:chOff x="0" y="0"/>
+          <a:chExt cx="0" cy="0"/>
+        </a:xfrm>
+      </p:grpSpPr>
+      <p:sp>
+        <p:nvSpPr>
+          <p:cNvPr id="2" name="사각형: 둥근 모서리 1">
+            <a:extLst>
+              <a:ext uri="{FF2B5EF4-FFF2-40B4-BE49-F238E27FC236}">
+                <a16:creationId xmlns:a16="http://schemas.microsoft.com/office/drawing/2014/main" id="{4BB85F0A-F4D9-6177-4A5A-70F0D452A77A}"/>
+              </a:ext>
+            </a:extLst>
+          </p:cNvPr>
+          <p:cNvSpPr/>
+          <p:nvPr/>
+        </p:nvSpPr>
+        <p:spPr>
+          <a:xfrm>
+            <a:off x="3449598" y="848986"/>
+            <a:ext cx="3924596" cy="375384"/>
+          </a:xfrm>
+          <a:prstGeom prst="roundRect">
+            <a:avLst/>
+          </a:prstGeom>
+        </p:spPr>
+        <p:style>
+          <a:lnRef idx="2">
+            <a:schemeClr val="dk1"/>
+          </a:lnRef>
+          <a:fillRef idx="1">
+            <a:schemeClr val="lt1"/>
+          </a:fillRef>
+          <a:effectRef idx="0">
+            <a:schemeClr val="dk1"/>
+          </a:effectRef>
+          <a:fontRef idx="minor">
+            <a:schemeClr val="dk1"/>
+          </a:fontRef>
+        </p:style>
+        <p:txBody>
+          <a:bodyPr rtlCol="0" anchor="ctr"/>
+          <a:lstStyle/>
+          <a:p>
+            <a:pPr algn="ctr"/>
+            <a:r>
+              <a:rPr lang="ko-KR" altLang="en-US"/>
+              <a:t>매입처</a:t>
+            </a:r>
+            <a:endParaRPr lang="ko-KR" altLang="en-US" dirty="0"/>
+          </a:p>
+        </p:txBody>
+      </p:sp>
+      <p:sp>
+        <p:nvSpPr>
+          <p:cNvPr id="3" name="사각형: 둥근 모서리 2">
+            <a:extLst>
+              <a:ext uri="{FF2B5EF4-FFF2-40B4-BE49-F238E27FC236}">
+                <a16:creationId xmlns:a16="http://schemas.microsoft.com/office/drawing/2014/main" id="{D0DC5D5D-07BD-3765-D572-66A49305E314}"/>
+              </a:ext>
+            </a:extLst>
+          </p:cNvPr>
+          <p:cNvSpPr/>
+          <p:nvPr/>
+        </p:nvSpPr>
+        <p:spPr>
+          <a:xfrm>
+            <a:off x="3449598" y="1357904"/>
+            <a:ext cx="3924595" cy="375385"/>
+          </a:xfrm>
+          <a:prstGeom prst="roundRect">
+            <a:avLst/>
+          </a:prstGeom>
+        </p:spPr>
+        <p:style>
+          <a:lnRef idx="2">
+            <a:schemeClr val="dk1"/>
+          </a:lnRef>
+          <a:fillRef idx="1">
+            <a:schemeClr val="lt1"/>
+          </a:fillRef>
+          <a:effectRef idx="0">
+            <a:schemeClr val="dk1"/>
+          </a:effectRef>
+          <a:fontRef idx="minor">
+            <a:schemeClr val="dk1"/>
+          </a:fontRef>
+        </p:style>
+        <p:txBody>
+          <a:bodyPr rtlCol="0" anchor="ctr"/>
+          <a:lstStyle/>
+          <a:p>
+            <a:pPr algn="ctr"/>
+            <a:r>
+              <a:rPr lang="en-US" altLang="ko-KR"/>
+              <a:t>124-86-20191</a:t>
+            </a:r>
+            <a:endParaRPr lang="ko-KR" altLang="en-US" dirty="0"/>
+          </a:p>
+        </p:txBody>
+      </p:sp>
+      <p:sp>
+        <p:nvSpPr>
+          <p:cNvPr id="5" name="TextBox 4">
+            <a:extLst>
+              <a:ext uri="{FF2B5EF4-FFF2-40B4-BE49-F238E27FC236}">
+                <a16:creationId xmlns:a16="http://schemas.microsoft.com/office/drawing/2014/main" id="{E08BC88E-7089-EE93-06D1-DA49D9457706}"/>
+              </a:ext>
+            </a:extLst>
+          </p:cNvPr>
+          <p:cNvSpPr txBox="1"/>
+          <p:nvPr/>
+        </p:nvSpPr>
+        <p:spPr>
+          <a:xfrm>
+            <a:off x="2498390" y="81303"/>
+            <a:ext cx="4919555" cy="523220"/>
+          </a:xfrm>
+          <a:prstGeom prst="rect">
+            <a:avLst/>
+          </a:prstGeom>
+          <a:noFill/>
+        </p:spPr>
+        <p:txBody>
+          <a:bodyPr wrap="square" rtlCol="0">
+            <a:spAutoFit/>
+          </a:bodyPr>
+          <a:lstStyle/>
+          <a:p>
+            <a:r>
+              <a:rPr lang="ko-KR" altLang="en-US" sz="2800"/>
+              <a:t>업체 상세정보 조회 페이지</a:t>
+            </a:r>
+            <a:endParaRPr lang="ko-KR" altLang="en-US" sz="2800" dirty="0"/>
+          </a:p>
+        </p:txBody>
+      </p:sp>
+      <p:cxnSp>
+        <p:nvCxnSpPr>
+          <p:cNvPr id="6" name="직선 연결선 5">
+            <a:extLst>
+              <a:ext uri="{FF2B5EF4-FFF2-40B4-BE49-F238E27FC236}">
+                <a16:creationId xmlns:a16="http://schemas.microsoft.com/office/drawing/2014/main" id="{D9CF84C8-36EF-B8FD-5592-F2FB689C7343}"/>
+              </a:ext>
+            </a:extLst>
+          </p:cNvPr>
+          <p:cNvCxnSpPr>
+            <a:cxnSpLocks/>
+          </p:cNvCxnSpPr>
+          <p:nvPr/>
+        </p:nvCxnSpPr>
+        <p:spPr>
+          <a:xfrm>
+            <a:off x="1463040" y="704798"/>
+            <a:ext cx="6506988" cy="0"/>
+          </a:xfrm>
+          <a:prstGeom prst="line">
+            <a:avLst/>
+          </a:prstGeom>
+        </p:spPr>
+        <p:style>
+          <a:lnRef idx="3">
+            <a:schemeClr val="dk1"/>
+          </a:lnRef>
+          <a:fillRef idx="0">
+            <a:schemeClr val="dk1"/>
+          </a:fillRef>
+          <a:effectRef idx="2">
+            <a:schemeClr val="dk1"/>
+          </a:effectRef>
+          <a:fontRef idx="minor">
+            <a:schemeClr val="tx1"/>
+          </a:fontRef>
+        </p:style>
+      </p:cxnSp>
+      <p:sp>
+        <p:nvSpPr>
+          <p:cNvPr id="7" name="사각형: 둥근 모서리 6">
+            <a:extLst>
+              <a:ext uri="{FF2B5EF4-FFF2-40B4-BE49-F238E27FC236}">
+                <a16:creationId xmlns:a16="http://schemas.microsoft.com/office/drawing/2014/main" id="{531BD801-1FAB-208E-D4D0-601F01A85A89}"/>
+              </a:ext>
+            </a:extLst>
+          </p:cNvPr>
+          <p:cNvSpPr/>
+          <p:nvPr/>
+        </p:nvSpPr>
+        <p:spPr>
+          <a:xfrm>
+            <a:off x="3449597" y="1872835"/>
+            <a:ext cx="3924595" cy="375385"/>
+          </a:xfrm>
+          <a:prstGeom prst="roundRect">
+            <a:avLst/>
+          </a:prstGeom>
+        </p:spPr>
+        <p:style>
+          <a:lnRef idx="2">
+            <a:schemeClr val="dk1"/>
+          </a:lnRef>
+          <a:fillRef idx="1">
+            <a:schemeClr val="lt1"/>
+          </a:fillRef>
+          <a:effectRef idx="0">
+            <a:schemeClr val="dk1"/>
+          </a:effectRef>
+          <a:fontRef idx="minor">
+            <a:schemeClr val="dk1"/>
+          </a:fontRef>
+        </p:style>
+        <p:txBody>
+          <a:bodyPr rtlCol="0" anchor="ctr"/>
+          <a:lstStyle/>
+          <a:p>
+            <a:pPr algn="ctr"/>
+            <a:r>
+              <a:rPr lang="ko-KR" altLang="en-US"/>
+              <a:t>한승상사</a:t>
+            </a:r>
+            <a:endParaRPr lang="ko-KR" altLang="en-US" dirty="0"/>
+          </a:p>
+        </p:txBody>
+      </p:sp>
+      <p:sp>
+        <p:nvSpPr>
+          <p:cNvPr id="8" name="사각형: 둥근 모서리 7">
+            <a:extLst>
+              <a:ext uri="{FF2B5EF4-FFF2-40B4-BE49-F238E27FC236}">
+                <a16:creationId xmlns:a16="http://schemas.microsoft.com/office/drawing/2014/main" id="{4C7113BE-7C2D-161A-0F76-27A384C98ADA}"/>
+              </a:ext>
+            </a:extLst>
+          </p:cNvPr>
+          <p:cNvSpPr/>
+          <p:nvPr/>
+        </p:nvSpPr>
+        <p:spPr>
+          <a:xfrm>
+            <a:off x="3449597" y="2381754"/>
+            <a:ext cx="3924595" cy="375385"/>
+          </a:xfrm>
+          <a:prstGeom prst="roundRect">
+            <a:avLst/>
+          </a:prstGeom>
+        </p:spPr>
+        <p:style>
+          <a:lnRef idx="2">
+            <a:schemeClr val="dk1"/>
+          </a:lnRef>
+          <a:fillRef idx="1">
+            <a:schemeClr val="lt1"/>
+          </a:fillRef>
+          <a:effectRef idx="0">
+            <a:schemeClr val="dk1"/>
+          </a:effectRef>
+          <a:fontRef idx="minor">
+            <a:schemeClr val="dk1"/>
+          </a:fontRef>
+        </p:style>
+        <p:txBody>
+          <a:bodyPr rtlCol="0" anchor="ctr"/>
+          <a:lstStyle/>
+          <a:p>
+            <a:pPr algn="ctr"/>
+            <a:r>
+              <a:rPr lang="ko-KR" altLang="en-US"/>
+              <a:t>김태준</a:t>
+            </a:r>
+            <a:endParaRPr lang="ko-KR" altLang="en-US" dirty="0"/>
+          </a:p>
+        </p:txBody>
+      </p:sp>
+      <p:sp>
+        <p:nvSpPr>
+          <p:cNvPr id="9" name="사각형: 둥근 모서리 8">
+            <a:extLst>
+              <a:ext uri="{FF2B5EF4-FFF2-40B4-BE49-F238E27FC236}">
+                <a16:creationId xmlns:a16="http://schemas.microsoft.com/office/drawing/2014/main" id="{58F559EB-A7B5-8284-F650-23DCCF1A9FF7}"/>
+              </a:ext>
+            </a:extLst>
+          </p:cNvPr>
+          <p:cNvSpPr/>
+          <p:nvPr/>
+        </p:nvSpPr>
+        <p:spPr>
+          <a:xfrm>
+            <a:off x="3449597" y="2890673"/>
+            <a:ext cx="3924595" cy="375385"/>
+          </a:xfrm>
+          <a:prstGeom prst="roundRect">
+            <a:avLst/>
+          </a:prstGeom>
+        </p:spPr>
+        <p:style>
+          <a:lnRef idx="2">
+            <a:schemeClr val="dk1"/>
+          </a:lnRef>
+          <a:fillRef idx="1">
+            <a:schemeClr val="lt1"/>
+          </a:fillRef>
+          <a:effectRef idx="0">
+            <a:schemeClr val="dk1"/>
+          </a:effectRef>
+          <a:fontRef idx="minor">
+            <a:schemeClr val="dk1"/>
+          </a:fontRef>
+        </p:style>
+        <p:txBody>
+          <a:bodyPr rtlCol="0" anchor="ctr"/>
+          <a:lstStyle/>
+          <a:p>
+            <a:pPr algn="ctr"/>
+            <a:r>
+              <a:rPr lang="en-US" altLang="ko-KR"/>
+              <a:t>031-481-2201</a:t>
+            </a:r>
+            <a:endParaRPr lang="ko-KR" altLang="en-US" dirty="0"/>
+          </a:p>
+        </p:txBody>
+      </p:sp>
+      <p:sp>
+        <p:nvSpPr>
+          <p:cNvPr id="11" name="사각형: 둥근 모서리 10">
+            <a:extLst>
+              <a:ext uri="{FF2B5EF4-FFF2-40B4-BE49-F238E27FC236}">
+                <a16:creationId xmlns:a16="http://schemas.microsoft.com/office/drawing/2014/main" id="{2CDAF930-DB0C-D3AD-00C9-2CCAB9F7C423}"/>
+              </a:ext>
+            </a:extLst>
+          </p:cNvPr>
+          <p:cNvSpPr/>
+          <p:nvPr/>
+        </p:nvSpPr>
+        <p:spPr>
+          <a:xfrm>
+            <a:off x="3449597" y="3398941"/>
+            <a:ext cx="3924595" cy="375385"/>
+          </a:xfrm>
+          <a:prstGeom prst="roundRect">
+            <a:avLst/>
+          </a:prstGeom>
+        </p:spPr>
+        <p:style>
+          <a:lnRef idx="2">
+            <a:schemeClr val="dk1"/>
+          </a:lnRef>
+          <a:fillRef idx="1">
+            <a:schemeClr val="lt1"/>
+          </a:fillRef>
+          <a:effectRef idx="0">
+            <a:schemeClr val="dk1"/>
+          </a:effectRef>
+          <a:fontRef idx="minor">
+            <a:schemeClr val="dk1"/>
+          </a:fontRef>
+        </p:style>
+        <p:txBody>
+          <a:bodyPr rtlCol="0" anchor="ctr"/>
+          <a:lstStyle/>
+          <a:p>
+            <a:pPr algn="ctr"/>
+            <a:r>
+              <a:rPr lang="ko-KR" altLang="en-US"/>
+              <a:t>이정우</a:t>
+            </a:r>
+            <a:endParaRPr lang="ko-KR" altLang="en-US" dirty="0"/>
+          </a:p>
+        </p:txBody>
+      </p:sp>
+      <p:sp>
+        <p:nvSpPr>
+          <p:cNvPr id="12" name="사각형: 둥근 모서리 11">
+            <a:extLst>
+              <a:ext uri="{FF2B5EF4-FFF2-40B4-BE49-F238E27FC236}">
+                <a16:creationId xmlns:a16="http://schemas.microsoft.com/office/drawing/2014/main" id="{1EB8B075-A404-90F2-8FA3-AA5A9BAF3FD8}"/>
+              </a:ext>
+            </a:extLst>
+          </p:cNvPr>
+          <p:cNvSpPr/>
+          <p:nvPr/>
+        </p:nvSpPr>
+        <p:spPr>
+          <a:xfrm>
+            <a:off x="3449597" y="3926456"/>
+            <a:ext cx="3924595" cy="375385"/>
+          </a:xfrm>
+          <a:prstGeom prst="roundRect">
+            <a:avLst/>
+          </a:prstGeom>
+        </p:spPr>
+        <p:style>
+          <a:lnRef idx="2">
+            <a:schemeClr val="dk1"/>
+          </a:lnRef>
+          <a:fillRef idx="1">
+            <a:schemeClr val="lt1"/>
+          </a:fillRef>
+          <a:effectRef idx="0">
+            <a:schemeClr val="dk1"/>
+          </a:effectRef>
+          <a:fontRef idx="minor">
+            <a:schemeClr val="dk1"/>
+          </a:fontRef>
+        </p:style>
+        <p:txBody>
+          <a:bodyPr rtlCol="0" anchor="ctr"/>
+          <a:lstStyle/>
+          <a:p>
+            <a:pPr algn="ctr"/>
+            <a:r>
+              <a:rPr lang="en-US" altLang="ko-KR"/>
+              <a:t>010-3921-8820</a:t>
+            </a:r>
+            <a:endParaRPr lang="ko-KR" altLang="en-US" dirty="0"/>
+          </a:p>
+        </p:txBody>
+      </p:sp>
+      <p:sp>
+        <p:nvSpPr>
+          <p:cNvPr id="13" name="사각형: 둥근 모서리 12">
+            <a:extLst>
+              <a:ext uri="{FF2B5EF4-FFF2-40B4-BE49-F238E27FC236}">
+                <a16:creationId xmlns:a16="http://schemas.microsoft.com/office/drawing/2014/main" id="{3C1E8D5D-A970-4626-3261-DCADEF842C98}"/>
+              </a:ext>
+            </a:extLst>
+          </p:cNvPr>
+          <p:cNvSpPr/>
+          <p:nvPr/>
+        </p:nvSpPr>
+        <p:spPr>
+          <a:xfrm>
+            <a:off x="3449598" y="4459012"/>
+            <a:ext cx="3924596" cy="375385"/>
+          </a:xfrm>
+          <a:prstGeom prst="roundRect">
+            <a:avLst/>
+          </a:prstGeom>
+        </p:spPr>
+        <p:style>
+          <a:lnRef idx="2">
+            <a:schemeClr val="dk1"/>
+          </a:lnRef>
+          <a:fillRef idx="1">
+            <a:schemeClr val="lt1"/>
+          </a:fillRef>
+          <a:effectRef idx="0">
+            <a:schemeClr val="dk1"/>
+          </a:effectRef>
+          <a:fontRef idx="minor">
+            <a:schemeClr val="dk1"/>
+          </a:fontRef>
+        </p:style>
+        <p:txBody>
+          <a:bodyPr rtlCol="0" anchor="ctr"/>
+          <a:lstStyle/>
+          <a:p>
+            <a:pPr algn="ctr"/>
+            <a:r>
+              <a:rPr lang="en-US" altLang="ko-KR"/>
+              <a:t>jwlee@hansung.co.kr</a:t>
+            </a:r>
+            <a:endParaRPr lang="ko-KR" altLang="en-US" dirty="0"/>
+          </a:p>
+        </p:txBody>
+      </p:sp>
+      <p:sp>
+        <p:nvSpPr>
+          <p:cNvPr id="14" name="사각형: 둥근 모서리 13">
+            <a:extLst>
+              <a:ext uri="{FF2B5EF4-FFF2-40B4-BE49-F238E27FC236}">
+                <a16:creationId xmlns:a16="http://schemas.microsoft.com/office/drawing/2014/main" id="{FE4A5426-8CC7-601B-1E65-C8EFDD88B114}"/>
+              </a:ext>
+            </a:extLst>
+          </p:cNvPr>
+          <p:cNvSpPr/>
+          <p:nvPr/>
+        </p:nvSpPr>
+        <p:spPr>
+          <a:xfrm>
+            <a:off x="3449598" y="4987792"/>
+            <a:ext cx="3924596" cy="375385"/>
+          </a:xfrm>
+          <a:prstGeom prst="roundRect">
+            <a:avLst/>
+          </a:prstGeom>
+        </p:spPr>
+        <p:style>
+          <a:lnRef idx="2">
+            <a:schemeClr val="dk1"/>
+          </a:lnRef>
+          <a:fillRef idx="1">
+            <a:schemeClr val="lt1"/>
+          </a:fillRef>
+          <a:effectRef idx="0">
+            <a:schemeClr val="dk1"/>
+          </a:effectRef>
+          <a:fontRef idx="minor">
+            <a:schemeClr val="dk1"/>
+          </a:fontRef>
+        </p:style>
+        <p:txBody>
+          <a:bodyPr rtlCol="0" anchor="ctr"/>
+          <a:lstStyle/>
+          <a:p>
+            <a:pPr algn="ctr"/>
+            <a:r>
+              <a:rPr lang="ko-KR" altLang="en-US"/>
+              <a:t>경기도 안산시 단원구 산업로 </a:t>
+            </a:r>
+            <a:r>
+              <a:rPr lang="en-US" altLang="ko-KR"/>
+              <a:t>124</a:t>
+            </a:r>
+            <a:endParaRPr lang="ko-KR" altLang="en-US" dirty="0"/>
+          </a:p>
+        </p:txBody>
+      </p:sp>
+      <p:sp>
+        <p:nvSpPr>
+          <p:cNvPr id="15" name="사각형: 둥근 모서리 14">
+            <a:extLst>
+              <a:ext uri="{FF2B5EF4-FFF2-40B4-BE49-F238E27FC236}">
+                <a16:creationId xmlns:a16="http://schemas.microsoft.com/office/drawing/2014/main" id="{3313DBEB-1D29-2F8F-3207-6304F19EB965}"/>
+              </a:ext>
+            </a:extLst>
+          </p:cNvPr>
+          <p:cNvSpPr/>
+          <p:nvPr/>
+        </p:nvSpPr>
+        <p:spPr>
+          <a:xfrm>
+            <a:off x="3449597" y="5525059"/>
+            <a:ext cx="3924595" cy="375385"/>
+          </a:xfrm>
+          <a:prstGeom prst="roundRect">
+            <a:avLst/>
+          </a:prstGeom>
+        </p:spPr>
+        <p:style>
+          <a:lnRef idx="2">
+            <a:schemeClr val="dk1"/>
+          </a:lnRef>
+          <a:fillRef idx="1">
+            <a:schemeClr val="lt1"/>
+          </a:fillRef>
+          <a:effectRef idx="0">
+            <a:schemeClr val="dk1"/>
+          </a:effectRef>
+          <a:fontRef idx="minor">
+            <a:schemeClr val="dk1"/>
+          </a:fontRef>
+        </p:style>
+        <p:txBody>
+          <a:bodyPr rtlCol="0" anchor="ctr"/>
+          <a:lstStyle/>
+          <a:p>
+            <a:pPr algn="ctr"/>
+            <a:r>
+              <a:rPr lang="ko-KR" altLang="en-US"/>
+              <a:t>도료 및 에폭시 매입</a:t>
+            </a:r>
+            <a:endParaRPr lang="ko-KR" altLang="en-US" dirty="0"/>
+          </a:p>
+        </p:txBody>
+      </p:sp>
+      <p:sp>
+        <p:nvSpPr>
+          <p:cNvPr id="18" name="직사각형 17">
+            <a:extLst>
+              <a:ext uri="{FF2B5EF4-FFF2-40B4-BE49-F238E27FC236}">
+                <a16:creationId xmlns:a16="http://schemas.microsoft.com/office/drawing/2014/main" id="{9D262295-0194-6FAE-459D-9C3559A66D9A}"/>
+              </a:ext>
+            </a:extLst>
+          </p:cNvPr>
+          <p:cNvSpPr/>
+          <p:nvPr/>
+        </p:nvSpPr>
+        <p:spPr>
+          <a:xfrm>
+            <a:off x="1848102" y="862459"/>
+            <a:ext cx="1216441" cy="339278"/>
+          </a:xfrm>
+          <a:prstGeom prst="rect">
+            <a:avLst/>
+          </a:prstGeom>
+          <a:ln>
+            <a:solidFill>
+              <a:schemeClr val="bg1"/>
+            </a:solidFill>
+          </a:ln>
+        </p:spPr>
+        <p:style>
+          <a:lnRef idx="2">
+            <a:schemeClr val="accent6"/>
+          </a:lnRef>
+          <a:fillRef idx="1">
+            <a:schemeClr val="lt1"/>
+          </a:fillRef>
+          <a:effectRef idx="0">
+            <a:schemeClr val="accent6"/>
+          </a:effectRef>
+          <a:fontRef idx="minor">
+            <a:schemeClr val="dk1"/>
+          </a:fontRef>
+        </p:style>
+        <p:txBody>
+          <a:bodyPr rtlCol="0" anchor="ctr"/>
+          <a:lstStyle/>
+          <a:p>
+            <a:pPr algn="ctr"/>
+            <a:r>
+              <a:rPr lang="ko-KR" altLang="en-US" sz="1300"/>
+              <a:t>업체 유형</a:t>
+            </a:r>
+          </a:p>
+        </p:txBody>
+      </p:sp>
+      <p:sp>
+        <p:nvSpPr>
+          <p:cNvPr id="20" name="직사각형 19">
+            <a:extLst>
+              <a:ext uri="{FF2B5EF4-FFF2-40B4-BE49-F238E27FC236}">
+                <a16:creationId xmlns:a16="http://schemas.microsoft.com/office/drawing/2014/main" id="{AAC02047-CBCC-DD5A-1CD2-6B2F148C28B8}"/>
+              </a:ext>
+            </a:extLst>
+          </p:cNvPr>
+          <p:cNvSpPr/>
+          <p:nvPr/>
+        </p:nvSpPr>
+        <p:spPr>
+          <a:xfrm>
+            <a:off x="1982734" y="1356694"/>
+            <a:ext cx="1348843" cy="339278"/>
+          </a:xfrm>
+          <a:prstGeom prst="rect">
+            <a:avLst/>
+          </a:prstGeom>
+          <a:ln>
+            <a:solidFill>
+              <a:schemeClr val="bg1"/>
+            </a:solidFill>
+          </a:ln>
+        </p:spPr>
+        <p:style>
+          <a:lnRef idx="2">
+            <a:schemeClr val="accent6"/>
+          </a:lnRef>
+          <a:fillRef idx="1">
+            <a:schemeClr val="lt1"/>
+          </a:fillRef>
+          <a:effectRef idx="0">
+            <a:schemeClr val="accent6"/>
+          </a:effectRef>
+          <a:fontRef idx="minor">
+            <a:schemeClr val="dk1"/>
+          </a:fontRef>
+        </p:style>
+        <p:txBody>
+          <a:bodyPr rtlCol="0" anchor="ctr"/>
+          <a:lstStyle/>
+          <a:p>
+            <a:pPr algn="ctr"/>
+            <a:r>
+              <a:rPr lang="ko-KR" altLang="en-US" sz="1300"/>
+              <a:t>사업자등록번호</a:t>
+            </a:r>
+          </a:p>
+        </p:txBody>
+      </p:sp>
+      <p:sp>
+        <p:nvSpPr>
+          <p:cNvPr id="21" name="직사각형 20">
+            <a:extLst>
+              <a:ext uri="{FF2B5EF4-FFF2-40B4-BE49-F238E27FC236}">
+                <a16:creationId xmlns:a16="http://schemas.microsoft.com/office/drawing/2014/main" id="{92F59CEA-A94C-6A56-48CD-098CF8EA9820}"/>
+              </a:ext>
+            </a:extLst>
+          </p:cNvPr>
+          <p:cNvSpPr/>
+          <p:nvPr/>
+        </p:nvSpPr>
+        <p:spPr>
+          <a:xfrm>
+            <a:off x="1700536" y="2399807"/>
+            <a:ext cx="1216441" cy="339278"/>
+          </a:xfrm>
+          <a:prstGeom prst="rect">
+            <a:avLst/>
+          </a:prstGeom>
+          <a:ln>
+            <a:solidFill>
+              <a:schemeClr val="bg1"/>
+            </a:solidFill>
+          </a:ln>
+        </p:spPr>
+        <p:style>
+          <a:lnRef idx="2">
+            <a:schemeClr val="accent6"/>
+          </a:lnRef>
+          <a:fillRef idx="1">
+            <a:schemeClr val="lt1"/>
+          </a:fillRef>
+          <a:effectRef idx="0">
+            <a:schemeClr val="accent6"/>
+          </a:effectRef>
+          <a:fontRef idx="minor">
+            <a:schemeClr val="dk1"/>
+          </a:fontRef>
+        </p:style>
+        <p:txBody>
+          <a:bodyPr rtlCol="0" anchor="ctr"/>
+          <a:lstStyle/>
+          <a:p>
+            <a:pPr algn="ctr"/>
+            <a:r>
+              <a:rPr lang="ko-KR" altLang="en-US" sz="1300"/>
+              <a:t>대표명</a:t>
+            </a:r>
+          </a:p>
+        </p:txBody>
+      </p:sp>
+      <p:sp>
+        <p:nvSpPr>
+          <p:cNvPr id="22" name="직사각형 21">
+            <a:extLst>
+              <a:ext uri="{FF2B5EF4-FFF2-40B4-BE49-F238E27FC236}">
+                <a16:creationId xmlns:a16="http://schemas.microsoft.com/office/drawing/2014/main" id="{0D41883C-11DD-79C6-6349-DA1E8E09DFBE}"/>
+              </a:ext>
+            </a:extLst>
+          </p:cNvPr>
+          <p:cNvSpPr/>
+          <p:nvPr/>
+        </p:nvSpPr>
+        <p:spPr>
+          <a:xfrm>
+            <a:off x="1700536" y="1866826"/>
+            <a:ext cx="1216441" cy="339278"/>
+          </a:xfrm>
+          <a:prstGeom prst="rect">
+            <a:avLst/>
+          </a:prstGeom>
+          <a:ln>
+            <a:solidFill>
+              <a:schemeClr val="bg1"/>
+            </a:solidFill>
+          </a:ln>
+        </p:spPr>
+        <p:style>
+          <a:lnRef idx="2">
+            <a:schemeClr val="accent6"/>
+          </a:lnRef>
+          <a:fillRef idx="1">
+            <a:schemeClr val="lt1"/>
+          </a:fillRef>
+          <a:effectRef idx="0">
+            <a:schemeClr val="accent6"/>
+          </a:effectRef>
+          <a:fontRef idx="minor">
+            <a:schemeClr val="dk1"/>
+          </a:fontRef>
+        </p:style>
+        <p:txBody>
+          <a:bodyPr rtlCol="0" anchor="ctr"/>
+          <a:lstStyle/>
+          <a:p>
+            <a:pPr algn="ctr"/>
+            <a:r>
+              <a:rPr lang="ko-KR" altLang="en-US" sz="1300"/>
+              <a:t>업체명</a:t>
+            </a:r>
+          </a:p>
+        </p:txBody>
+      </p:sp>
+      <p:sp>
+        <p:nvSpPr>
+          <p:cNvPr id="23" name="직사각형 22">
+            <a:extLst>
+              <a:ext uri="{FF2B5EF4-FFF2-40B4-BE49-F238E27FC236}">
+                <a16:creationId xmlns:a16="http://schemas.microsoft.com/office/drawing/2014/main" id="{DC2559B1-823B-6BED-A016-13CDE9B44CC0}"/>
+              </a:ext>
+            </a:extLst>
+          </p:cNvPr>
+          <p:cNvSpPr/>
+          <p:nvPr/>
+        </p:nvSpPr>
+        <p:spPr>
+          <a:xfrm>
+            <a:off x="1890171" y="2895219"/>
+            <a:ext cx="1216441" cy="339278"/>
+          </a:xfrm>
+          <a:prstGeom prst="rect">
+            <a:avLst/>
+          </a:prstGeom>
+          <a:ln>
+            <a:solidFill>
+              <a:schemeClr val="bg1"/>
+            </a:solidFill>
+          </a:ln>
+        </p:spPr>
+        <p:style>
+          <a:lnRef idx="2">
+            <a:schemeClr val="accent6"/>
+          </a:lnRef>
+          <a:fillRef idx="1">
+            <a:schemeClr val="lt1"/>
+          </a:fillRef>
+          <a:effectRef idx="0">
+            <a:schemeClr val="accent6"/>
+          </a:effectRef>
+          <a:fontRef idx="minor">
+            <a:schemeClr val="dk1"/>
+          </a:fontRef>
+        </p:style>
+        <p:txBody>
+          <a:bodyPr rtlCol="0" anchor="ctr"/>
+          <a:lstStyle/>
+          <a:p>
+            <a:pPr algn="ctr"/>
+            <a:r>
+              <a:rPr lang="ko-KR" altLang="en-US" sz="1300"/>
+              <a:t>대표전화번호</a:t>
+            </a:r>
+          </a:p>
+        </p:txBody>
+      </p:sp>
+      <p:sp>
+        <p:nvSpPr>
+          <p:cNvPr id="24" name="직사각형 23">
+            <a:extLst>
+              <a:ext uri="{FF2B5EF4-FFF2-40B4-BE49-F238E27FC236}">
+                <a16:creationId xmlns:a16="http://schemas.microsoft.com/office/drawing/2014/main" id="{9DBE53A0-0206-D958-256B-CB85A6850075}"/>
+              </a:ext>
+            </a:extLst>
+          </p:cNvPr>
+          <p:cNvSpPr/>
+          <p:nvPr/>
+        </p:nvSpPr>
+        <p:spPr>
+          <a:xfrm>
+            <a:off x="1700536" y="3435048"/>
+            <a:ext cx="1216441" cy="339278"/>
+          </a:xfrm>
+          <a:prstGeom prst="rect">
+            <a:avLst/>
+          </a:prstGeom>
+          <a:ln>
+            <a:solidFill>
+              <a:schemeClr val="bg1"/>
+            </a:solidFill>
+          </a:ln>
+        </p:spPr>
+        <p:style>
+          <a:lnRef idx="2">
+            <a:schemeClr val="accent6"/>
+          </a:lnRef>
+          <a:fillRef idx="1">
+            <a:schemeClr val="lt1"/>
+          </a:fillRef>
+          <a:effectRef idx="0">
+            <a:schemeClr val="accent6"/>
+          </a:effectRef>
+          <a:fontRef idx="minor">
+            <a:schemeClr val="dk1"/>
+          </a:fontRef>
+        </p:style>
+        <p:txBody>
+          <a:bodyPr rtlCol="0" anchor="ctr"/>
+          <a:lstStyle/>
+          <a:p>
+            <a:pPr algn="ctr"/>
+            <a:r>
+              <a:rPr lang="ko-KR" altLang="en-US" sz="1300"/>
+              <a:t>담당자명</a:t>
+            </a:r>
+          </a:p>
+        </p:txBody>
+      </p:sp>
+      <p:sp>
+        <p:nvSpPr>
+          <p:cNvPr id="25" name="직사각형 24">
+            <a:extLst>
+              <a:ext uri="{FF2B5EF4-FFF2-40B4-BE49-F238E27FC236}">
+                <a16:creationId xmlns:a16="http://schemas.microsoft.com/office/drawing/2014/main" id="{E59453E0-E86D-02A3-A1D1-67CB47E967BB}"/>
+              </a:ext>
+            </a:extLst>
+          </p:cNvPr>
+          <p:cNvSpPr/>
+          <p:nvPr/>
+        </p:nvSpPr>
+        <p:spPr>
+          <a:xfrm>
+            <a:off x="1848102" y="3911171"/>
+            <a:ext cx="1391600" cy="339278"/>
+          </a:xfrm>
+          <a:prstGeom prst="rect">
+            <a:avLst/>
+          </a:prstGeom>
+          <a:ln>
+            <a:solidFill>
+              <a:schemeClr val="bg1"/>
+            </a:solidFill>
+          </a:ln>
+        </p:spPr>
+        <p:style>
+          <a:lnRef idx="2">
+            <a:schemeClr val="accent6"/>
+          </a:lnRef>
+          <a:fillRef idx="1">
+            <a:schemeClr val="lt1"/>
+          </a:fillRef>
+          <a:effectRef idx="0">
+            <a:schemeClr val="accent6"/>
+          </a:effectRef>
+          <a:fontRef idx="minor">
+            <a:schemeClr val="dk1"/>
+          </a:fontRef>
+        </p:style>
+        <p:txBody>
+          <a:bodyPr rtlCol="0" anchor="ctr"/>
+          <a:lstStyle/>
+          <a:p>
+            <a:pPr algn="ctr"/>
+            <a:r>
+              <a:rPr lang="ko-KR" altLang="en-US" sz="1300"/>
+              <a:t>담당자전화번호</a:t>
+            </a:r>
+          </a:p>
+        </p:txBody>
+      </p:sp>
+      <p:sp>
+        <p:nvSpPr>
+          <p:cNvPr id="26" name="직사각형 25">
+            <a:extLst>
+              <a:ext uri="{FF2B5EF4-FFF2-40B4-BE49-F238E27FC236}">
+                <a16:creationId xmlns:a16="http://schemas.microsoft.com/office/drawing/2014/main" id="{73B253A6-FADA-A872-50FA-920AD8DF0A9D}"/>
+              </a:ext>
+            </a:extLst>
+          </p:cNvPr>
+          <p:cNvSpPr/>
+          <p:nvPr/>
+        </p:nvSpPr>
+        <p:spPr>
+          <a:xfrm>
+            <a:off x="1848102" y="4445588"/>
+            <a:ext cx="1300576" cy="339278"/>
+          </a:xfrm>
+          <a:prstGeom prst="rect">
+            <a:avLst/>
+          </a:prstGeom>
+          <a:ln>
+            <a:solidFill>
+              <a:schemeClr val="bg1"/>
+            </a:solidFill>
+          </a:ln>
+        </p:spPr>
+        <p:style>
+          <a:lnRef idx="2">
+            <a:schemeClr val="accent6"/>
+          </a:lnRef>
+          <a:fillRef idx="1">
+            <a:schemeClr val="lt1"/>
+          </a:fillRef>
+          <a:effectRef idx="0">
+            <a:schemeClr val="accent6"/>
+          </a:effectRef>
+          <a:fontRef idx="minor">
+            <a:schemeClr val="dk1"/>
+          </a:fontRef>
+        </p:style>
+        <p:txBody>
+          <a:bodyPr rtlCol="0" anchor="ctr"/>
+          <a:lstStyle/>
+          <a:p>
+            <a:pPr algn="ctr"/>
+            <a:r>
+              <a:rPr lang="ko-KR" altLang="en-US" sz="1300"/>
+              <a:t>담당자 이메일</a:t>
+            </a:r>
+          </a:p>
+        </p:txBody>
+      </p:sp>
+      <p:sp>
+        <p:nvSpPr>
+          <p:cNvPr id="34" name="직사각형 33">
+            <a:extLst>
+              <a:ext uri="{FF2B5EF4-FFF2-40B4-BE49-F238E27FC236}">
+                <a16:creationId xmlns:a16="http://schemas.microsoft.com/office/drawing/2014/main" id="{DB559492-A52D-F0B0-7E38-74DE8A3EAC4F}"/>
+              </a:ext>
+            </a:extLst>
+          </p:cNvPr>
+          <p:cNvSpPr/>
+          <p:nvPr/>
+        </p:nvSpPr>
+        <p:spPr>
+          <a:xfrm>
+            <a:off x="1848104" y="4967659"/>
+            <a:ext cx="1300576" cy="339278"/>
+          </a:xfrm>
+          <a:prstGeom prst="rect">
+            <a:avLst/>
+          </a:prstGeom>
+          <a:ln>
+            <a:solidFill>
+              <a:schemeClr val="bg1"/>
+            </a:solidFill>
+          </a:ln>
+        </p:spPr>
+        <p:style>
+          <a:lnRef idx="2">
+            <a:schemeClr val="accent6"/>
+          </a:lnRef>
+          <a:fillRef idx="1">
+            <a:schemeClr val="lt1"/>
+          </a:fillRef>
+          <a:effectRef idx="0">
+            <a:schemeClr val="accent6"/>
+          </a:effectRef>
+          <a:fontRef idx="minor">
+            <a:schemeClr val="dk1"/>
+          </a:fontRef>
+        </p:style>
+        <p:txBody>
+          <a:bodyPr rtlCol="0" anchor="ctr"/>
+          <a:lstStyle/>
+          <a:p>
+            <a:pPr algn="ctr"/>
+            <a:r>
+              <a:rPr lang="ko-KR" altLang="en-US" sz="1300"/>
+              <a:t>기업 주소 정보</a:t>
+            </a:r>
+          </a:p>
+        </p:txBody>
+      </p:sp>
+      <p:sp>
+        <p:nvSpPr>
+          <p:cNvPr id="35" name="직사각형 34">
+            <a:extLst>
+              <a:ext uri="{FF2B5EF4-FFF2-40B4-BE49-F238E27FC236}">
+                <a16:creationId xmlns:a16="http://schemas.microsoft.com/office/drawing/2014/main" id="{331953BE-BBF2-D396-1873-4412708613F0}"/>
+              </a:ext>
+            </a:extLst>
+          </p:cNvPr>
+          <p:cNvSpPr/>
+          <p:nvPr/>
+        </p:nvSpPr>
+        <p:spPr>
+          <a:xfrm>
+            <a:off x="1526759" y="5525059"/>
+            <a:ext cx="1216441" cy="339278"/>
+          </a:xfrm>
+          <a:prstGeom prst="rect">
+            <a:avLst/>
+          </a:prstGeom>
+          <a:ln>
+            <a:solidFill>
+              <a:schemeClr val="bg1"/>
+            </a:solidFill>
+          </a:ln>
+        </p:spPr>
+        <p:style>
+          <a:lnRef idx="2">
+            <a:schemeClr val="accent6"/>
+          </a:lnRef>
+          <a:fillRef idx="1">
+            <a:schemeClr val="lt1"/>
+          </a:fillRef>
+          <a:effectRef idx="0">
+            <a:schemeClr val="accent6"/>
+          </a:effectRef>
+          <a:fontRef idx="minor">
+            <a:schemeClr val="dk1"/>
+          </a:fontRef>
+        </p:style>
+        <p:txBody>
+          <a:bodyPr rtlCol="0" anchor="ctr"/>
+          <a:lstStyle/>
+          <a:p>
+            <a:pPr algn="ctr"/>
+            <a:r>
+              <a:rPr lang="ko-KR" altLang="en-US" sz="1300"/>
+              <a:t>비고</a:t>
+            </a:r>
+          </a:p>
+        </p:txBody>
+      </p:sp>
+      <p:sp>
+        <p:nvSpPr>
+          <p:cNvPr id="10" name="순서도: 병합 9">
+            <a:extLst>
+              <a:ext uri="{FF2B5EF4-FFF2-40B4-BE49-F238E27FC236}">
+                <a16:creationId xmlns:a16="http://schemas.microsoft.com/office/drawing/2014/main" id="{74821670-2B7F-C03C-FC9F-F1705AA516D2}"/>
+              </a:ext>
+            </a:extLst>
+          </p:cNvPr>
+          <p:cNvSpPr/>
+          <p:nvPr/>
+        </p:nvSpPr>
+        <p:spPr>
+          <a:xfrm>
+            <a:off x="6096000" y="980395"/>
+            <a:ext cx="112195" cy="103405"/>
+          </a:xfrm>
+          <a:prstGeom prst="flowChartMerge">
+            <a:avLst/>
+          </a:prstGeom>
+        </p:spPr>
+        <p:style>
+          <a:lnRef idx="2">
+            <a:schemeClr val="accent1">
+              <a:shade val="15000"/>
+            </a:schemeClr>
+          </a:lnRef>
+          <a:fillRef idx="1">
+            <a:schemeClr val="accent1"/>
+          </a:fillRef>
+          <a:effectRef idx="0">
+            <a:schemeClr val="accent1"/>
+          </a:effectRef>
+          <a:fontRef idx="minor">
+            <a:schemeClr val="lt1"/>
+          </a:fontRef>
+        </p:style>
+        <p:txBody>
+          <a:bodyPr rtlCol="0" anchor="ctr"/>
+          <a:lstStyle/>
+          <a:p>
+            <a:pPr algn="ctr"/>
+            <a:endParaRPr lang="ko-KR" altLang="en-US"/>
+          </a:p>
+        </p:txBody>
+      </p:sp>
+      <p:sp>
+        <p:nvSpPr>
+          <p:cNvPr id="16" name="순서도: 연결자 15">
+            <a:extLst>
+              <a:ext uri="{FF2B5EF4-FFF2-40B4-BE49-F238E27FC236}">
+                <a16:creationId xmlns:a16="http://schemas.microsoft.com/office/drawing/2014/main" id="{CB3709E3-84E8-C574-3D1C-08221F5F2294}"/>
+              </a:ext>
+            </a:extLst>
+          </p:cNvPr>
+          <p:cNvSpPr/>
+          <p:nvPr/>
+        </p:nvSpPr>
+        <p:spPr>
+          <a:xfrm>
+            <a:off x="3523425" y="737452"/>
+            <a:ext cx="156117" cy="161693"/>
+          </a:xfrm>
+          <a:prstGeom prst="flowChartConnector">
+            <a:avLst/>
+          </a:prstGeom>
+          <a:solidFill>
+            <a:srgbClr val="FFFF00"/>
+          </a:solidFill>
+        </p:spPr>
+        <p:style>
+          <a:lnRef idx="2">
+            <a:schemeClr val="accent4">
+              <a:shade val="15000"/>
+            </a:schemeClr>
+          </a:lnRef>
+          <a:fillRef idx="1">
+            <a:schemeClr val="accent4"/>
+          </a:fillRef>
+          <a:effectRef idx="0">
+            <a:schemeClr val="accent4"/>
+          </a:effectRef>
+          <a:fontRef idx="minor">
+            <a:schemeClr val="lt1"/>
+          </a:fontRef>
+        </p:style>
+        <p:txBody>
+          <a:bodyPr rtlCol="0" anchor="ctr"/>
+          <a:lstStyle/>
+          <a:p>
+            <a:pPr algn="ctr"/>
+            <a:r>
+              <a:rPr lang="en-US" altLang="ko-KR" sz="1000">
+                <a:solidFill>
+                  <a:schemeClr val="tx1"/>
+                </a:solidFill>
+              </a:rPr>
+              <a:t>1</a:t>
+            </a:r>
+            <a:endParaRPr lang="ko-KR" altLang="en-US" sz="1000">
+              <a:solidFill>
+                <a:schemeClr val="tx1"/>
+              </a:solidFill>
+            </a:endParaRPr>
+          </a:p>
+        </p:txBody>
+      </p:sp>
+      <p:sp>
+        <p:nvSpPr>
+          <p:cNvPr id="17" name="순서도: 연결자 16">
+            <a:extLst>
+              <a:ext uri="{FF2B5EF4-FFF2-40B4-BE49-F238E27FC236}">
+                <a16:creationId xmlns:a16="http://schemas.microsoft.com/office/drawing/2014/main" id="{682CB48A-F2B0-C51F-832B-546D5BEC78D1}"/>
+              </a:ext>
+            </a:extLst>
+          </p:cNvPr>
+          <p:cNvSpPr/>
+          <p:nvPr/>
+        </p:nvSpPr>
+        <p:spPr>
+          <a:xfrm>
+            <a:off x="3523424" y="1257489"/>
+            <a:ext cx="156117" cy="161693"/>
+          </a:xfrm>
+          <a:prstGeom prst="flowChartConnector">
+            <a:avLst/>
+          </a:prstGeom>
+          <a:solidFill>
+            <a:srgbClr val="FFFF00"/>
+          </a:solidFill>
+        </p:spPr>
+        <p:style>
+          <a:lnRef idx="2">
+            <a:schemeClr val="accent4">
+              <a:shade val="15000"/>
+            </a:schemeClr>
+          </a:lnRef>
+          <a:fillRef idx="1">
+            <a:schemeClr val="accent4"/>
+          </a:fillRef>
+          <a:effectRef idx="0">
+            <a:schemeClr val="accent4"/>
+          </a:effectRef>
+          <a:fontRef idx="minor">
+            <a:schemeClr val="lt1"/>
+          </a:fontRef>
+        </p:style>
+        <p:txBody>
+          <a:bodyPr rtlCol="0" anchor="ctr"/>
+          <a:lstStyle/>
+          <a:p>
+            <a:pPr algn="ctr"/>
+            <a:r>
+              <a:rPr lang="en-US" altLang="ko-KR" sz="1000">
+                <a:solidFill>
+                  <a:schemeClr val="tx1"/>
+                </a:solidFill>
+              </a:rPr>
+              <a:t>2</a:t>
+            </a:r>
+            <a:endParaRPr lang="ko-KR" altLang="en-US" sz="1000">
+              <a:solidFill>
+                <a:schemeClr val="tx1"/>
+              </a:solidFill>
+            </a:endParaRPr>
+          </a:p>
+        </p:txBody>
+      </p:sp>
+      <p:sp>
+        <p:nvSpPr>
+          <p:cNvPr id="19" name="순서도: 연결자 18">
+            <a:extLst>
+              <a:ext uri="{FF2B5EF4-FFF2-40B4-BE49-F238E27FC236}">
+                <a16:creationId xmlns:a16="http://schemas.microsoft.com/office/drawing/2014/main" id="{64F5F885-6002-0EE2-22B0-25CCB799B775}"/>
+              </a:ext>
+            </a:extLst>
+          </p:cNvPr>
+          <p:cNvSpPr/>
+          <p:nvPr/>
+        </p:nvSpPr>
+        <p:spPr>
+          <a:xfrm>
+            <a:off x="3523423" y="1776081"/>
+            <a:ext cx="156117" cy="161693"/>
+          </a:xfrm>
+          <a:prstGeom prst="flowChartConnector">
+            <a:avLst/>
+          </a:prstGeom>
+          <a:solidFill>
+            <a:srgbClr val="FFFF00"/>
+          </a:solidFill>
+        </p:spPr>
+        <p:style>
+          <a:lnRef idx="2">
+            <a:schemeClr val="accent4">
+              <a:shade val="15000"/>
+            </a:schemeClr>
+          </a:lnRef>
+          <a:fillRef idx="1">
+            <a:schemeClr val="accent4"/>
+          </a:fillRef>
+          <a:effectRef idx="0">
+            <a:schemeClr val="accent4"/>
+          </a:effectRef>
+          <a:fontRef idx="minor">
+            <a:schemeClr val="lt1"/>
+          </a:fontRef>
+        </p:style>
+        <p:txBody>
+          <a:bodyPr rtlCol="0" anchor="ctr"/>
+          <a:lstStyle/>
+          <a:p>
+            <a:pPr algn="ctr"/>
+            <a:r>
+              <a:rPr lang="en-US" altLang="ko-KR" sz="1000">
+                <a:solidFill>
+                  <a:schemeClr val="tx1"/>
+                </a:solidFill>
+              </a:rPr>
+              <a:t>3</a:t>
+            </a:r>
+            <a:endParaRPr lang="ko-KR" altLang="en-US" sz="1000">
+              <a:solidFill>
+                <a:schemeClr val="tx1"/>
+              </a:solidFill>
+            </a:endParaRPr>
+          </a:p>
+        </p:txBody>
+      </p:sp>
+      <p:sp>
+        <p:nvSpPr>
+          <p:cNvPr id="27" name="순서도: 연결자 26">
+            <a:extLst>
+              <a:ext uri="{FF2B5EF4-FFF2-40B4-BE49-F238E27FC236}">
+                <a16:creationId xmlns:a16="http://schemas.microsoft.com/office/drawing/2014/main" id="{D45A0FD4-726D-C5F9-75C1-0747C2525FE3}"/>
+              </a:ext>
+            </a:extLst>
+          </p:cNvPr>
+          <p:cNvSpPr/>
+          <p:nvPr/>
+        </p:nvSpPr>
+        <p:spPr>
+          <a:xfrm>
+            <a:off x="3523422" y="2290326"/>
+            <a:ext cx="156117" cy="161693"/>
+          </a:xfrm>
+          <a:prstGeom prst="flowChartConnector">
+            <a:avLst/>
+          </a:prstGeom>
+          <a:solidFill>
+            <a:srgbClr val="FFFF00"/>
+          </a:solidFill>
+        </p:spPr>
+        <p:style>
+          <a:lnRef idx="2">
+            <a:schemeClr val="accent4">
+              <a:shade val="15000"/>
+            </a:schemeClr>
+          </a:lnRef>
+          <a:fillRef idx="1">
+            <a:schemeClr val="accent4"/>
+          </a:fillRef>
+          <a:effectRef idx="0">
+            <a:schemeClr val="accent4"/>
+          </a:effectRef>
+          <a:fontRef idx="minor">
+            <a:schemeClr val="lt1"/>
+          </a:fontRef>
+        </p:style>
+        <p:txBody>
+          <a:bodyPr rtlCol="0" anchor="ctr"/>
+          <a:lstStyle/>
+          <a:p>
+            <a:pPr algn="ctr"/>
+            <a:r>
+              <a:rPr lang="en-US" altLang="ko-KR" sz="1000">
+                <a:solidFill>
+                  <a:schemeClr val="tx1"/>
+                </a:solidFill>
+              </a:rPr>
+              <a:t>4</a:t>
+            </a:r>
+            <a:endParaRPr lang="ko-KR" altLang="en-US" sz="1000">
+              <a:solidFill>
+                <a:schemeClr val="tx1"/>
+              </a:solidFill>
+            </a:endParaRPr>
+          </a:p>
+        </p:txBody>
+      </p:sp>
+      <p:sp>
+        <p:nvSpPr>
+          <p:cNvPr id="28" name="순서도: 연결자 27">
+            <a:extLst>
+              <a:ext uri="{FF2B5EF4-FFF2-40B4-BE49-F238E27FC236}">
+                <a16:creationId xmlns:a16="http://schemas.microsoft.com/office/drawing/2014/main" id="{4DFEEB9B-8DE2-F8EE-5126-03017B908C55}"/>
+              </a:ext>
+            </a:extLst>
+          </p:cNvPr>
+          <p:cNvSpPr/>
+          <p:nvPr/>
+        </p:nvSpPr>
+        <p:spPr>
+          <a:xfrm>
+            <a:off x="3523421" y="2821496"/>
+            <a:ext cx="156117" cy="161693"/>
+          </a:xfrm>
+          <a:prstGeom prst="flowChartConnector">
+            <a:avLst/>
+          </a:prstGeom>
+          <a:solidFill>
+            <a:srgbClr val="FFFF00"/>
+          </a:solidFill>
+        </p:spPr>
+        <p:style>
+          <a:lnRef idx="2">
+            <a:schemeClr val="accent4">
+              <a:shade val="15000"/>
+            </a:schemeClr>
+          </a:lnRef>
+          <a:fillRef idx="1">
+            <a:schemeClr val="accent4"/>
+          </a:fillRef>
+          <a:effectRef idx="0">
+            <a:schemeClr val="accent4"/>
+          </a:effectRef>
+          <a:fontRef idx="minor">
+            <a:schemeClr val="lt1"/>
+          </a:fontRef>
+        </p:style>
+        <p:txBody>
+          <a:bodyPr rtlCol="0" anchor="ctr"/>
+          <a:lstStyle/>
+          <a:p>
+            <a:pPr algn="ctr"/>
+            <a:r>
+              <a:rPr lang="en-US" altLang="ko-KR" sz="1000">
+                <a:solidFill>
+                  <a:schemeClr val="tx1"/>
+                </a:solidFill>
+              </a:rPr>
+              <a:t>5</a:t>
+            </a:r>
+            <a:endParaRPr lang="ko-KR" altLang="en-US" sz="1000">
+              <a:solidFill>
+                <a:schemeClr val="tx1"/>
+              </a:solidFill>
+            </a:endParaRPr>
+          </a:p>
+        </p:txBody>
+      </p:sp>
+      <p:sp>
+        <p:nvSpPr>
+          <p:cNvPr id="29" name="순서도: 연결자 28">
+            <a:extLst>
+              <a:ext uri="{FF2B5EF4-FFF2-40B4-BE49-F238E27FC236}">
+                <a16:creationId xmlns:a16="http://schemas.microsoft.com/office/drawing/2014/main" id="{DEBFABA2-C874-F260-5ED6-894ED5EB4147}"/>
+              </a:ext>
+            </a:extLst>
+          </p:cNvPr>
+          <p:cNvSpPr/>
+          <p:nvPr/>
+        </p:nvSpPr>
+        <p:spPr>
+          <a:xfrm>
+            <a:off x="3523421" y="3297947"/>
+            <a:ext cx="156117" cy="161693"/>
+          </a:xfrm>
+          <a:prstGeom prst="flowChartConnector">
+            <a:avLst/>
+          </a:prstGeom>
+          <a:solidFill>
+            <a:srgbClr val="FFFF00"/>
+          </a:solidFill>
+        </p:spPr>
+        <p:style>
+          <a:lnRef idx="2">
+            <a:schemeClr val="accent4">
+              <a:shade val="15000"/>
+            </a:schemeClr>
+          </a:lnRef>
+          <a:fillRef idx="1">
+            <a:schemeClr val="accent4"/>
+          </a:fillRef>
+          <a:effectRef idx="0">
+            <a:schemeClr val="accent4"/>
+          </a:effectRef>
+          <a:fontRef idx="minor">
+            <a:schemeClr val="lt1"/>
+          </a:fontRef>
+        </p:style>
+        <p:txBody>
+          <a:bodyPr rtlCol="0" anchor="ctr"/>
+          <a:lstStyle/>
+          <a:p>
+            <a:pPr algn="ctr"/>
+            <a:r>
+              <a:rPr lang="en-US" altLang="ko-KR" sz="1000">
+                <a:solidFill>
+                  <a:schemeClr val="tx1"/>
+                </a:solidFill>
+              </a:rPr>
+              <a:t>6</a:t>
+            </a:r>
+            <a:endParaRPr lang="ko-KR" altLang="en-US" sz="1000">
+              <a:solidFill>
+                <a:schemeClr val="tx1"/>
+              </a:solidFill>
+            </a:endParaRPr>
+          </a:p>
+        </p:txBody>
+      </p:sp>
+      <p:sp>
+        <p:nvSpPr>
+          <p:cNvPr id="30" name="순서도: 연결자 29">
+            <a:extLst>
+              <a:ext uri="{FF2B5EF4-FFF2-40B4-BE49-F238E27FC236}">
+                <a16:creationId xmlns:a16="http://schemas.microsoft.com/office/drawing/2014/main" id="{8EF1AD50-5FF8-68EB-D582-6C264A43BB35}"/>
+              </a:ext>
+            </a:extLst>
+          </p:cNvPr>
+          <p:cNvSpPr/>
+          <p:nvPr/>
+        </p:nvSpPr>
+        <p:spPr>
+          <a:xfrm>
+            <a:off x="3523420" y="3826362"/>
+            <a:ext cx="156117" cy="161693"/>
+          </a:xfrm>
+          <a:prstGeom prst="flowChartConnector">
+            <a:avLst/>
+          </a:prstGeom>
+          <a:solidFill>
+            <a:srgbClr val="FFFF00"/>
+          </a:solidFill>
+        </p:spPr>
+        <p:style>
+          <a:lnRef idx="2">
+            <a:schemeClr val="accent4">
+              <a:shade val="15000"/>
+            </a:schemeClr>
+          </a:lnRef>
+          <a:fillRef idx="1">
+            <a:schemeClr val="accent4"/>
+          </a:fillRef>
+          <a:effectRef idx="0">
+            <a:schemeClr val="accent4"/>
+          </a:effectRef>
+          <a:fontRef idx="minor">
+            <a:schemeClr val="lt1"/>
+          </a:fontRef>
+        </p:style>
+        <p:txBody>
+          <a:bodyPr rtlCol="0" anchor="ctr"/>
+          <a:lstStyle/>
+          <a:p>
+            <a:pPr algn="ctr"/>
+            <a:r>
+              <a:rPr lang="en-US" altLang="ko-KR" sz="1000">
+                <a:solidFill>
+                  <a:schemeClr val="tx1"/>
+                </a:solidFill>
+              </a:rPr>
+              <a:t>7</a:t>
+            </a:r>
+            <a:endParaRPr lang="ko-KR" altLang="en-US" sz="1000">
+              <a:solidFill>
+                <a:schemeClr val="tx1"/>
+              </a:solidFill>
+            </a:endParaRPr>
+          </a:p>
+        </p:txBody>
+      </p:sp>
+      <p:sp>
+        <p:nvSpPr>
+          <p:cNvPr id="31" name="순서도: 연결자 30">
+            <a:extLst>
+              <a:ext uri="{FF2B5EF4-FFF2-40B4-BE49-F238E27FC236}">
+                <a16:creationId xmlns:a16="http://schemas.microsoft.com/office/drawing/2014/main" id="{A58E4E59-D25D-E806-2FAA-67FF50341A55}"/>
+              </a:ext>
+            </a:extLst>
+          </p:cNvPr>
+          <p:cNvSpPr/>
+          <p:nvPr/>
+        </p:nvSpPr>
+        <p:spPr>
+          <a:xfrm>
+            <a:off x="3523420" y="4373124"/>
+            <a:ext cx="156117" cy="161693"/>
+          </a:xfrm>
+          <a:prstGeom prst="flowChartConnector">
+            <a:avLst/>
+          </a:prstGeom>
+          <a:solidFill>
+            <a:srgbClr val="FFFF00"/>
+          </a:solidFill>
+        </p:spPr>
+        <p:style>
+          <a:lnRef idx="2">
+            <a:schemeClr val="accent4">
+              <a:shade val="15000"/>
+            </a:schemeClr>
+          </a:lnRef>
+          <a:fillRef idx="1">
+            <a:schemeClr val="accent4"/>
+          </a:fillRef>
+          <a:effectRef idx="0">
+            <a:schemeClr val="accent4"/>
+          </a:effectRef>
+          <a:fontRef idx="minor">
+            <a:schemeClr val="lt1"/>
+          </a:fontRef>
+        </p:style>
+        <p:txBody>
+          <a:bodyPr rtlCol="0" anchor="ctr"/>
+          <a:lstStyle/>
+          <a:p>
+            <a:pPr algn="ctr"/>
+            <a:r>
+              <a:rPr lang="en-US" altLang="ko-KR" sz="1000">
+                <a:solidFill>
+                  <a:schemeClr val="tx1"/>
+                </a:solidFill>
+              </a:rPr>
+              <a:t>8</a:t>
+            </a:r>
+            <a:endParaRPr lang="ko-KR" altLang="en-US" sz="1000">
+              <a:solidFill>
+                <a:schemeClr val="tx1"/>
+              </a:solidFill>
+            </a:endParaRPr>
+          </a:p>
+        </p:txBody>
+      </p:sp>
+      <p:sp>
+        <p:nvSpPr>
+          <p:cNvPr id="32" name="순서도: 연결자 31">
+            <a:extLst>
+              <a:ext uri="{FF2B5EF4-FFF2-40B4-BE49-F238E27FC236}">
+                <a16:creationId xmlns:a16="http://schemas.microsoft.com/office/drawing/2014/main" id="{A7D6DF00-E4D2-54F3-B2C2-B1F0847AC8D2}"/>
+              </a:ext>
+            </a:extLst>
+          </p:cNvPr>
+          <p:cNvSpPr/>
+          <p:nvPr/>
+        </p:nvSpPr>
+        <p:spPr>
+          <a:xfrm>
+            <a:off x="3523420" y="4906945"/>
+            <a:ext cx="156117" cy="161693"/>
+          </a:xfrm>
+          <a:prstGeom prst="flowChartConnector">
+            <a:avLst/>
+          </a:prstGeom>
+          <a:solidFill>
+            <a:srgbClr val="FFFF00"/>
+          </a:solidFill>
+        </p:spPr>
+        <p:style>
+          <a:lnRef idx="2">
+            <a:schemeClr val="accent4">
+              <a:shade val="15000"/>
+            </a:schemeClr>
+          </a:lnRef>
+          <a:fillRef idx="1">
+            <a:schemeClr val="accent4"/>
+          </a:fillRef>
+          <a:effectRef idx="0">
+            <a:schemeClr val="accent4"/>
+          </a:effectRef>
+          <a:fontRef idx="minor">
+            <a:schemeClr val="lt1"/>
+          </a:fontRef>
+        </p:style>
+        <p:txBody>
+          <a:bodyPr rtlCol="0" anchor="ctr"/>
+          <a:lstStyle/>
+          <a:p>
+            <a:pPr algn="ctr"/>
+            <a:r>
+              <a:rPr lang="en-US" altLang="ko-KR" sz="1000">
+                <a:solidFill>
+                  <a:schemeClr val="tx1"/>
+                </a:solidFill>
+              </a:rPr>
+              <a:t>9</a:t>
+            </a:r>
+            <a:endParaRPr lang="ko-KR" altLang="en-US" sz="1000">
+              <a:solidFill>
+                <a:schemeClr val="tx1"/>
+              </a:solidFill>
+            </a:endParaRPr>
+          </a:p>
+        </p:txBody>
+      </p:sp>
+      <p:sp>
+        <p:nvSpPr>
+          <p:cNvPr id="36" name="순서도: 연결자 35">
+            <a:extLst>
+              <a:ext uri="{FF2B5EF4-FFF2-40B4-BE49-F238E27FC236}">
+                <a16:creationId xmlns:a16="http://schemas.microsoft.com/office/drawing/2014/main" id="{0BE9767C-A520-9805-2B7B-0D597AF12B2B}"/>
+              </a:ext>
+            </a:extLst>
+          </p:cNvPr>
+          <p:cNvSpPr/>
+          <p:nvPr/>
+        </p:nvSpPr>
+        <p:spPr>
+          <a:xfrm>
+            <a:off x="3523420" y="5444212"/>
+            <a:ext cx="156117" cy="161693"/>
+          </a:xfrm>
+          <a:prstGeom prst="flowChartConnector">
+            <a:avLst/>
+          </a:prstGeom>
+          <a:solidFill>
+            <a:srgbClr val="FFFF00"/>
+          </a:solidFill>
+        </p:spPr>
+        <p:style>
+          <a:lnRef idx="2">
+            <a:schemeClr val="accent4">
+              <a:shade val="15000"/>
+            </a:schemeClr>
+          </a:lnRef>
+          <a:fillRef idx="1">
+            <a:schemeClr val="accent4"/>
+          </a:fillRef>
+          <a:effectRef idx="0">
+            <a:schemeClr val="accent4"/>
+          </a:effectRef>
+          <a:fontRef idx="minor">
+            <a:schemeClr val="lt1"/>
+          </a:fontRef>
+        </p:style>
+        <p:txBody>
+          <a:bodyPr rtlCol="0" anchor="ctr"/>
+          <a:lstStyle/>
+          <a:p>
+            <a:pPr algn="ctr"/>
+            <a:endParaRPr lang="ko-KR" altLang="en-US" sz="1000">
+              <a:solidFill>
+                <a:schemeClr val="tx1"/>
+              </a:solidFill>
+            </a:endParaRPr>
+          </a:p>
+        </p:txBody>
+      </p:sp>
+      <p:sp>
+        <p:nvSpPr>
+          <p:cNvPr id="37" name="TextBox 36">
+            <a:extLst>
+              <a:ext uri="{FF2B5EF4-FFF2-40B4-BE49-F238E27FC236}">
+                <a16:creationId xmlns:a16="http://schemas.microsoft.com/office/drawing/2014/main" id="{31330CF2-6CAF-C50F-4043-A232A06D7F23}"/>
+              </a:ext>
+            </a:extLst>
+          </p:cNvPr>
+          <p:cNvSpPr txBox="1"/>
+          <p:nvPr/>
+        </p:nvSpPr>
+        <p:spPr>
+          <a:xfrm>
+            <a:off x="3424856" y="5401947"/>
+            <a:ext cx="395257" cy="246221"/>
+          </a:xfrm>
+          <a:prstGeom prst="rect">
+            <a:avLst/>
+          </a:prstGeom>
+          <a:noFill/>
+        </p:spPr>
+        <p:txBody>
+          <a:bodyPr wrap="square" rtlCol="0">
+            <a:spAutoFit/>
+          </a:bodyPr>
+          <a:lstStyle/>
+          <a:p>
+            <a:r>
+              <a:rPr lang="en-US" altLang="ko-KR" sz="1000"/>
+              <a:t>10</a:t>
+            </a:r>
+            <a:endParaRPr lang="ko-KR" altLang="en-US" sz="1000"/>
+          </a:p>
+        </p:txBody>
+      </p:sp>
+      <p:sp>
+        <p:nvSpPr>
+          <p:cNvPr id="41" name="사각형: 둥근 모서리 40">
+            <a:extLst>
+              <a:ext uri="{FF2B5EF4-FFF2-40B4-BE49-F238E27FC236}">
+                <a16:creationId xmlns:a16="http://schemas.microsoft.com/office/drawing/2014/main" id="{AFB48200-0BC6-5267-8425-75A7633D8BB7}"/>
+              </a:ext>
+            </a:extLst>
+          </p:cNvPr>
+          <p:cNvSpPr/>
+          <p:nvPr/>
+        </p:nvSpPr>
+        <p:spPr>
+          <a:xfrm>
+            <a:off x="5309344" y="6062326"/>
+            <a:ext cx="950879" cy="596762"/>
+          </a:xfrm>
+          <a:prstGeom prst="roundRect">
+            <a:avLst/>
+          </a:prstGeom>
+          <a:solidFill>
+            <a:schemeClr val="accent1"/>
+          </a:solidFill>
+          <a:ln>
+            <a:noFill/>
+          </a:ln>
+        </p:spPr>
+        <p:style>
+          <a:lnRef idx="0">
+            <a:scrgbClr r="0" g="0" b="0"/>
+          </a:lnRef>
+          <a:fillRef idx="0">
+            <a:scrgbClr r="0" g="0" b="0"/>
+          </a:fillRef>
+          <a:effectRef idx="0">
+            <a:scrgbClr r="0" g="0" b="0"/>
+          </a:effectRef>
+          <a:fontRef idx="minor">
+            <a:schemeClr val="lt1"/>
+          </a:fontRef>
+        </p:style>
+        <p:txBody>
+          <a:bodyPr rtlCol="0" anchor="ctr"/>
+          <a:lstStyle/>
+          <a:p>
+            <a:pPr algn="ctr"/>
+            <a:r>
+              <a:rPr lang="ko-KR" altLang="en-US"/>
+              <a:t>수정</a:t>
+            </a:r>
+          </a:p>
+        </p:txBody>
+      </p:sp>
+      <p:sp>
+        <p:nvSpPr>
+          <p:cNvPr id="42" name="사각형: 둥근 모서리 41">
+            <a:extLst>
+              <a:ext uri="{FF2B5EF4-FFF2-40B4-BE49-F238E27FC236}">
+                <a16:creationId xmlns:a16="http://schemas.microsoft.com/office/drawing/2014/main" id="{31E766A9-7546-7869-EA50-10F250DAE7E4}"/>
+              </a:ext>
+            </a:extLst>
+          </p:cNvPr>
+          <p:cNvSpPr/>
+          <p:nvPr/>
+        </p:nvSpPr>
+        <p:spPr>
+          <a:xfrm>
+            <a:off x="6324567" y="6060168"/>
+            <a:ext cx="950879" cy="596762"/>
+          </a:xfrm>
+          <a:prstGeom prst="roundRect">
+            <a:avLst/>
+          </a:prstGeom>
+          <a:solidFill>
+            <a:schemeClr val="accent1"/>
+          </a:solidFill>
+          <a:ln>
+            <a:noFill/>
+          </a:ln>
+        </p:spPr>
+        <p:style>
+          <a:lnRef idx="0">
+            <a:scrgbClr r="0" g="0" b="0"/>
+          </a:lnRef>
+          <a:fillRef idx="0">
+            <a:scrgbClr r="0" g="0" b="0"/>
+          </a:fillRef>
+          <a:effectRef idx="0">
+            <a:scrgbClr r="0" g="0" b="0"/>
+          </a:effectRef>
+          <a:fontRef idx="minor">
+            <a:schemeClr val="lt1"/>
+          </a:fontRef>
+        </p:style>
+        <p:txBody>
+          <a:bodyPr rtlCol="0" anchor="ctr"/>
+          <a:lstStyle/>
+          <a:p>
+            <a:pPr algn="ctr"/>
+            <a:r>
+              <a:rPr lang="ko-KR" altLang="en-US"/>
+              <a:t>취소</a:t>
+            </a:r>
+          </a:p>
+        </p:txBody>
+      </p:sp>
+      <p:sp>
+        <p:nvSpPr>
+          <p:cNvPr id="45" name="순서도: 연결자 44">
+            <a:extLst>
+              <a:ext uri="{FF2B5EF4-FFF2-40B4-BE49-F238E27FC236}">
+                <a16:creationId xmlns:a16="http://schemas.microsoft.com/office/drawing/2014/main" id="{94F26A40-D256-751C-2D89-330BD5FDF536}"/>
+              </a:ext>
+            </a:extLst>
+          </p:cNvPr>
+          <p:cNvSpPr/>
+          <p:nvPr/>
+        </p:nvSpPr>
+        <p:spPr>
+          <a:xfrm>
+            <a:off x="5323767" y="5966746"/>
+            <a:ext cx="167635" cy="186844"/>
+          </a:xfrm>
+          <a:prstGeom prst="flowChartConnector">
+            <a:avLst/>
+          </a:prstGeom>
+          <a:solidFill>
+            <a:srgbClr val="FFFF00"/>
+          </a:solidFill>
+        </p:spPr>
+        <p:style>
+          <a:lnRef idx="2">
+            <a:schemeClr val="accent4">
+              <a:shade val="15000"/>
+            </a:schemeClr>
+          </a:lnRef>
+          <a:fillRef idx="1">
+            <a:schemeClr val="accent4"/>
+          </a:fillRef>
+          <a:effectRef idx="0">
+            <a:schemeClr val="accent4"/>
+          </a:effectRef>
+          <a:fontRef idx="minor">
+            <a:schemeClr val="lt1"/>
+          </a:fontRef>
+        </p:style>
+        <p:txBody>
+          <a:bodyPr rtlCol="0" anchor="ctr"/>
+          <a:lstStyle/>
+          <a:p>
+            <a:pPr algn="ctr"/>
+            <a:endParaRPr lang="ko-KR" altLang="en-US" sz="1000">
+              <a:solidFill>
+                <a:schemeClr val="tx1"/>
+              </a:solidFill>
+            </a:endParaRPr>
+          </a:p>
+        </p:txBody>
+      </p:sp>
+      <p:sp>
+        <p:nvSpPr>
+          <p:cNvPr id="46" name="TextBox 45">
+            <a:extLst>
+              <a:ext uri="{FF2B5EF4-FFF2-40B4-BE49-F238E27FC236}">
+                <a16:creationId xmlns:a16="http://schemas.microsoft.com/office/drawing/2014/main" id="{A5A2026D-7575-E590-3E95-371E92D84244}"/>
+              </a:ext>
+            </a:extLst>
+          </p:cNvPr>
+          <p:cNvSpPr txBox="1"/>
+          <p:nvPr/>
+        </p:nvSpPr>
+        <p:spPr>
+          <a:xfrm>
+            <a:off x="5241878" y="5937057"/>
+            <a:ext cx="331411" cy="246221"/>
+          </a:xfrm>
+          <a:prstGeom prst="rect">
+            <a:avLst/>
+          </a:prstGeom>
+          <a:noFill/>
+        </p:spPr>
+        <p:txBody>
+          <a:bodyPr wrap="square" rtlCol="0">
+            <a:spAutoFit/>
+          </a:bodyPr>
+          <a:lstStyle/>
+          <a:p>
+            <a:r>
+              <a:rPr lang="en-US" altLang="ko-KR" sz="1000"/>
+              <a:t>11</a:t>
+            </a:r>
+            <a:endParaRPr lang="ko-KR" altLang="en-US" sz="1000"/>
+          </a:p>
+        </p:txBody>
+      </p:sp>
+      <p:sp>
+        <p:nvSpPr>
+          <p:cNvPr id="47" name="순서도: 연결자 46">
+            <a:extLst>
+              <a:ext uri="{FF2B5EF4-FFF2-40B4-BE49-F238E27FC236}">
+                <a16:creationId xmlns:a16="http://schemas.microsoft.com/office/drawing/2014/main" id="{BAD4E866-2174-A048-CEBA-6B45B8BBE04A}"/>
+              </a:ext>
+            </a:extLst>
+          </p:cNvPr>
+          <p:cNvSpPr/>
+          <p:nvPr/>
+        </p:nvSpPr>
+        <p:spPr>
+          <a:xfrm>
+            <a:off x="6362743" y="5966746"/>
+            <a:ext cx="167635" cy="186844"/>
+          </a:xfrm>
+          <a:prstGeom prst="flowChartConnector">
+            <a:avLst/>
+          </a:prstGeom>
+          <a:solidFill>
+            <a:srgbClr val="FFFF00"/>
+          </a:solidFill>
+        </p:spPr>
+        <p:style>
+          <a:lnRef idx="2">
+            <a:schemeClr val="accent4">
+              <a:shade val="15000"/>
+            </a:schemeClr>
+          </a:lnRef>
+          <a:fillRef idx="1">
+            <a:schemeClr val="accent4"/>
+          </a:fillRef>
+          <a:effectRef idx="0">
+            <a:schemeClr val="accent4"/>
+          </a:effectRef>
+          <a:fontRef idx="minor">
+            <a:schemeClr val="lt1"/>
+          </a:fontRef>
+        </p:style>
+        <p:txBody>
+          <a:bodyPr rtlCol="0" anchor="ctr"/>
+          <a:lstStyle/>
+          <a:p>
+            <a:pPr algn="ctr"/>
+            <a:endParaRPr lang="ko-KR" altLang="en-US" sz="1000">
+              <a:solidFill>
+                <a:schemeClr val="tx1"/>
+              </a:solidFill>
+            </a:endParaRPr>
+          </a:p>
+        </p:txBody>
+      </p:sp>
+      <p:sp>
+        <p:nvSpPr>
+          <p:cNvPr id="48" name="TextBox 47">
+            <a:extLst>
+              <a:ext uri="{FF2B5EF4-FFF2-40B4-BE49-F238E27FC236}">
+                <a16:creationId xmlns:a16="http://schemas.microsoft.com/office/drawing/2014/main" id="{BA65BA22-098B-9643-27E2-BBC31844BD0C}"/>
+              </a:ext>
+            </a:extLst>
+          </p:cNvPr>
+          <p:cNvSpPr txBox="1"/>
+          <p:nvPr/>
+        </p:nvSpPr>
+        <p:spPr>
+          <a:xfrm>
+            <a:off x="6286753" y="5937057"/>
+            <a:ext cx="331411" cy="246221"/>
+          </a:xfrm>
+          <a:prstGeom prst="rect">
+            <a:avLst/>
+          </a:prstGeom>
+          <a:noFill/>
+        </p:spPr>
+        <p:txBody>
+          <a:bodyPr wrap="square" rtlCol="0">
+            <a:spAutoFit/>
+          </a:bodyPr>
+          <a:lstStyle/>
+          <a:p>
+            <a:r>
+              <a:rPr lang="en-US" altLang="ko-KR" sz="1000"/>
+              <a:t>12</a:t>
+            </a:r>
+            <a:endParaRPr lang="ko-KR" altLang="en-US" sz="1000"/>
+          </a:p>
+        </p:txBody>
+      </p:sp>
+    </p:spTree>
+    <p:extLst>
+      <p:ext uri="{BB962C8B-B14F-4D97-AF65-F5344CB8AC3E}">
+        <p14:creationId xmlns:p14="http://schemas.microsoft.com/office/powerpoint/2010/main" val="1234766075"/>
       </p:ext>
     </p:extLst>
   </p:cSld>
@@ -5688,4 +8635,299 @@
     </a:ext>
   </a:extLst>
 </a:theme>
+</file>
+
+<file path=ppt/theme/theme2.xml><?xml version="1.0" encoding="utf-8"?>
+<a:theme xmlns:a="http://schemas.openxmlformats.org/drawingml/2006/main" name="Office 테마">
+  <a:themeElements>
+    <a:clrScheme name="Office">
+      <a:dk1>
+        <a:sysClr val="windowText" lastClr="000000"/>
+      </a:dk1>
+      <a:lt1>
+        <a:sysClr val="window" lastClr="FFFFFF"/>
+      </a:lt1>
+      <a:dk2>
+        <a:srgbClr val="44546A"/>
+      </a:dk2>
+      <a:lt2>
+        <a:srgbClr val="E7E6E6"/>
+      </a:lt2>
+      <a:accent1>
+        <a:srgbClr val="4472C4"/>
+      </a:accent1>
+      <a:accent2>
+        <a:srgbClr val="ED7D31"/>
+      </a:accent2>
+      <a:accent3>
+        <a:srgbClr val="A5A5A5"/>
+      </a:accent3>
+      <a:accent4>
+        <a:srgbClr val="FFC000"/>
+      </a:accent4>
+      <a:accent5>
+        <a:srgbClr val="5B9BD5"/>
+      </a:accent5>
+      <a:accent6>
+        <a:srgbClr val="70AD47"/>
+      </a:accent6>
+      <a:hlink>
+        <a:srgbClr val="0563C1"/>
+      </a:hlink>
+      <a:folHlink>
+        <a:srgbClr val="954F72"/>
+      </a:folHlink>
+    </a:clrScheme>
+    <a:fontScheme name="Office">
+      <a:majorFont>
+        <a:latin typeface="맑은 고딕" panose="020F0302020204030204"/>
+        <a:ea typeface=""/>
+        <a:cs typeface=""/>
+        <a:font script="Jpan" typeface="游ゴシック Light"/>
+        <a:font script="Hang" typeface="맑은 고딕"/>
+        <a:font script="Hans" typeface="等线 Light"/>
+        <a:font script="Hant" typeface="新細明體"/>
+        <a:font script="Arab" typeface="Times New Roman"/>
+        <a:font script="Hebr" typeface="Times New Roman"/>
+        <a:font script="Thai" typeface="Angsana New"/>
+        <a:font script="Ethi" typeface="Nyala"/>
+        <a:font script="Beng" typeface="Vrinda"/>
+        <a:font script="Gujr" typeface="Shruti"/>
+        <a:font script="Khmr" typeface="MoolBoran"/>
+        <a:font script="Knda" typeface="Tunga"/>
+        <a:font script="Guru" typeface="Raavi"/>
+        <a:font script="Cans" typeface="Euphemia"/>
+        <a:font script="Cher" typeface="Plantagenet Cherokee"/>
+        <a:font script="Yiii" typeface="Microsoft Yi Baiti"/>
+        <a:font script="Tibt" typeface="Microsoft Himalaya"/>
+        <a:font script="Thaa" typeface="MV Boli"/>
+        <a:font script="Deva" typeface="Mangal"/>
+        <a:font script="Telu" typeface="Gautami"/>
+        <a:font script="Taml" typeface="Latha"/>
+        <a:font script="Syrc" typeface="Estrangelo Edessa"/>
+        <a:font script="Orya" typeface="Kalinga"/>
+        <a:font script="Mlym" typeface="Kartika"/>
+        <a:font script="Laoo" typeface="DokChampa"/>
+        <a:font script="Sinh" typeface="Iskoola Pota"/>
+        <a:font script="Mong" typeface="Mongolian Baiti"/>
+        <a:font script="Viet" typeface="Times New Roman"/>
+        <a:font script="Uigh" typeface="Microsoft Uighur"/>
+        <a:font script="Geor" typeface="Sylfaen"/>
+        <a:font script="Armn" typeface="Arial"/>
+        <a:font script="Bugi" typeface="Leelawadee UI"/>
+        <a:font script="Bopo" typeface="Microsoft JhengHei"/>
+        <a:font script="Java" typeface="Javanese Text"/>
+        <a:font script="Lisu" typeface="Segoe UI"/>
+        <a:font script="Mymr" typeface="Myanmar Text"/>
+        <a:font script="Nkoo" typeface="Ebrima"/>
+        <a:font script="Olck" typeface="Nirmala UI"/>
+        <a:font script="Osma" typeface="Ebrima"/>
+        <a:font script="Phag" typeface="Phagspa"/>
+        <a:font script="Syrn" typeface="Estrangelo Edessa"/>
+        <a:font script="Syrj" typeface="Estrangelo Edessa"/>
+        <a:font script="Syre" typeface="Estrangelo Edessa"/>
+        <a:font script="Sora" typeface="Nirmala UI"/>
+        <a:font script="Tale" typeface="Microsoft Tai Le"/>
+        <a:font script="Talu" typeface="Microsoft New Tai Lue"/>
+        <a:font script="Tfng" typeface="Ebrima"/>
+      </a:majorFont>
+      <a:minorFont>
+        <a:latin typeface="맑은 고딕" panose="020F0502020204030204"/>
+        <a:ea typeface=""/>
+        <a:cs typeface=""/>
+        <a:font script="Jpan" typeface="游ゴシック"/>
+        <a:font script="Hang" typeface="맑은 고딕"/>
+        <a:font script="Hans" typeface="等线"/>
+        <a:font script="Hant" typeface="新細明體"/>
+        <a:font script="Arab" typeface="Arial"/>
+        <a:font script="Hebr" typeface="Arial"/>
+        <a:font script="Thai" typeface="Cordia New"/>
+        <a:font script="Ethi" typeface="Nyala"/>
+        <a:font script="Beng" typeface="Vrinda"/>
+        <a:font script="Gujr" typeface="Shruti"/>
+        <a:font script="Khmr" typeface="DaunPenh"/>
+        <a:font script="Knda" typeface="Tunga"/>
+        <a:font script="Guru" typeface="Raavi"/>
+        <a:font script="Cans" typeface="Euphemia"/>
+        <a:font script="Cher" typeface="Plantagenet Cherokee"/>
+        <a:font script="Yiii" typeface="Microsoft Yi Baiti"/>
+        <a:font script="Tibt" typeface="Microsoft Himalaya"/>
+        <a:font script="Thaa" typeface="MV Boli"/>
+        <a:font script="Deva" typeface="Mangal"/>
+        <a:font script="Telu" typeface="Gautami"/>
+        <a:font script="Taml" typeface="Latha"/>
+        <a:font script="Syrc" typeface="Estrangelo Edessa"/>
+        <a:font script="Orya" typeface="Kalinga"/>
+        <a:font script="Mlym" typeface="Kartika"/>
+        <a:font script="Laoo" typeface="DokChampa"/>
+        <a:font script="Sinh" typeface="Iskoola Pota"/>
+        <a:font script="Mong" typeface="Mongolian Baiti"/>
+        <a:font script="Viet" typeface="Arial"/>
+        <a:font script="Uigh" typeface="Microsoft Uighur"/>
+        <a:font script="Geor" typeface="Sylfaen"/>
+        <a:font script="Armn" typeface="Arial"/>
+        <a:font script="Bugi" typeface="Leelawadee UI"/>
+        <a:font script="Bopo" typeface="Microsoft JhengHei"/>
+        <a:font script="Java" typeface="Javanese Text"/>
+        <a:font script="Lisu" typeface="Segoe UI"/>
+        <a:font script="Mymr" typeface="Myanmar Text"/>
+        <a:font script="Nkoo" typeface="Ebrima"/>
+        <a:font script="Olck" typeface="Nirmala UI"/>
+        <a:font script="Osma" typeface="Ebrima"/>
+        <a:font script="Phag" typeface="Phagspa"/>
+        <a:font script="Syrn" typeface="Estrangelo Edessa"/>
+        <a:font script="Syrj" typeface="Estrangelo Edessa"/>
+        <a:font script="Syre" typeface="Estrangelo Edessa"/>
+        <a:font script="Sora" typeface="Nirmala UI"/>
+        <a:font script="Tale" typeface="Microsoft Tai Le"/>
+        <a:font script="Talu" typeface="Microsoft New Tai Lue"/>
+        <a:font script="Tfng" typeface="Ebrima"/>
+      </a:minorFont>
+    </a:fontScheme>
+    <a:fmtScheme name="Office">
+      <a:fillStyleLst>
+        <a:solidFill>
+          <a:schemeClr val="phClr"/>
+        </a:solidFill>
+        <a:gradFill rotWithShape="1">
+          <a:gsLst>
+            <a:gs pos="0">
+              <a:schemeClr val="phClr">
+                <a:lumMod val="110000"/>
+                <a:satMod val="105000"/>
+                <a:tint val="67000"/>
+              </a:schemeClr>
+            </a:gs>
+            <a:gs pos="50000">
+              <a:schemeClr val="phClr">
+                <a:lumMod val="105000"/>
+                <a:satMod val="103000"/>
+                <a:tint val="73000"/>
+              </a:schemeClr>
+            </a:gs>
+            <a:gs pos="100000">
+              <a:schemeClr val="phClr">
+                <a:lumMod val="105000"/>
+                <a:satMod val="109000"/>
+                <a:tint val="81000"/>
+              </a:schemeClr>
+            </a:gs>
+          </a:gsLst>
+          <a:lin ang="5400000" scaled="0"/>
+        </a:gradFill>
+        <a:gradFill rotWithShape="1">
+          <a:gsLst>
+            <a:gs pos="0">
+              <a:schemeClr val="phClr">
+                <a:satMod val="103000"/>
+                <a:lumMod val="102000"/>
+                <a:tint val="94000"/>
+              </a:schemeClr>
+            </a:gs>
+            <a:gs pos="50000">
+              <a:schemeClr val="phClr">
+                <a:satMod val="110000"/>
+                <a:lumMod val="100000"/>
+                <a:shade val="100000"/>
+              </a:schemeClr>
+            </a:gs>
+            <a:gs pos="100000">
+              <a:schemeClr val="phClr">
+                <a:lumMod val="99000"/>
+                <a:satMod val="120000"/>
+                <a:shade val="78000"/>
+              </a:schemeClr>
+            </a:gs>
+          </a:gsLst>
+          <a:lin ang="5400000" scaled="0"/>
+        </a:gradFill>
+      </a:fillStyleLst>
+      <a:lnStyleLst>
+        <a:ln w="6350" cap="flat" cmpd="sng" algn="ctr">
+          <a:solidFill>
+            <a:schemeClr val="phClr"/>
+          </a:solidFill>
+          <a:prstDash val="solid"/>
+          <a:miter lim="800000"/>
+        </a:ln>
+        <a:ln w="12700" cap="flat" cmpd="sng" algn="ctr">
+          <a:solidFill>
+            <a:schemeClr val="phClr"/>
+          </a:solidFill>
+          <a:prstDash val="solid"/>
+          <a:miter lim="800000"/>
+        </a:ln>
+        <a:ln w="19050" cap="flat" cmpd="sng" algn="ctr">
+          <a:solidFill>
+            <a:schemeClr val="phClr"/>
+          </a:solidFill>
+          <a:prstDash val="solid"/>
+          <a:miter lim="800000"/>
+        </a:ln>
+      </a:lnStyleLst>
+      <a:effectStyleLst>
+        <a:effectStyle>
+          <a:effectLst/>
+        </a:effectStyle>
+        <a:effectStyle>
+          <a:effectLst/>
+        </a:effectStyle>
+        <a:effectStyle>
+          <a:effectLst>
+            <a:outerShdw blurRad="57150" dist="19050" dir="5400000" algn="ctr" rotWithShape="0">
+              <a:srgbClr val="000000">
+                <a:alpha val="63000"/>
+              </a:srgbClr>
+            </a:outerShdw>
+          </a:effectLst>
+        </a:effectStyle>
+      </a:effectStyleLst>
+      <a:bgFillStyleLst>
+        <a:solidFill>
+          <a:schemeClr val="phClr"/>
+        </a:solidFill>
+        <a:solidFill>
+          <a:schemeClr val="phClr">
+            <a:tint val="95000"/>
+            <a:satMod val="170000"/>
+          </a:schemeClr>
+        </a:solidFill>
+        <a:gradFill rotWithShape="1">
+          <a:gsLst>
+            <a:gs pos="0">
+              <a:schemeClr val="phClr">
+                <a:tint val="93000"/>
+                <a:satMod val="150000"/>
+                <a:shade val="98000"/>
+                <a:lumMod val="102000"/>
+              </a:schemeClr>
+            </a:gs>
+            <a:gs pos="50000">
+              <a:schemeClr val="phClr">
+                <a:tint val="98000"/>
+                <a:satMod val="130000"/>
+                <a:shade val="90000"/>
+                <a:lumMod val="103000"/>
+              </a:schemeClr>
+            </a:gs>
+            <a:gs pos="100000">
+              <a:schemeClr val="phClr">
+                <a:shade val="63000"/>
+                <a:satMod val="120000"/>
+              </a:schemeClr>
+            </a:gs>
+          </a:gsLst>
+          <a:lin ang="5400000" scaled="0"/>
+        </a:gradFill>
+      </a:bgFillStyleLst>
+    </a:fmtScheme>
+  </a:themeElements>
+  <a:objectDefaults/>
+  <a:extraClrSchemeLst/>
+  <a:extLst>
+    <a:ext uri="{05A4C25C-085E-4340-85A3-A5531E510DB2}">
+      <thm15:themeFamily xmlns:thm15="http://schemas.microsoft.com/office/thememl/2012/main" name="Office Theme" id="{62F939B6-93AF-4DB8-9C6B-D6C7DFDC589F}" vid="{4A3C46E8-61CC-4603-A589-7422A47A8E4A}"/>
+    </a:ext>
+  </a:extLst>
+</a:theme>
 </file>